--- a/.transfer your modding stuff here/### Numahr/Templates/Holy Sites Templates/Holy Sites Map Template.pptx
+++ b/.transfer your modding stuff here/### Numahr/Templates/Holy Sites Templates/Holy Sites Map Template.pptx
@@ -4,10 +4,19 @@
   <p:sldMasterIdLst>
     <p:sldMasterId id="2147483648" r:id="rId1"/>
   </p:sldMasterIdLst>
+  <p:handoutMasterIdLst>
+    <p:handoutMasterId r:id="rId11"/>
+  </p:handoutMasterIdLst>
   <p:sldIdLst>
-    <p:sldId id="261" r:id="rId2"/>
-    <p:sldId id="262" r:id="rId3"/>
-    <p:sldId id="263" r:id="rId4"/>
+    <p:sldId id="265" r:id="rId2"/>
+    <p:sldId id="268" r:id="rId3"/>
+    <p:sldId id="269" r:id="rId4"/>
+    <p:sldId id="270" r:id="rId5"/>
+    <p:sldId id="267" r:id="rId6"/>
+    <p:sldId id="264" r:id="rId7"/>
+    <p:sldId id="261" r:id="rId8"/>
+    <p:sldId id="262" r:id="rId9"/>
+    <p:sldId id="263" r:id="rId10"/>
   </p:sldIdLst>
   <p:sldSz cx="6858000" cy="9144000" type="screen4x3"/>
   <p:notesSz cx="6858000" cy="9144000"/>
@@ -121,8 +130,176 @@
         </p15:guide>
       </p15:sldGuideLst>
     </p:ext>
+    <p:ext uri="{2D200454-40CA-4A62-9FC3-DE9A4176ACB9}">
+      <p15:notesGuideLst xmlns:p15="http://schemas.microsoft.com/office/powerpoint/2012/main"/>
+    </p:ext>
   </p:extLst>
 </p:presentation>
+</file>
+
+<file path=ppt/handoutMasters/handoutMaster1.xml><?xml version="1.0" encoding="utf-8"?>
+<p:handoutMaster xmlns:a="http://schemas.openxmlformats.org/drawingml/2006/main" xmlns:r="http://schemas.openxmlformats.org/officeDocument/2006/relationships" xmlns:p="http://schemas.openxmlformats.org/presentationml/2006/main">
+  <p:cSld>
+    <p:bg>
+      <p:bgRef idx="1001">
+        <a:schemeClr val="bg1"/>
+      </p:bgRef>
+    </p:bg>
+    <p:spTree>
+      <p:nvGrpSpPr>
+        <p:cNvPr id="1" name=""/>
+        <p:cNvGrpSpPr/>
+        <p:nvPr/>
+      </p:nvGrpSpPr>
+      <p:grpSpPr>
+        <a:xfrm>
+          <a:off x="0" y="0"/>
+          <a:ext cx="0" cy="0"/>
+          <a:chOff x="0" y="0"/>
+          <a:chExt cx="0" cy="0"/>
+        </a:xfrm>
+      </p:grpSpPr>
+      <p:sp>
+        <p:nvSpPr>
+          <p:cNvPr id="2" name="Espace réservé de l'en-tête 1"/>
+          <p:cNvSpPr>
+            <a:spLocks noGrp="1"/>
+          </p:cNvSpPr>
+          <p:nvPr>
+            <p:ph type="hdr" sz="quarter"/>
+          </p:nvPr>
+        </p:nvSpPr>
+        <p:spPr>
+          <a:xfrm>
+            <a:off x="0" y="0"/>
+            <a:ext cx="2971800" cy="458788"/>
+          </a:xfrm>
+          <a:prstGeom prst="rect">
+            <a:avLst/>
+          </a:prstGeom>
+        </p:spPr>
+        <p:txBody>
+          <a:bodyPr vert="horz" lIns="91440" tIns="45720" rIns="91440" bIns="45720" rtlCol="0"/>
+          <a:lstStyle>
+            <a:lvl1pPr algn="l">
+              <a:defRPr sz="1200"/>
+            </a:lvl1pPr>
+          </a:lstStyle>
+          <a:p>
+            <a:endParaRPr lang="en-GB"/>
+          </a:p>
+        </p:txBody>
+      </p:sp>
+      <p:sp>
+        <p:nvSpPr>
+          <p:cNvPr id="3" name="Espace réservé de la date 2"/>
+          <p:cNvSpPr>
+            <a:spLocks noGrp="1"/>
+          </p:cNvSpPr>
+          <p:nvPr>
+            <p:ph type="dt" sz="quarter" idx="1"/>
+          </p:nvPr>
+        </p:nvSpPr>
+        <p:spPr>
+          <a:xfrm>
+            <a:off x="3884613" y="0"/>
+            <a:ext cx="2971800" cy="458788"/>
+          </a:xfrm>
+          <a:prstGeom prst="rect">
+            <a:avLst/>
+          </a:prstGeom>
+        </p:spPr>
+        <p:txBody>
+          <a:bodyPr vert="horz" lIns="91440" tIns="45720" rIns="91440" bIns="45720" rtlCol="0"/>
+          <a:lstStyle>
+            <a:lvl1pPr algn="r">
+              <a:defRPr sz="1200"/>
+            </a:lvl1pPr>
+          </a:lstStyle>
+          <a:p>
+            <a:fld id="{7DDAF9D4-D63C-4348-B776-619FDB10D6E0}" type="datetimeFigureOut">
+              <a:rPr lang="en-GB" smtClean="0"/>
+              <a:t>21/07/2014</a:t>
+            </a:fld>
+            <a:endParaRPr lang="en-GB"/>
+          </a:p>
+        </p:txBody>
+      </p:sp>
+      <p:sp>
+        <p:nvSpPr>
+          <p:cNvPr id="4" name="Espace réservé du pied de page 3"/>
+          <p:cNvSpPr>
+            <a:spLocks noGrp="1"/>
+          </p:cNvSpPr>
+          <p:nvPr>
+            <p:ph type="ftr" sz="quarter" idx="2"/>
+          </p:nvPr>
+        </p:nvSpPr>
+        <p:spPr>
+          <a:xfrm>
+            <a:off x="0" y="8685213"/>
+            <a:ext cx="2971800" cy="458787"/>
+          </a:xfrm>
+          <a:prstGeom prst="rect">
+            <a:avLst/>
+          </a:prstGeom>
+        </p:spPr>
+        <p:txBody>
+          <a:bodyPr vert="horz" lIns="91440" tIns="45720" rIns="91440" bIns="45720" rtlCol="0" anchor="b"/>
+          <a:lstStyle>
+            <a:lvl1pPr algn="l">
+              <a:defRPr sz="1200"/>
+            </a:lvl1pPr>
+          </a:lstStyle>
+          <a:p>
+            <a:endParaRPr lang="en-GB"/>
+          </a:p>
+        </p:txBody>
+      </p:sp>
+      <p:sp>
+        <p:nvSpPr>
+          <p:cNvPr id="5" name="Espace réservé du numéro de diapositive 4"/>
+          <p:cNvSpPr>
+            <a:spLocks noGrp="1"/>
+          </p:cNvSpPr>
+          <p:nvPr>
+            <p:ph type="sldNum" sz="quarter" idx="3"/>
+          </p:nvPr>
+        </p:nvSpPr>
+        <p:spPr>
+          <a:xfrm>
+            <a:off x="3884613" y="8685213"/>
+            <a:ext cx="2971800" cy="458787"/>
+          </a:xfrm>
+          <a:prstGeom prst="rect">
+            <a:avLst/>
+          </a:prstGeom>
+        </p:spPr>
+        <p:txBody>
+          <a:bodyPr vert="horz" lIns="91440" tIns="45720" rIns="91440" bIns="45720" rtlCol="0" anchor="b"/>
+          <a:lstStyle>
+            <a:lvl1pPr algn="r">
+              <a:defRPr sz="1200"/>
+            </a:lvl1pPr>
+          </a:lstStyle>
+          <a:p>
+            <a:fld id="{0EE6F649-2B07-4756-AED3-08BB84EDF497}" type="slidenum">
+              <a:rPr lang="en-GB" smtClean="0"/>
+              <a:t>‹N°›</a:t>
+            </a:fld>
+            <a:endParaRPr lang="en-GB"/>
+          </a:p>
+        </p:txBody>
+      </p:sp>
+    </p:spTree>
+    <p:extLst>
+      <p:ext uri="{BB962C8B-B14F-4D97-AF65-F5344CB8AC3E}">
+        <p14:creationId xmlns:p14="http://schemas.microsoft.com/office/powerpoint/2010/main" val="1193248991"/>
+      </p:ext>
+    </p:extLst>
+  </p:cSld>
+  <p:clrMap bg1="lt1" tx1="dk1" bg2="lt2" tx2="dk2" accent1="accent1" accent2="accent2" accent3="accent3" accent4="accent4" accent5="accent5" accent6="accent6" hlink="hlink" folHlink="folHlink"/>
+</p:handoutMaster>
 </file>
 
 <file path=ppt/slideLayouts/slideLayout1.xml><?xml version="1.0" encoding="utf-8"?>
@@ -3079,280 +3256,6 @@
       </p:grpSpPr>
       <p:sp>
         <p:nvSpPr>
-          <p:cNvPr id="23" name="Sun 22"/>
-          <p:cNvSpPr/>
-          <p:nvPr/>
-        </p:nvSpPr>
-        <p:spPr>
-          <a:xfrm>
-            <a:off x="279401" y="838200"/>
-            <a:ext cx="217100" cy="217100"/>
-          </a:xfrm>
-          <a:prstGeom prst="sun">
-            <a:avLst/>
-          </a:prstGeom>
-          <a:solidFill>
-            <a:srgbClr val="FF0000"/>
-          </a:solidFill>
-          <a:ln w="12700">
-            <a:solidFill>
-              <a:srgbClr val="FF0000"/>
-            </a:solidFill>
-          </a:ln>
-        </p:spPr>
-        <p:style>
-          <a:lnRef idx="2">
-            <a:schemeClr val="accent1">
-              <a:shade val="50000"/>
-            </a:schemeClr>
-          </a:lnRef>
-          <a:fillRef idx="1">
-            <a:schemeClr val="accent1"/>
-          </a:fillRef>
-          <a:effectRef idx="0">
-            <a:schemeClr val="accent1"/>
-          </a:effectRef>
-          <a:fontRef idx="minor">
-            <a:schemeClr val="lt1"/>
-          </a:fontRef>
-        </p:style>
-        <p:txBody>
-          <a:bodyPr rtlCol="0" anchor="ctr"/>
-          <a:lstStyle/>
-          <a:p>
-            <a:pPr algn="ctr"/>
-            <a:endParaRPr lang="en-US" sz="800">
-              <a:solidFill>
-                <a:schemeClr val="tx1"/>
-              </a:solidFill>
-            </a:endParaRPr>
-          </a:p>
-        </p:txBody>
-      </p:sp>
-      <p:sp>
-        <p:nvSpPr>
-          <p:cNvPr id="24" name="TextBox 23"/>
-          <p:cNvSpPr txBox="1"/>
-          <p:nvPr/>
-        </p:nvSpPr>
-        <p:spPr>
-          <a:xfrm>
-            <a:off x="521901" y="877499"/>
-            <a:ext cx="833562" cy="138499"/>
-          </a:xfrm>
-          <a:prstGeom prst="rect">
-            <a:avLst/>
-          </a:prstGeom>
-          <a:solidFill>
-            <a:schemeClr val="bg1">
-              <a:alpha val="70000"/>
-            </a:schemeClr>
-          </a:solidFill>
-        </p:spPr>
-        <p:txBody>
-          <a:bodyPr wrap="none" lIns="0" tIns="0" rIns="0" bIns="0" rtlCol="0" anchor="ctr" anchorCtr="1">
-            <a:spAutoFit/>
-          </a:bodyPr>
-          <a:lstStyle/>
-          <a:p>
-            <a:r>
-              <a:rPr lang="en-US" sz="900" b="1" dirty="0" smtClean="0"/>
-              <a:t>Shared Holy Sites</a:t>
-            </a:r>
-            <a:endParaRPr lang="en-US" sz="900" b="1" dirty="0"/>
-          </a:p>
-        </p:txBody>
-      </p:sp>
-      <p:sp>
-        <p:nvSpPr>
-          <p:cNvPr id="25" name="Sun 24"/>
-          <p:cNvSpPr/>
-          <p:nvPr/>
-        </p:nvSpPr>
-        <p:spPr>
-          <a:xfrm>
-            <a:off x="2514600" y="1104097"/>
-            <a:ext cx="217100" cy="217100"/>
-          </a:xfrm>
-          <a:prstGeom prst="sun">
-            <a:avLst/>
-          </a:prstGeom>
-          <a:solidFill>
-            <a:schemeClr val="bg1"/>
-          </a:solidFill>
-          <a:ln w="15875">
-            <a:solidFill>
-              <a:srgbClr val="FF0000"/>
-            </a:solidFill>
-          </a:ln>
-        </p:spPr>
-        <p:style>
-          <a:lnRef idx="2">
-            <a:schemeClr val="accent1">
-              <a:shade val="50000"/>
-            </a:schemeClr>
-          </a:lnRef>
-          <a:fillRef idx="1">
-            <a:schemeClr val="accent1"/>
-          </a:fillRef>
-          <a:effectRef idx="0">
-            <a:schemeClr val="accent1"/>
-          </a:effectRef>
-          <a:fontRef idx="minor">
-            <a:schemeClr val="lt1"/>
-          </a:fontRef>
-        </p:style>
-        <p:txBody>
-          <a:bodyPr rtlCol="0" anchor="ctr"/>
-          <a:lstStyle/>
-          <a:p>
-            <a:pPr algn="ctr"/>
-            <a:r>
-              <a:rPr lang="en-US" sz="800" b="1" smtClean="0">
-                <a:solidFill>
-                  <a:schemeClr val="tx1"/>
-                </a:solidFill>
-              </a:rPr>
-              <a:t>1</a:t>
-            </a:r>
-            <a:endParaRPr lang="en-US" sz="800" b="1">
-              <a:solidFill>
-                <a:schemeClr val="tx1"/>
-              </a:solidFill>
-            </a:endParaRPr>
-          </a:p>
-        </p:txBody>
-      </p:sp>
-      <p:sp>
-        <p:nvSpPr>
-          <p:cNvPr id="26" name="TextBox 25"/>
-          <p:cNvSpPr txBox="1"/>
-          <p:nvPr/>
-        </p:nvSpPr>
-        <p:spPr>
-          <a:xfrm>
-            <a:off x="2757099" y="1143398"/>
-            <a:ext cx="389530" cy="138499"/>
-          </a:xfrm>
-          <a:prstGeom prst="rect">
-            <a:avLst/>
-          </a:prstGeom>
-          <a:solidFill>
-            <a:schemeClr val="bg1">
-              <a:alpha val="70000"/>
-            </a:schemeClr>
-          </a:solidFill>
-        </p:spPr>
-        <p:txBody>
-          <a:bodyPr wrap="none" lIns="0" tIns="0" rIns="0" bIns="0" rtlCol="0" anchor="ctr" anchorCtr="1">
-            <a:spAutoFit/>
-          </a:bodyPr>
-          <a:lstStyle/>
-          <a:p>
-            <a:r>
-              <a:rPr lang="en-US" sz="900" b="1" dirty="0" smtClean="0"/>
-              <a:t>Catholic</a:t>
-            </a:r>
-            <a:endParaRPr lang="en-US" sz="900" b="1" dirty="0"/>
-          </a:p>
-        </p:txBody>
-      </p:sp>
-      <p:sp>
-        <p:nvSpPr>
-          <p:cNvPr id="30" name="Sun 29"/>
-          <p:cNvSpPr/>
-          <p:nvPr/>
-        </p:nvSpPr>
-        <p:spPr>
-          <a:xfrm>
-            <a:off x="279401" y="1602432"/>
-            <a:ext cx="217100" cy="217100"/>
-          </a:xfrm>
-          <a:prstGeom prst="sun">
-            <a:avLst/>
-          </a:prstGeom>
-          <a:solidFill>
-            <a:schemeClr val="bg1"/>
-          </a:solidFill>
-          <a:ln w="9525">
-            <a:solidFill>
-              <a:srgbClr val="FF0000"/>
-            </a:solidFill>
-          </a:ln>
-        </p:spPr>
-        <p:style>
-          <a:lnRef idx="2">
-            <a:schemeClr val="accent1">
-              <a:shade val="50000"/>
-            </a:schemeClr>
-          </a:lnRef>
-          <a:fillRef idx="1">
-            <a:schemeClr val="accent1"/>
-          </a:fillRef>
-          <a:effectRef idx="0">
-            <a:schemeClr val="accent1"/>
-          </a:effectRef>
-          <a:fontRef idx="minor">
-            <a:schemeClr val="lt1"/>
-          </a:fontRef>
-        </p:style>
-        <p:txBody>
-          <a:bodyPr rtlCol="0" anchor="ctr"/>
-          <a:lstStyle/>
-          <a:p>
-            <a:pPr algn="ctr"/>
-            <a:r>
-              <a:rPr lang="en-US" sz="800" b="1" dirty="0" smtClean="0">
-                <a:solidFill>
-                  <a:schemeClr val="tx1"/>
-                </a:solidFill>
-              </a:rPr>
-              <a:t>2</a:t>
-            </a:r>
-            <a:endParaRPr lang="en-US" sz="800" b="1" dirty="0">
-              <a:solidFill>
-                <a:schemeClr val="tx1"/>
-              </a:solidFill>
-            </a:endParaRPr>
-          </a:p>
-        </p:txBody>
-      </p:sp>
-      <p:sp>
-        <p:nvSpPr>
-          <p:cNvPr id="31" name="TextBox 30"/>
-          <p:cNvSpPr txBox="1"/>
-          <p:nvPr/>
-        </p:nvSpPr>
-        <p:spPr>
-          <a:xfrm>
-            <a:off x="496501" y="1641733"/>
-            <a:ext cx="238330" cy="138499"/>
-          </a:xfrm>
-          <a:prstGeom prst="rect">
-            <a:avLst/>
-          </a:prstGeom>
-          <a:solidFill>
-            <a:schemeClr val="bg1">
-              <a:alpha val="70000"/>
-            </a:schemeClr>
-          </a:solidFill>
-        </p:spPr>
-        <p:txBody>
-          <a:bodyPr wrap="none" lIns="36000" tIns="0" rIns="0" bIns="0" rtlCol="0" anchor="ctr" anchorCtr="1">
-            <a:spAutoFit/>
-          </a:bodyPr>
-          <a:lstStyle/>
-          <a:p>
-            <a:r>
-              <a:rPr lang="en-US" sz="900" dirty="0" smtClean="0"/>
-              <a:t>Text</a:t>
-            </a:r>
-            <a:endParaRPr lang="en-US" sz="900" dirty="0"/>
-          </a:p>
-        </p:txBody>
-      </p:sp>
-      <p:sp>
-        <p:nvSpPr>
           <p:cNvPr id="27" name="TextBox 26"/>
           <p:cNvSpPr txBox="1"/>
           <p:nvPr/>
@@ -3384,11 +3287,23 @@
                   </a:outerShdw>
                 </a:effectLst>
               </a:rPr>
-              <a:t>Template (Western)</a:t>
+              <a:t>Templates </a:t>
             </a:r>
           </a:p>
           <a:p>
             <a:pPr algn="ctr"/>
+            <a:r>
+              <a:rPr lang="en-US" dirty="0" smtClean="0">
+                <a:effectLst>
+                  <a:outerShdw blurRad="38100" dist="38100" dir="2700000" algn="tl">
+                    <a:srgbClr val="000000">
+                      <a:alpha val="43137"/>
+                    </a:srgbClr>
+                  </a:outerShdw>
+                </a:effectLst>
+              </a:rPr>
+              <a:t>Religious </a:t>
+            </a:r>
             <a:r>
               <a:rPr lang="en-US" dirty="0">
                 <a:effectLst>
@@ -3399,1056 +3314,53 @@
                   </a:outerShdw>
                 </a:effectLst>
               </a:rPr>
-              <a:t>Religious Structure and Holy Sites</a:t>
-            </a:r>
-          </a:p>
-        </p:txBody>
-      </p:sp>
-      <p:sp>
-        <p:nvSpPr>
-          <p:cNvPr id="44" name="Sun 43"/>
-          <p:cNvSpPr/>
-          <p:nvPr/>
-        </p:nvSpPr>
-        <p:spPr>
-          <a:xfrm>
-            <a:off x="1638301" y="1602432"/>
-            <a:ext cx="217100" cy="217100"/>
-          </a:xfrm>
-          <a:prstGeom prst="sun">
-            <a:avLst/>
-          </a:prstGeom>
-          <a:solidFill>
-            <a:schemeClr val="bg1"/>
-          </a:solidFill>
-          <a:ln w="9525">
-            <a:solidFill>
-              <a:srgbClr val="FF0000"/>
-            </a:solidFill>
-          </a:ln>
-        </p:spPr>
-        <p:style>
-          <a:lnRef idx="2">
-            <a:schemeClr val="accent1">
-              <a:shade val="50000"/>
-            </a:schemeClr>
-          </a:lnRef>
-          <a:fillRef idx="1">
-            <a:schemeClr val="accent1"/>
-          </a:fillRef>
-          <a:effectRef idx="0">
-            <a:schemeClr val="accent1"/>
-          </a:effectRef>
-          <a:fontRef idx="minor">
-            <a:schemeClr val="lt1"/>
-          </a:fontRef>
-        </p:style>
-        <p:txBody>
-          <a:bodyPr rtlCol="0" anchor="ctr"/>
-          <a:lstStyle/>
-          <a:p>
-            <a:pPr algn="ctr"/>
-            <a:r>
-              <a:rPr lang="en-US" sz="800" b="1" dirty="0" smtClean="0">
-                <a:solidFill>
-                  <a:schemeClr val="tx1"/>
-                </a:solidFill>
-              </a:rPr>
-              <a:t>3</a:t>
-            </a:r>
-            <a:endParaRPr lang="en-US" sz="800" b="1" dirty="0">
-              <a:solidFill>
-                <a:schemeClr val="tx1"/>
-              </a:solidFill>
-            </a:endParaRPr>
-          </a:p>
-        </p:txBody>
-      </p:sp>
-      <p:sp>
-        <p:nvSpPr>
-          <p:cNvPr id="45" name="TextBox 44"/>
+              <a:t>Structure and Holy Sites</a:t>
+            </a:r>
+          </a:p>
+        </p:txBody>
+      </p:sp>
+      <p:sp>
+        <p:nvSpPr>
+          <p:cNvPr id="32" name="TextBox 26"/>
           <p:cNvSpPr txBox="1"/>
           <p:nvPr/>
         </p:nvSpPr>
         <p:spPr>
           <a:xfrm>
-            <a:off x="1855401" y="1641733"/>
-            <a:ext cx="243139" cy="138499"/>
+            <a:off x="0" y="4215825"/>
+            <a:ext cx="6858000" cy="584775"/>
           </a:xfrm>
           <a:prstGeom prst="rect">
             <a:avLst/>
           </a:prstGeom>
-          <a:solidFill>
-            <a:schemeClr val="bg1">
-              <a:alpha val="70000"/>
-            </a:schemeClr>
-          </a:solidFill>
-        </p:spPr>
-        <p:txBody>
-          <a:bodyPr wrap="none" lIns="36000" tIns="0" rIns="0" bIns="0" rtlCol="0" anchor="ctr" anchorCtr="1">
+          <a:noFill/>
+        </p:spPr>
+        <p:txBody>
+          <a:bodyPr wrap="square" rtlCol="0">
             <a:spAutoFit/>
           </a:bodyPr>
           <a:lstStyle/>
           <a:p>
-            <a:r>
-              <a:rPr lang="en-US" sz="900" b="1" i="1" dirty="0">
-                <a:solidFill>
-                  <a:srgbClr val="C00000"/>
-                </a:solidFill>
+            <a:pPr algn="ctr"/>
+            <a:r>
+              <a:rPr lang="en-US" sz="3200" b="1" dirty="0" smtClean="0">
+                <a:effectLst>
+                  <a:outerShdw blurRad="38100" dist="38100" dir="2700000" algn="tl">
+                    <a:srgbClr val="000000">
+                      <a:alpha val="43137"/>
+                    </a:srgbClr>
+                  </a:outerShdw>
+                </a:effectLst>
               </a:rPr>
-              <a:t>Text</a:t>
-            </a:r>
-          </a:p>
-        </p:txBody>
-      </p:sp>
-      <p:sp>
-        <p:nvSpPr>
-          <p:cNvPr id="2" name="TextBox 1"/>
-          <p:cNvSpPr txBox="1"/>
-          <p:nvPr/>
-        </p:nvSpPr>
-        <p:spPr>
-          <a:xfrm>
-            <a:off x="279401" y="1097231"/>
-            <a:ext cx="1928464" cy="230832"/>
-          </a:xfrm>
-          <a:prstGeom prst="rect">
-            <a:avLst/>
-          </a:prstGeom>
-          <a:noFill/>
-        </p:spPr>
-        <p:txBody>
-          <a:bodyPr wrap="none" lIns="36000" rIns="36000" rtlCol="0">
-            <a:spAutoFit/>
-          </a:bodyPr>
-          <a:lstStyle>
-            <a:defPPr>
-              <a:defRPr lang="en-US"/>
-            </a:defPPr>
-            <a:lvl1pPr>
-              <a:defRPr sz="900" b="1" u="sng"/>
-            </a:lvl1pPr>
-          </a:lstStyle>
-          <a:p>
-            <a:r>
-              <a:rPr lang="en-US" dirty="0"/>
-              <a:t>Mainstream Religion and its Heresies:</a:t>
-            </a:r>
-          </a:p>
-        </p:txBody>
-      </p:sp>
-      <p:sp>
-        <p:nvSpPr>
-          <p:cNvPr id="35" name="TextBox 34"/>
-          <p:cNvSpPr txBox="1"/>
-          <p:nvPr/>
-        </p:nvSpPr>
-        <p:spPr>
-          <a:xfrm>
-            <a:off x="3558540" y="1143398"/>
-            <a:ext cx="1181414" cy="138499"/>
-          </a:xfrm>
-          <a:prstGeom prst="rect">
-            <a:avLst/>
-          </a:prstGeom>
-          <a:solidFill>
-            <a:schemeClr val="bg1">
-              <a:alpha val="70000"/>
-            </a:schemeClr>
-          </a:solidFill>
-        </p:spPr>
-        <p:txBody>
-          <a:bodyPr wrap="none" lIns="0" tIns="0" rIns="0" bIns="0" rtlCol="0" anchor="ctr" anchorCtr="1">
-            <a:spAutoFit/>
-          </a:bodyPr>
-          <a:lstStyle/>
-          <a:p>
-            <a:r>
-              <a:rPr lang="en-US" sz="900" b="1" u="sng" dirty="0" smtClean="0"/>
-              <a:t>Heresies</a:t>
-            </a:r>
-            <a:r>
-              <a:rPr lang="en-US" sz="900" b="1" dirty="0" smtClean="0"/>
-              <a:t>: </a:t>
-            </a:r>
-            <a:r>
-              <a:rPr lang="en-US" sz="900" dirty="0" smtClean="0"/>
-              <a:t>Text, Text, </a:t>
-            </a:r>
-            <a:r>
-              <a:rPr lang="en-US" sz="900" b="1" i="1" dirty="0">
-                <a:solidFill>
-                  <a:srgbClr val="C00000"/>
-                </a:solidFill>
-              </a:rPr>
-              <a:t>Text</a:t>
-            </a:r>
-          </a:p>
-        </p:txBody>
-      </p:sp>
-      <p:sp>
-        <p:nvSpPr>
-          <p:cNvPr id="38" name="TextBox 37"/>
-          <p:cNvSpPr txBox="1"/>
-          <p:nvPr/>
-        </p:nvSpPr>
-        <p:spPr>
-          <a:xfrm>
-            <a:off x="279401" y="1371600"/>
-            <a:ext cx="1218851" cy="230832"/>
-          </a:xfrm>
-          <a:prstGeom prst="rect">
-            <a:avLst/>
-          </a:prstGeom>
-          <a:noFill/>
-        </p:spPr>
-        <p:txBody>
-          <a:bodyPr wrap="none" lIns="36000" rIns="36000" rtlCol="0">
-            <a:spAutoFit/>
-          </a:bodyPr>
-          <a:lstStyle/>
-          <a:p>
-            <a:r>
-              <a:rPr lang="en-US" sz="900" b="1" u="sng" dirty="0" smtClean="0"/>
-              <a:t>Autonomous Religions: </a:t>
-            </a:r>
-            <a:endParaRPr lang="en-US" sz="900" b="1" u="sng" dirty="0"/>
-          </a:p>
-        </p:txBody>
-      </p:sp>
-      <p:sp>
-        <p:nvSpPr>
-          <p:cNvPr id="39" name="Sun 38"/>
-          <p:cNvSpPr/>
-          <p:nvPr/>
-        </p:nvSpPr>
-        <p:spPr>
-          <a:xfrm>
-            <a:off x="2997201" y="1602432"/>
-            <a:ext cx="217100" cy="217100"/>
-          </a:xfrm>
-          <a:prstGeom prst="sun">
-            <a:avLst/>
-          </a:prstGeom>
-          <a:solidFill>
-            <a:schemeClr val="bg1"/>
-          </a:solidFill>
-          <a:ln w="9525">
-            <a:solidFill>
-              <a:srgbClr val="FF0000"/>
-            </a:solidFill>
-          </a:ln>
-        </p:spPr>
-        <p:style>
-          <a:lnRef idx="2">
-            <a:schemeClr val="accent1">
-              <a:shade val="50000"/>
-            </a:schemeClr>
-          </a:lnRef>
-          <a:fillRef idx="1">
-            <a:schemeClr val="accent1"/>
-          </a:fillRef>
-          <a:effectRef idx="0">
-            <a:schemeClr val="accent1"/>
-          </a:effectRef>
-          <a:fontRef idx="minor">
-            <a:schemeClr val="lt1"/>
-          </a:fontRef>
-        </p:style>
-        <p:txBody>
-          <a:bodyPr rtlCol="0" anchor="ctr"/>
-          <a:lstStyle/>
-          <a:p>
-            <a:pPr algn="ctr"/>
-            <a:r>
-              <a:rPr lang="en-US" sz="800" b="1" dirty="0" smtClean="0">
-                <a:solidFill>
-                  <a:schemeClr val="tx1"/>
-                </a:solidFill>
-              </a:rPr>
-              <a:t>4</a:t>
-            </a:r>
-            <a:endParaRPr lang="en-US" sz="800" b="1" dirty="0">
-              <a:solidFill>
-                <a:schemeClr val="tx1"/>
-              </a:solidFill>
-            </a:endParaRPr>
-          </a:p>
-        </p:txBody>
-      </p:sp>
-      <p:sp>
-        <p:nvSpPr>
-          <p:cNvPr id="50" name="TextBox 49"/>
-          <p:cNvSpPr txBox="1"/>
-          <p:nvPr/>
-        </p:nvSpPr>
-        <p:spPr>
-          <a:xfrm>
-            <a:off x="3214300" y="1641733"/>
-            <a:ext cx="238330" cy="138499"/>
-          </a:xfrm>
-          <a:prstGeom prst="rect">
-            <a:avLst/>
-          </a:prstGeom>
-          <a:solidFill>
-            <a:schemeClr val="bg1">
-              <a:alpha val="70000"/>
-            </a:schemeClr>
-          </a:solidFill>
-        </p:spPr>
-        <p:txBody>
-          <a:bodyPr wrap="none" lIns="36000" tIns="0" rIns="0" bIns="0" rtlCol="0" anchor="ctr" anchorCtr="1">
-            <a:spAutoFit/>
-          </a:bodyPr>
-          <a:lstStyle/>
-          <a:p>
-            <a:r>
-              <a:rPr lang="en-US" sz="900" dirty="0" smtClean="0"/>
-              <a:t>Text</a:t>
-            </a:r>
-            <a:endParaRPr lang="en-US" sz="900" dirty="0"/>
-          </a:p>
-        </p:txBody>
-      </p:sp>
-      <p:sp>
-        <p:nvSpPr>
-          <p:cNvPr id="51" name="Sun 50"/>
-          <p:cNvSpPr/>
-          <p:nvPr/>
-        </p:nvSpPr>
-        <p:spPr>
-          <a:xfrm>
-            <a:off x="4356101" y="1602432"/>
-            <a:ext cx="217100" cy="217100"/>
-          </a:xfrm>
-          <a:prstGeom prst="sun">
-            <a:avLst/>
-          </a:prstGeom>
-          <a:solidFill>
-            <a:schemeClr val="bg1"/>
-          </a:solidFill>
-          <a:ln w="9525">
-            <a:solidFill>
-              <a:srgbClr val="FF0000"/>
-            </a:solidFill>
-          </a:ln>
-        </p:spPr>
-        <p:style>
-          <a:lnRef idx="2">
-            <a:schemeClr val="accent1">
-              <a:shade val="50000"/>
-            </a:schemeClr>
-          </a:lnRef>
-          <a:fillRef idx="1">
-            <a:schemeClr val="accent1"/>
-          </a:fillRef>
-          <a:effectRef idx="0">
-            <a:schemeClr val="accent1"/>
-          </a:effectRef>
-          <a:fontRef idx="minor">
-            <a:schemeClr val="lt1"/>
-          </a:fontRef>
-        </p:style>
-        <p:txBody>
-          <a:bodyPr rtlCol="0" anchor="ctr"/>
-          <a:lstStyle/>
-          <a:p>
-            <a:pPr algn="ctr"/>
-            <a:r>
-              <a:rPr lang="en-US" sz="800" b="1" dirty="0" smtClean="0">
-                <a:solidFill>
-                  <a:schemeClr val="tx1"/>
-                </a:solidFill>
-              </a:rPr>
-              <a:t>5</a:t>
-            </a:r>
-            <a:endParaRPr lang="en-US" sz="800" b="1" dirty="0">
-              <a:solidFill>
-                <a:schemeClr val="tx1"/>
-              </a:solidFill>
-            </a:endParaRPr>
-          </a:p>
-        </p:txBody>
-      </p:sp>
-      <p:sp>
-        <p:nvSpPr>
-          <p:cNvPr id="60" name="Sun 59"/>
-          <p:cNvSpPr/>
-          <p:nvPr/>
-        </p:nvSpPr>
-        <p:spPr>
-          <a:xfrm>
-            <a:off x="5715000" y="1602432"/>
-            <a:ext cx="217100" cy="217100"/>
-          </a:xfrm>
-          <a:prstGeom prst="sun">
-            <a:avLst/>
-          </a:prstGeom>
-          <a:solidFill>
-            <a:schemeClr val="bg1"/>
-          </a:solidFill>
-          <a:ln w="9525">
-            <a:solidFill>
-              <a:srgbClr val="FF0000"/>
-            </a:solidFill>
-          </a:ln>
-        </p:spPr>
-        <p:style>
-          <a:lnRef idx="2">
-            <a:schemeClr val="accent1">
-              <a:shade val="50000"/>
-            </a:schemeClr>
-          </a:lnRef>
-          <a:fillRef idx="1">
-            <a:schemeClr val="accent1"/>
-          </a:fillRef>
-          <a:effectRef idx="0">
-            <a:schemeClr val="accent1"/>
-          </a:effectRef>
-          <a:fontRef idx="minor">
-            <a:schemeClr val="lt1"/>
-          </a:fontRef>
-        </p:style>
-        <p:txBody>
-          <a:bodyPr rtlCol="0" anchor="ctr"/>
-          <a:lstStyle/>
-          <a:p>
-            <a:pPr algn="ctr"/>
-            <a:r>
-              <a:rPr lang="en-US" sz="800" b="1" dirty="0" smtClean="0">
-                <a:solidFill>
-                  <a:schemeClr val="tx1"/>
-                </a:solidFill>
-              </a:rPr>
-              <a:t>6</a:t>
-            </a:r>
-            <a:endParaRPr lang="en-US" sz="800" b="1" dirty="0">
-              <a:solidFill>
-                <a:schemeClr val="tx1"/>
-              </a:solidFill>
-            </a:endParaRPr>
-          </a:p>
-        </p:txBody>
-      </p:sp>
-      <p:sp>
-        <p:nvSpPr>
-          <p:cNvPr id="62" name="TextBox 61"/>
-          <p:cNvSpPr txBox="1"/>
-          <p:nvPr/>
-        </p:nvSpPr>
-        <p:spPr>
-          <a:xfrm>
-            <a:off x="4573201" y="1641733"/>
-            <a:ext cx="238330" cy="138499"/>
-          </a:xfrm>
-          <a:prstGeom prst="rect">
-            <a:avLst/>
-          </a:prstGeom>
-          <a:solidFill>
-            <a:schemeClr val="bg1">
-              <a:alpha val="70000"/>
-            </a:schemeClr>
-          </a:solidFill>
-        </p:spPr>
-        <p:txBody>
-          <a:bodyPr wrap="none" lIns="36000" tIns="0" rIns="0" bIns="0" rtlCol="0" anchor="ctr" anchorCtr="1">
-            <a:spAutoFit/>
-          </a:bodyPr>
-          <a:lstStyle/>
-          <a:p>
-            <a:r>
-              <a:rPr lang="en-US" sz="900" dirty="0" smtClean="0"/>
-              <a:t>Text</a:t>
-            </a:r>
-            <a:endParaRPr lang="en-US" sz="900" dirty="0"/>
-          </a:p>
-        </p:txBody>
-      </p:sp>
-      <p:sp>
-        <p:nvSpPr>
-          <p:cNvPr id="63" name="TextBox 62"/>
-          <p:cNvSpPr txBox="1"/>
-          <p:nvPr/>
-        </p:nvSpPr>
-        <p:spPr>
-          <a:xfrm>
-            <a:off x="5932102" y="1641733"/>
-            <a:ext cx="238330" cy="138499"/>
-          </a:xfrm>
-          <a:prstGeom prst="rect">
-            <a:avLst/>
-          </a:prstGeom>
-          <a:solidFill>
-            <a:schemeClr val="bg1">
-              <a:alpha val="70000"/>
-            </a:schemeClr>
-          </a:solidFill>
-        </p:spPr>
-        <p:txBody>
-          <a:bodyPr wrap="none" lIns="36000" tIns="0" rIns="0" bIns="0" rtlCol="0" anchor="ctr" anchorCtr="1">
-            <a:spAutoFit/>
-          </a:bodyPr>
-          <a:lstStyle/>
-          <a:p>
-            <a:r>
-              <a:rPr lang="en-US" sz="900" dirty="0" smtClean="0"/>
-              <a:t>Text</a:t>
-            </a:r>
-            <a:endParaRPr lang="en-US" sz="900" dirty="0"/>
-          </a:p>
-        </p:txBody>
-      </p:sp>
-      <p:sp>
-        <p:nvSpPr>
-          <p:cNvPr id="64" name="Sun 63"/>
-          <p:cNvSpPr/>
-          <p:nvPr/>
-        </p:nvSpPr>
-        <p:spPr>
-          <a:xfrm>
-            <a:off x="279401" y="1886020"/>
-            <a:ext cx="217100" cy="217100"/>
-          </a:xfrm>
-          <a:prstGeom prst="sun">
-            <a:avLst/>
-          </a:prstGeom>
-          <a:solidFill>
-            <a:schemeClr val="bg1"/>
-          </a:solidFill>
-          <a:ln w="9525">
-            <a:solidFill>
-              <a:srgbClr val="FF0000"/>
-            </a:solidFill>
-          </a:ln>
-        </p:spPr>
-        <p:style>
-          <a:lnRef idx="2">
-            <a:schemeClr val="accent1">
-              <a:shade val="50000"/>
-            </a:schemeClr>
-          </a:lnRef>
-          <a:fillRef idx="1">
-            <a:schemeClr val="accent1"/>
-          </a:fillRef>
-          <a:effectRef idx="0">
-            <a:schemeClr val="accent1"/>
-          </a:effectRef>
-          <a:fontRef idx="minor">
-            <a:schemeClr val="lt1"/>
-          </a:fontRef>
-        </p:style>
-        <p:txBody>
-          <a:bodyPr rtlCol="0" anchor="ctr"/>
-          <a:lstStyle/>
-          <a:p>
-            <a:pPr algn="ctr"/>
-            <a:r>
-              <a:rPr lang="en-US" sz="800" b="1" dirty="0" smtClean="0">
-                <a:solidFill>
-                  <a:schemeClr val="tx1"/>
-                </a:solidFill>
-              </a:rPr>
-              <a:t>7</a:t>
-            </a:r>
-            <a:endParaRPr lang="en-US" sz="800" b="1" dirty="0">
-              <a:solidFill>
-                <a:schemeClr val="tx1"/>
-              </a:solidFill>
-            </a:endParaRPr>
-          </a:p>
-        </p:txBody>
-      </p:sp>
-      <p:sp>
-        <p:nvSpPr>
-          <p:cNvPr id="65" name="TextBox 64"/>
-          <p:cNvSpPr txBox="1"/>
-          <p:nvPr/>
-        </p:nvSpPr>
-        <p:spPr>
-          <a:xfrm>
-            <a:off x="496501" y="1925321"/>
-            <a:ext cx="238330" cy="138499"/>
-          </a:xfrm>
-          <a:prstGeom prst="rect">
-            <a:avLst/>
-          </a:prstGeom>
-          <a:solidFill>
-            <a:schemeClr val="bg1">
-              <a:alpha val="70000"/>
-            </a:schemeClr>
-          </a:solidFill>
-        </p:spPr>
-        <p:txBody>
-          <a:bodyPr wrap="none" lIns="36000" tIns="0" rIns="0" bIns="0" rtlCol="0" anchor="ctr" anchorCtr="1">
-            <a:spAutoFit/>
-          </a:bodyPr>
-          <a:lstStyle/>
-          <a:p>
-            <a:r>
-              <a:rPr lang="en-US" sz="900" dirty="0" smtClean="0"/>
-              <a:t>Text</a:t>
-            </a:r>
-            <a:endParaRPr lang="en-US" sz="900" dirty="0"/>
-          </a:p>
-        </p:txBody>
-      </p:sp>
-      <p:sp>
-        <p:nvSpPr>
-          <p:cNvPr id="66" name="Sun 65"/>
-          <p:cNvSpPr/>
-          <p:nvPr/>
-        </p:nvSpPr>
-        <p:spPr>
-          <a:xfrm>
-            <a:off x="1638301" y="1886020"/>
-            <a:ext cx="217100" cy="217100"/>
-          </a:xfrm>
-          <a:prstGeom prst="sun">
-            <a:avLst/>
-          </a:prstGeom>
-          <a:solidFill>
-            <a:schemeClr val="bg1"/>
-          </a:solidFill>
-          <a:ln w="9525">
-            <a:solidFill>
-              <a:srgbClr val="FF0000"/>
-            </a:solidFill>
-          </a:ln>
-        </p:spPr>
-        <p:style>
-          <a:lnRef idx="2">
-            <a:schemeClr val="accent1">
-              <a:shade val="50000"/>
-            </a:schemeClr>
-          </a:lnRef>
-          <a:fillRef idx="1">
-            <a:schemeClr val="accent1"/>
-          </a:fillRef>
-          <a:effectRef idx="0">
-            <a:schemeClr val="accent1"/>
-          </a:effectRef>
-          <a:fontRef idx="minor">
-            <a:schemeClr val="lt1"/>
-          </a:fontRef>
-        </p:style>
-        <p:txBody>
-          <a:bodyPr rtlCol="0" anchor="ctr"/>
-          <a:lstStyle/>
-          <a:p>
-            <a:pPr algn="ctr"/>
-            <a:r>
-              <a:rPr lang="en-US" sz="800" b="1" dirty="0" smtClean="0">
-                <a:solidFill>
-                  <a:schemeClr val="tx1"/>
-                </a:solidFill>
-              </a:rPr>
-              <a:t>8</a:t>
-            </a:r>
-            <a:endParaRPr lang="en-US" sz="800" b="1" dirty="0">
-              <a:solidFill>
-                <a:schemeClr val="tx1"/>
-              </a:solidFill>
-            </a:endParaRPr>
-          </a:p>
-        </p:txBody>
-      </p:sp>
-      <p:sp>
-        <p:nvSpPr>
-          <p:cNvPr id="67" name="TextBox 66"/>
-          <p:cNvSpPr txBox="1"/>
-          <p:nvPr/>
-        </p:nvSpPr>
-        <p:spPr>
-          <a:xfrm>
-            <a:off x="1855401" y="1925321"/>
-            <a:ext cx="238330" cy="138499"/>
-          </a:xfrm>
-          <a:prstGeom prst="rect">
-            <a:avLst/>
-          </a:prstGeom>
-          <a:solidFill>
-            <a:schemeClr val="bg1">
-              <a:alpha val="70000"/>
-            </a:schemeClr>
-          </a:solidFill>
-        </p:spPr>
-        <p:txBody>
-          <a:bodyPr wrap="none" lIns="36000" tIns="0" rIns="0" bIns="0" rtlCol="0" anchor="ctr" anchorCtr="1">
-            <a:spAutoFit/>
-          </a:bodyPr>
-          <a:lstStyle/>
-          <a:p>
-            <a:r>
-              <a:rPr lang="en-US" sz="900" dirty="0" smtClean="0"/>
-              <a:t>Text</a:t>
-            </a:r>
-            <a:endParaRPr lang="en-US" sz="900" dirty="0"/>
-          </a:p>
-        </p:txBody>
-      </p:sp>
-      <p:sp>
-        <p:nvSpPr>
-          <p:cNvPr id="68" name="Sun 67"/>
-          <p:cNvSpPr/>
-          <p:nvPr/>
-        </p:nvSpPr>
-        <p:spPr>
-          <a:xfrm>
-            <a:off x="2997201" y="1886020"/>
-            <a:ext cx="217100" cy="217100"/>
-          </a:xfrm>
-          <a:prstGeom prst="sun">
-            <a:avLst/>
-          </a:prstGeom>
-          <a:solidFill>
-            <a:schemeClr val="bg1"/>
-          </a:solidFill>
-          <a:ln w="9525">
-            <a:solidFill>
-              <a:srgbClr val="FF0000"/>
-            </a:solidFill>
-          </a:ln>
-        </p:spPr>
-        <p:style>
-          <a:lnRef idx="2">
-            <a:schemeClr val="accent1">
-              <a:shade val="50000"/>
-            </a:schemeClr>
-          </a:lnRef>
-          <a:fillRef idx="1">
-            <a:schemeClr val="accent1"/>
-          </a:fillRef>
-          <a:effectRef idx="0">
-            <a:schemeClr val="accent1"/>
-          </a:effectRef>
-          <a:fontRef idx="minor">
-            <a:schemeClr val="lt1"/>
-          </a:fontRef>
-        </p:style>
-        <p:txBody>
-          <a:bodyPr rtlCol="0" anchor="ctr"/>
-          <a:lstStyle/>
-          <a:p>
-            <a:pPr algn="ctr"/>
-            <a:r>
-              <a:rPr lang="en-US" sz="800" b="1" dirty="0" smtClean="0">
-                <a:solidFill>
-                  <a:schemeClr val="tx1"/>
-                </a:solidFill>
-              </a:rPr>
-              <a:t>9</a:t>
-            </a:r>
-            <a:endParaRPr lang="en-US" sz="800" b="1" dirty="0">
-              <a:solidFill>
-                <a:schemeClr val="tx1"/>
-              </a:solidFill>
-            </a:endParaRPr>
-          </a:p>
-        </p:txBody>
-      </p:sp>
-      <p:sp>
-        <p:nvSpPr>
-          <p:cNvPr id="69" name="TextBox 68"/>
-          <p:cNvSpPr txBox="1"/>
-          <p:nvPr/>
-        </p:nvSpPr>
-        <p:spPr>
-          <a:xfrm>
-            <a:off x="3214300" y="1925321"/>
-            <a:ext cx="238330" cy="138499"/>
-          </a:xfrm>
-          <a:prstGeom prst="rect">
-            <a:avLst/>
-          </a:prstGeom>
-          <a:solidFill>
-            <a:schemeClr val="bg1">
-              <a:alpha val="70000"/>
-            </a:schemeClr>
-          </a:solidFill>
-        </p:spPr>
-        <p:txBody>
-          <a:bodyPr wrap="none" lIns="36000" tIns="0" rIns="0" bIns="0" rtlCol="0" anchor="ctr" anchorCtr="1">
-            <a:spAutoFit/>
-          </a:bodyPr>
-          <a:lstStyle/>
-          <a:p>
-            <a:r>
-              <a:rPr lang="en-US" sz="900" dirty="0" smtClean="0"/>
-              <a:t>Text</a:t>
-            </a:r>
-            <a:endParaRPr lang="en-US" sz="900" dirty="0"/>
-          </a:p>
-        </p:txBody>
-      </p:sp>
-      <p:sp>
-        <p:nvSpPr>
-          <p:cNvPr id="70" name="Sun 69"/>
-          <p:cNvSpPr/>
-          <p:nvPr/>
-        </p:nvSpPr>
-        <p:spPr>
-          <a:xfrm>
-            <a:off x="4356101" y="1886020"/>
-            <a:ext cx="217100" cy="217100"/>
-          </a:xfrm>
-          <a:prstGeom prst="sun">
-            <a:avLst/>
-          </a:prstGeom>
-          <a:solidFill>
-            <a:schemeClr val="bg1"/>
-          </a:solidFill>
-          <a:ln w="9525">
-            <a:solidFill>
-              <a:srgbClr val="FF0000"/>
-            </a:solidFill>
-          </a:ln>
-        </p:spPr>
-        <p:style>
-          <a:lnRef idx="2">
-            <a:schemeClr val="accent1">
-              <a:shade val="50000"/>
-            </a:schemeClr>
-          </a:lnRef>
-          <a:fillRef idx="1">
-            <a:schemeClr val="accent1"/>
-          </a:fillRef>
-          <a:effectRef idx="0">
-            <a:schemeClr val="accent1"/>
-          </a:effectRef>
-          <a:fontRef idx="minor">
-            <a:schemeClr val="lt1"/>
-          </a:fontRef>
-        </p:style>
-        <p:txBody>
-          <a:bodyPr wrap="none" rtlCol="0" anchor="ctr"/>
-          <a:lstStyle/>
-          <a:p>
-            <a:pPr algn="ctr"/>
-            <a:r>
-              <a:rPr lang="en-US" sz="800" b="1" dirty="0" smtClean="0">
-                <a:solidFill>
-                  <a:schemeClr val="tx1"/>
-                </a:solidFill>
-              </a:rPr>
-              <a:t>10</a:t>
-            </a:r>
-            <a:endParaRPr lang="en-US" sz="800" b="1" dirty="0">
-              <a:solidFill>
-                <a:schemeClr val="tx1"/>
-              </a:solidFill>
-            </a:endParaRPr>
-          </a:p>
-        </p:txBody>
-      </p:sp>
-      <p:sp>
-        <p:nvSpPr>
-          <p:cNvPr id="71" name="Sun 70"/>
-          <p:cNvSpPr/>
-          <p:nvPr/>
-        </p:nvSpPr>
-        <p:spPr>
-          <a:xfrm>
-            <a:off x="5715000" y="1886020"/>
-            <a:ext cx="217100" cy="217100"/>
-          </a:xfrm>
-          <a:prstGeom prst="sun">
-            <a:avLst/>
-          </a:prstGeom>
-          <a:solidFill>
-            <a:schemeClr val="bg1"/>
-          </a:solidFill>
-          <a:ln w="9525">
-            <a:solidFill>
-              <a:srgbClr val="FF0000"/>
-            </a:solidFill>
-          </a:ln>
-        </p:spPr>
-        <p:style>
-          <a:lnRef idx="2">
-            <a:schemeClr val="accent1">
-              <a:shade val="50000"/>
-            </a:schemeClr>
-          </a:lnRef>
-          <a:fillRef idx="1">
-            <a:schemeClr val="accent1"/>
-          </a:fillRef>
-          <a:effectRef idx="0">
-            <a:schemeClr val="accent1"/>
-          </a:effectRef>
-          <a:fontRef idx="minor">
-            <a:schemeClr val="lt1"/>
-          </a:fontRef>
-        </p:style>
-        <p:txBody>
-          <a:bodyPr wrap="none" rtlCol="0" anchor="ctr"/>
-          <a:lstStyle/>
-          <a:p>
-            <a:pPr algn="ctr"/>
-            <a:r>
-              <a:rPr lang="en-US" sz="800" b="1" dirty="0" smtClean="0">
-                <a:solidFill>
-                  <a:schemeClr val="tx1"/>
-                </a:solidFill>
-              </a:rPr>
-              <a:t>11</a:t>
-            </a:r>
-            <a:endParaRPr lang="en-US" sz="800" b="1" dirty="0">
-              <a:solidFill>
-                <a:schemeClr val="tx1"/>
-              </a:solidFill>
-            </a:endParaRPr>
-          </a:p>
-        </p:txBody>
-      </p:sp>
-      <p:sp>
-        <p:nvSpPr>
-          <p:cNvPr id="72" name="TextBox 71"/>
-          <p:cNvSpPr txBox="1"/>
-          <p:nvPr/>
-        </p:nvSpPr>
-        <p:spPr>
-          <a:xfrm>
-            <a:off x="4573201" y="1925321"/>
-            <a:ext cx="238330" cy="138499"/>
-          </a:xfrm>
-          <a:prstGeom prst="rect">
-            <a:avLst/>
-          </a:prstGeom>
-          <a:solidFill>
-            <a:schemeClr val="bg1">
-              <a:alpha val="70000"/>
-            </a:schemeClr>
-          </a:solidFill>
-        </p:spPr>
-        <p:txBody>
-          <a:bodyPr wrap="none" lIns="36000" tIns="0" rIns="0" bIns="0" rtlCol="0" anchor="ctr" anchorCtr="1">
-            <a:spAutoFit/>
-          </a:bodyPr>
-          <a:lstStyle/>
-          <a:p>
-            <a:r>
-              <a:rPr lang="en-US" sz="900" dirty="0" smtClean="0"/>
-              <a:t>Text</a:t>
-            </a:r>
-            <a:endParaRPr lang="en-US" sz="900" dirty="0"/>
-          </a:p>
-        </p:txBody>
-      </p:sp>
-      <p:sp>
-        <p:nvSpPr>
-          <p:cNvPr id="73" name="TextBox 72"/>
-          <p:cNvSpPr txBox="1"/>
-          <p:nvPr/>
-        </p:nvSpPr>
-        <p:spPr>
-          <a:xfrm>
-            <a:off x="5932102" y="1925321"/>
-            <a:ext cx="238330" cy="138499"/>
-          </a:xfrm>
-          <a:prstGeom prst="rect">
-            <a:avLst/>
-          </a:prstGeom>
-          <a:solidFill>
-            <a:schemeClr val="bg1">
-              <a:alpha val="70000"/>
-            </a:schemeClr>
-          </a:solidFill>
-        </p:spPr>
-        <p:txBody>
-          <a:bodyPr wrap="none" lIns="36000" tIns="0" rIns="0" bIns="0" rtlCol="0" anchor="ctr" anchorCtr="1">
-            <a:spAutoFit/>
-          </a:bodyPr>
-          <a:lstStyle/>
-          <a:p>
-            <a:r>
-              <a:rPr lang="en-US" sz="900" dirty="0" smtClean="0"/>
-              <a:t>Text</a:t>
-            </a:r>
-            <a:endParaRPr lang="en-US" sz="900" dirty="0"/>
-          </a:p>
-        </p:txBody>
-      </p:sp>
-      <p:sp>
-        <p:nvSpPr>
-          <p:cNvPr id="40" name="TextBox 39"/>
-          <p:cNvSpPr txBox="1"/>
-          <p:nvPr/>
-        </p:nvSpPr>
-        <p:spPr>
-          <a:xfrm>
-            <a:off x="279401" y="2313801"/>
-            <a:ext cx="1432568" cy="276999"/>
-          </a:xfrm>
-          <a:prstGeom prst="rect">
-            <a:avLst/>
-          </a:prstGeom>
-          <a:solidFill>
-            <a:schemeClr val="bg1">
-              <a:alpha val="70000"/>
-            </a:schemeClr>
-          </a:solidFill>
-        </p:spPr>
-        <p:txBody>
-          <a:bodyPr wrap="none" lIns="36000" tIns="0" rIns="0" bIns="0" rtlCol="0" anchor="ctr" anchorCtr="1">
-            <a:spAutoFit/>
-          </a:bodyPr>
-          <a:lstStyle/>
-          <a:p>
-            <a:r>
-              <a:rPr lang="en-US" sz="900" b="1" i="1" dirty="0" smtClean="0">
-                <a:solidFill>
-                  <a:srgbClr val="C00000"/>
-                </a:solidFill>
-              </a:rPr>
-              <a:t>Religion</a:t>
-            </a:r>
-            <a:r>
-              <a:rPr lang="en-US" sz="900" dirty="0" smtClean="0"/>
-              <a:t>: unreformed religion</a:t>
-            </a:r>
-          </a:p>
-          <a:p>
-            <a:r>
-              <a:rPr lang="en-US" sz="900" dirty="0" smtClean="0"/>
-              <a:t>Religion: reformed religion</a:t>
-            </a:r>
-            <a:endParaRPr lang="en-US" sz="900" dirty="0"/>
-          </a:p>
-        </p:txBody>
-      </p:sp>
-      <p:pic>
-        <p:nvPicPr>
-          <p:cNvPr id="3" name="Image 2"/>
-          <p:cNvPicPr>
-            <a:picLocks noChangeAspect="1"/>
-          </p:cNvPicPr>
-          <p:nvPr/>
-        </p:nvPicPr>
-        <p:blipFill rotWithShape="1">
-          <a:blip r:embed="rId2" cstate="print">
-            <a:extLst>
-              <a:ext uri="{28A0092B-C50C-407E-A947-70E740481C1C}">
-                <a14:useLocalDpi xmlns:a14="http://schemas.microsoft.com/office/drawing/2010/main" val="0"/>
-              </a:ext>
-            </a:extLst>
-          </a:blip>
-          <a:srcRect r="28316"/>
-          <a:stretch/>
-        </p:blipFill>
-        <p:spPr>
-          <a:xfrm>
-            <a:off x="-1" y="2765970"/>
-            <a:ext cx="6858001" cy="6378030"/>
-          </a:xfrm>
-          <a:prstGeom prst="rect">
-            <a:avLst/>
-          </a:prstGeom>
-        </p:spPr>
-      </p:pic>
+              <a:t>Whole Map</a:t>
+            </a:r>
+          </a:p>
+        </p:txBody>
+      </p:sp>
     </p:spTree>
     <p:extLst>
       <p:ext uri="{BB962C8B-B14F-4D97-AF65-F5344CB8AC3E}">
-        <p14:creationId xmlns:p14="http://schemas.microsoft.com/office/powerpoint/2010/main" val="3067434396"/>
+        <p14:creationId xmlns:p14="http://schemas.microsoft.com/office/powerpoint/2010/main" val="1078819022"/>
       </p:ext>
     </p:extLst>
   </p:cSld>
@@ -4789,6 +3701,7193 @@
                   </a:outerShdw>
                 </a:effectLst>
               </a:rPr>
+              <a:t>Template (Whole World)</a:t>
+            </a:r>
+          </a:p>
+          <a:p>
+            <a:pPr algn="ctr"/>
+            <a:r>
+              <a:rPr lang="en-US" dirty="0">
+                <a:effectLst>
+                  <a:outerShdw blurRad="38100" dist="38100" dir="2700000" algn="tl">
+                    <a:srgbClr val="000000">
+                      <a:alpha val="43137"/>
+                    </a:srgbClr>
+                  </a:outerShdw>
+                </a:effectLst>
+              </a:rPr>
+              <a:t>Religious Structure and Holy Sites</a:t>
+            </a:r>
+          </a:p>
+        </p:txBody>
+      </p:sp>
+      <p:sp>
+        <p:nvSpPr>
+          <p:cNvPr id="44" name="Sun 43"/>
+          <p:cNvSpPr/>
+          <p:nvPr/>
+        </p:nvSpPr>
+        <p:spPr>
+          <a:xfrm>
+            <a:off x="1638301" y="1602432"/>
+            <a:ext cx="217100" cy="217100"/>
+          </a:xfrm>
+          <a:prstGeom prst="sun">
+            <a:avLst/>
+          </a:prstGeom>
+          <a:solidFill>
+            <a:schemeClr val="bg1"/>
+          </a:solidFill>
+          <a:ln w="9525">
+            <a:solidFill>
+              <a:srgbClr val="FF0000"/>
+            </a:solidFill>
+          </a:ln>
+        </p:spPr>
+        <p:style>
+          <a:lnRef idx="2">
+            <a:schemeClr val="accent1">
+              <a:shade val="50000"/>
+            </a:schemeClr>
+          </a:lnRef>
+          <a:fillRef idx="1">
+            <a:schemeClr val="accent1"/>
+          </a:fillRef>
+          <a:effectRef idx="0">
+            <a:schemeClr val="accent1"/>
+          </a:effectRef>
+          <a:fontRef idx="minor">
+            <a:schemeClr val="lt1"/>
+          </a:fontRef>
+        </p:style>
+        <p:txBody>
+          <a:bodyPr rtlCol="0" anchor="ctr"/>
+          <a:lstStyle/>
+          <a:p>
+            <a:pPr algn="ctr"/>
+            <a:r>
+              <a:rPr lang="en-US" sz="800" b="1" dirty="0" smtClean="0">
+                <a:solidFill>
+                  <a:schemeClr val="tx1"/>
+                </a:solidFill>
+              </a:rPr>
+              <a:t>3</a:t>
+            </a:r>
+            <a:endParaRPr lang="en-US" sz="800" b="1" dirty="0">
+              <a:solidFill>
+                <a:schemeClr val="tx1"/>
+              </a:solidFill>
+            </a:endParaRPr>
+          </a:p>
+        </p:txBody>
+      </p:sp>
+      <p:sp>
+        <p:nvSpPr>
+          <p:cNvPr id="45" name="TextBox 44"/>
+          <p:cNvSpPr txBox="1"/>
+          <p:nvPr/>
+        </p:nvSpPr>
+        <p:spPr>
+          <a:xfrm>
+            <a:off x="1855401" y="1641733"/>
+            <a:ext cx="243139" cy="138499"/>
+          </a:xfrm>
+          <a:prstGeom prst="rect">
+            <a:avLst/>
+          </a:prstGeom>
+          <a:solidFill>
+            <a:schemeClr val="bg1">
+              <a:alpha val="70000"/>
+            </a:schemeClr>
+          </a:solidFill>
+        </p:spPr>
+        <p:txBody>
+          <a:bodyPr wrap="none" lIns="36000" tIns="0" rIns="0" bIns="0" rtlCol="0" anchor="ctr" anchorCtr="1">
+            <a:spAutoFit/>
+          </a:bodyPr>
+          <a:lstStyle/>
+          <a:p>
+            <a:r>
+              <a:rPr lang="en-US" sz="900" b="1" i="1" dirty="0">
+                <a:solidFill>
+                  <a:srgbClr val="C00000"/>
+                </a:solidFill>
+              </a:rPr>
+              <a:t>Text</a:t>
+            </a:r>
+          </a:p>
+        </p:txBody>
+      </p:sp>
+      <p:sp>
+        <p:nvSpPr>
+          <p:cNvPr id="2" name="TextBox 1"/>
+          <p:cNvSpPr txBox="1"/>
+          <p:nvPr/>
+        </p:nvSpPr>
+        <p:spPr>
+          <a:xfrm>
+            <a:off x="279401" y="1097231"/>
+            <a:ext cx="1928464" cy="230832"/>
+          </a:xfrm>
+          <a:prstGeom prst="rect">
+            <a:avLst/>
+          </a:prstGeom>
+          <a:noFill/>
+        </p:spPr>
+        <p:txBody>
+          <a:bodyPr wrap="none" lIns="36000" rIns="36000" rtlCol="0">
+            <a:spAutoFit/>
+          </a:bodyPr>
+          <a:lstStyle>
+            <a:defPPr>
+              <a:defRPr lang="en-US"/>
+            </a:defPPr>
+            <a:lvl1pPr>
+              <a:defRPr sz="900" b="1" u="sng"/>
+            </a:lvl1pPr>
+          </a:lstStyle>
+          <a:p>
+            <a:r>
+              <a:rPr lang="en-US" dirty="0"/>
+              <a:t>Mainstream Religion and its Heresies:</a:t>
+            </a:r>
+          </a:p>
+        </p:txBody>
+      </p:sp>
+      <p:sp>
+        <p:nvSpPr>
+          <p:cNvPr id="35" name="TextBox 34"/>
+          <p:cNvSpPr txBox="1"/>
+          <p:nvPr/>
+        </p:nvSpPr>
+        <p:spPr>
+          <a:xfrm>
+            <a:off x="3558540" y="1143398"/>
+            <a:ext cx="1181414" cy="138499"/>
+          </a:xfrm>
+          <a:prstGeom prst="rect">
+            <a:avLst/>
+          </a:prstGeom>
+          <a:solidFill>
+            <a:schemeClr val="bg1">
+              <a:alpha val="70000"/>
+            </a:schemeClr>
+          </a:solidFill>
+        </p:spPr>
+        <p:txBody>
+          <a:bodyPr wrap="none" lIns="0" tIns="0" rIns="0" bIns="0" rtlCol="0" anchor="ctr" anchorCtr="1">
+            <a:spAutoFit/>
+          </a:bodyPr>
+          <a:lstStyle/>
+          <a:p>
+            <a:r>
+              <a:rPr lang="en-US" sz="900" b="1" u="sng" dirty="0" smtClean="0"/>
+              <a:t>Heresies</a:t>
+            </a:r>
+            <a:r>
+              <a:rPr lang="en-US" sz="900" b="1" dirty="0" smtClean="0"/>
+              <a:t>: </a:t>
+            </a:r>
+            <a:r>
+              <a:rPr lang="en-US" sz="900" dirty="0" smtClean="0"/>
+              <a:t>Text, Text, </a:t>
+            </a:r>
+            <a:r>
+              <a:rPr lang="en-US" sz="900" b="1" i="1" dirty="0">
+                <a:solidFill>
+                  <a:srgbClr val="C00000"/>
+                </a:solidFill>
+              </a:rPr>
+              <a:t>Text</a:t>
+            </a:r>
+          </a:p>
+        </p:txBody>
+      </p:sp>
+      <p:sp>
+        <p:nvSpPr>
+          <p:cNvPr id="38" name="TextBox 37"/>
+          <p:cNvSpPr txBox="1"/>
+          <p:nvPr/>
+        </p:nvSpPr>
+        <p:spPr>
+          <a:xfrm>
+            <a:off x="279401" y="1371600"/>
+            <a:ext cx="1218851" cy="230832"/>
+          </a:xfrm>
+          <a:prstGeom prst="rect">
+            <a:avLst/>
+          </a:prstGeom>
+          <a:noFill/>
+        </p:spPr>
+        <p:txBody>
+          <a:bodyPr wrap="none" lIns="36000" rIns="36000" rtlCol="0">
+            <a:spAutoFit/>
+          </a:bodyPr>
+          <a:lstStyle/>
+          <a:p>
+            <a:r>
+              <a:rPr lang="en-US" sz="900" b="1" u="sng" dirty="0" smtClean="0"/>
+              <a:t>Autonomous Religions: </a:t>
+            </a:r>
+            <a:endParaRPr lang="en-US" sz="900" b="1" u="sng" dirty="0"/>
+          </a:p>
+        </p:txBody>
+      </p:sp>
+      <p:sp>
+        <p:nvSpPr>
+          <p:cNvPr id="39" name="Sun 38"/>
+          <p:cNvSpPr/>
+          <p:nvPr/>
+        </p:nvSpPr>
+        <p:spPr>
+          <a:xfrm>
+            <a:off x="2997201" y="1602432"/>
+            <a:ext cx="217100" cy="217100"/>
+          </a:xfrm>
+          <a:prstGeom prst="sun">
+            <a:avLst/>
+          </a:prstGeom>
+          <a:solidFill>
+            <a:schemeClr val="bg1"/>
+          </a:solidFill>
+          <a:ln w="9525">
+            <a:solidFill>
+              <a:srgbClr val="FF0000"/>
+            </a:solidFill>
+          </a:ln>
+        </p:spPr>
+        <p:style>
+          <a:lnRef idx="2">
+            <a:schemeClr val="accent1">
+              <a:shade val="50000"/>
+            </a:schemeClr>
+          </a:lnRef>
+          <a:fillRef idx="1">
+            <a:schemeClr val="accent1"/>
+          </a:fillRef>
+          <a:effectRef idx="0">
+            <a:schemeClr val="accent1"/>
+          </a:effectRef>
+          <a:fontRef idx="minor">
+            <a:schemeClr val="lt1"/>
+          </a:fontRef>
+        </p:style>
+        <p:txBody>
+          <a:bodyPr rtlCol="0" anchor="ctr"/>
+          <a:lstStyle/>
+          <a:p>
+            <a:pPr algn="ctr"/>
+            <a:r>
+              <a:rPr lang="en-US" sz="800" b="1" dirty="0" smtClean="0">
+                <a:solidFill>
+                  <a:schemeClr val="tx1"/>
+                </a:solidFill>
+              </a:rPr>
+              <a:t>4</a:t>
+            </a:r>
+            <a:endParaRPr lang="en-US" sz="800" b="1" dirty="0">
+              <a:solidFill>
+                <a:schemeClr val="tx1"/>
+              </a:solidFill>
+            </a:endParaRPr>
+          </a:p>
+        </p:txBody>
+      </p:sp>
+      <p:sp>
+        <p:nvSpPr>
+          <p:cNvPr id="50" name="TextBox 49"/>
+          <p:cNvSpPr txBox="1"/>
+          <p:nvPr/>
+        </p:nvSpPr>
+        <p:spPr>
+          <a:xfrm>
+            <a:off x="3214300" y="1641733"/>
+            <a:ext cx="238330" cy="138499"/>
+          </a:xfrm>
+          <a:prstGeom prst="rect">
+            <a:avLst/>
+          </a:prstGeom>
+          <a:solidFill>
+            <a:schemeClr val="bg1">
+              <a:alpha val="70000"/>
+            </a:schemeClr>
+          </a:solidFill>
+        </p:spPr>
+        <p:txBody>
+          <a:bodyPr wrap="none" lIns="36000" tIns="0" rIns="0" bIns="0" rtlCol="0" anchor="ctr" anchorCtr="1">
+            <a:spAutoFit/>
+          </a:bodyPr>
+          <a:lstStyle/>
+          <a:p>
+            <a:r>
+              <a:rPr lang="en-US" sz="900" dirty="0" smtClean="0"/>
+              <a:t>Text</a:t>
+            </a:r>
+            <a:endParaRPr lang="en-US" sz="900" dirty="0"/>
+          </a:p>
+        </p:txBody>
+      </p:sp>
+      <p:sp>
+        <p:nvSpPr>
+          <p:cNvPr id="51" name="Sun 50"/>
+          <p:cNvSpPr/>
+          <p:nvPr/>
+        </p:nvSpPr>
+        <p:spPr>
+          <a:xfrm>
+            <a:off x="4356101" y="1602432"/>
+            <a:ext cx="217100" cy="217100"/>
+          </a:xfrm>
+          <a:prstGeom prst="sun">
+            <a:avLst/>
+          </a:prstGeom>
+          <a:solidFill>
+            <a:schemeClr val="bg1"/>
+          </a:solidFill>
+          <a:ln w="9525">
+            <a:solidFill>
+              <a:srgbClr val="FF0000"/>
+            </a:solidFill>
+          </a:ln>
+        </p:spPr>
+        <p:style>
+          <a:lnRef idx="2">
+            <a:schemeClr val="accent1">
+              <a:shade val="50000"/>
+            </a:schemeClr>
+          </a:lnRef>
+          <a:fillRef idx="1">
+            <a:schemeClr val="accent1"/>
+          </a:fillRef>
+          <a:effectRef idx="0">
+            <a:schemeClr val="accent1"/>
+          </a:effectRef>
+          <a:fontRef idx="minor">
+            <a:schemeClr val="lt1"/>
+          </a:fontRef>
+        </p:style>
+        <p:txBody>
+          <a:bodyPr rtlCol="0" anchor="ctr"/>
+          <a:lstStyle/>
+          <a:p>
+            <a:pPr algn="ctr"/>
+            <a:r>
+              <a:rPr lang="en-US" sz="800" b="1" dirty="0" smtClean="0">
+                <a:solidFill>
+                  <a:schemeClr val="tx1"/>
+                </a:solidFill>
+              </a:rPr>
+              <a:t>5</a:t>
+            </a:r>
+            <a:endParaRPr lang="en-US" sz="800" b="1" dirty="0">
+              <a:solidFill>
+                <a:schemeClr val="tx1"/>
+              </a:solidFill>
+            </a:endParaRPr>
+          </a:p>
+        </p:txBody>
+      </p:sp>
+      <p:sp>
+        <p:nvSpPr>
+          <p:cNvPr id="60" name="Sun 59"/>
+          <p:cNvSpPr/>
+          <p:nvPr/>
+        </p:nvSpPr>
+        <p:spPr>
+          <a:xfrm>
+            <a:off x="5715000" y="1602432"/>
+            <a:ext cx="217100" cy="217100"/>
+          </a:xfrm>
+          <a:prstGeom prst="sun">
+            <a:avLst/>
+          </a:prstGeom>
+          <a:solidFill>
+            <a:schemeClr val="bg1"/>
+          </a:solidFill>
+          <a:ln w="9525">
+            <a:solidFill>
+              <a:srgbClr val="FF0000"/>
+            </a:solidFill>
+          </a:ln>
+        </p:spPr>
+        <p:style>
+          <a:lnRef idx="2">
+            <a:schemeClr val="accent1">
+              <a:shade val="50000"/>
+            </a:schemeClr>
+          </a:lnRef>
+          <a:fillRef idx="1">
+            <a:schemeClr val="accent1"/>
+          </a:fillRef>
+          <a:effectRef idx="0">
+            <a:schemeClr val="accent1"/>
+          </a:effectRef>
+          <a:fontRef idx="minor">
+            <a:schemeClr val="lt1"/>
+          </a:fontRef>
+        </p:style>
+        <p:txBody>
+          <a:bodyPr rtlCol="0" anchor="ctr"/>
+          <a:lstStyle/>
+          <a:p>
+            <a:pPr algn="ctr"/>
+            <a:r>
+              <a:rPr lang="en-US" sz="800" b="1" dirty="0" smtClean="0">
+                <a:solidFill>
+                  <a:schemeClr val="tx1"/>
+                </a:solidFill>
+              </a:rPr>
+              <a:t>6</a:t>
+            </a:r>
+            <a:endParaRPr lang="en-US" sz="800" b="1" dirty="0">
+              <a:solidFill>
+                <a:schemeClr val="tx1"/>
+              </a:solidFill>
+            </a:endParaRPr>
+          </a:p>
+        </p:txBody>
+      </p:sp>
+      <p:sp>
+        <p:nvSpPr>
+          <p:cNvPr id="62" name="TextBox 61"/>
+          <p:cNvSpPr txBox="1"/>
+          <p:nvPr/>
+        </p:nvSpPr>
+        <p:spPr>
+          <a:xfrm>
+            <a:off x="4573201" y="1641733"/>
+            <a:ext cx="238330" cy="138499"/>
+          </a:xfrm>
+          <a:prstGeom prst="rect">
+            <a:avLst/>
+          </a:prstGeom>
+          <a:solidFill>
+            <a:schemeClr val="bg1">
+              <a:alpha val="70000"/>
+            </a:schemeClr>
+          </a:solidFill>
+        </p:spPr>
+        <p:txBody>
+          <a:bodyPr wrap="none" lIns="36000" tIns="0" rIns="0" bIns="0" rtlCol="0" anchor="ctr" anchorCtr="1">
+            <a:spAutoFit/>
+          </a:bodyPr>
+          <a:lstStyle/>
+          <a:p>
+            <a:r>
+              <a:rPr lang="en-US" sz="900" dirty="0" smtClean="0"/>
+              <a:t>Text</a:t>
+            </a:r>
+            <a:endParaRPr lang="en-US" sz="900" dirty="0"/>
+          </a:p>
+        </p:txBody>
+      </p:sp>
+      <p:sp>
+        <p:nvSpPr>
+          <p:cNvPr id="63" name="TextBox 62"/>
+          <p:cNvSpPr txBox="1"/>
+          <p:nvPr/>
+        </p:nvSpPr>
+        <p:spPr>
+          <a:xfrm>
+            <a:off x="5932102" y="1641733"/>
+            <a:ext cx="238330" cy="138499"/>
+          </a:xfrm>
+          <a:prstGeom prst="rect">
+            <a:avLst/>
+          </a:prstGeom>
+          <a:solidFill>
+            <a:schemeClr val="bg1">
+              <a:alpha val="70000"/>
+            </a:schemeClr>
+          </a:solidFill>
+        </p:spPr>
+        <p:txBody>
+          <a:bodyPr wrap="none" lIns="36000" tIns="0" rIns="0" bIns="0" rtlCol="0" anchor="ctr" anchorCtr="1">
+            <a:spAutoFit/>
+          </a:bodyPr>
+          <a:lstStyle/>
+          <a:p>
+            <a:r>
+              <a:rPr lang="en-US" sz="900" dirty="0" smtClean="0"/>
+              <a:t>Text</a:t>
+            </a:r>
+            <a:endParaRPr lang="en-US" sz="900" dirty="0"/>
+          </a:p>
+        </p:txBody>
+      </p:sp>
+      <p:sp>
+        <p:nvSpPr>
+          <p:cNvPr id="64" name="Sun 63"/>
+          <p:cNvSpPr/>
+          <p:nvPr/>
+        </p:nvSpPr>
+        <p:spPr>
+          <a:xfrm>
+            <a:off x="279401" y="1886020"/>
+            <a:ext cx="217100" cy="217100"/>
+          </a:xfrm>
+          <a:prstGeom prst="sun">
+            <a:avLst/>
+          </a:prstGeom>
+          <a:solidFill>
+            <a:schemeClr val="bg1"/>
+          </a:solidFill>
+          <a:ln w="9525">
+            <a:solidFill>
+              <a:srgbClr val="FF0000"/>
+            </a:solidFill>
+          </a:ln>
+        </p:spPr>
+        <p:style>
+          <a:lnRef idx="2">
+            <a:schemeClr val="accent1">
+              <a:shade val="50000"/>
+            </a:schemeClr>
+          </a:lnRef>
+          <a:fillRef idx="1">
+            <a:schemeClr val="accent1"/>
+          </a:fillRef>
+          <a:effectRef idx="0">
+            <a:schemeClr val="accent1"/>
+          </a:effectRef>
+          <a:fontRef idx="minor">
+            <a:schemeClr val="lt1"/>
+          </a:fontRef>
+        </p:style>
+        <p:txBody>
+          <a:bodyPr rtlCol="0" anchor="ctr"/>
+          <a:lstStyle/>
+          <a:p>
+            <a:pPr algn="ctr"/>
+            <a:r>
+              <a:rPr lang="en-US" sz="800" b="1" dirty="0" smtClean="0">
+                <a:solidFill>
+                  <a:schemeClr val="tx1"/>
+                </a:solidFill>
+              </a:rPr>
+              <a:t>7</a:t>
+            </a:r>
+            <a:endParaRPr lang="en-US" sz="800" b="1" dirty="0">
+              <a:solidFill>
+                <a:schemeClr val="tx1"/>
+              </a:solidFill>
+            </a:endParaRPr>
+          </a:p>
+        </p:txBody>
+      </p:sp>
+      <p:sp>
+        <p:nvSpPr>
+          <p:cNvPr id="65" name="TextBox 64"/>
+          <p:cNvSpPr txBox="1"/>
+          <p:nvPr/>
+        </p:nvSpPr>
+        <p:spPr>
+          <a:xfrm>
+            <a:off x="496501" y="1925321"/>
+            <a:ext cx="238330" cy="138499"/>
+          </a:xfrm>
+          <a:prstGeom prst="rect">
+            <a:avLst/>
+          </a:prstGeom>
+          <a:solidFill>
+            <a:schemeClr val="bg1">
+              <a:alpha val="70000"/>
+            </a:schemeClr>
+          </a:solidFill>
+        </p:spPr>
+        <p:txBody>
+          <a:bodyPr wrap="none" lIns="36000" tIns="0" rIns="0" bIns="0" rtlCol="0" anchor="ctr" anchorCtr="1">
+            <a:spAutoFit/>
+          </a:bodyPr>
+          <a:lstStyle/>
+          <a:p>
+            <a:r>
+              <a:rPr lang="en-US" sz="900" dirty="0" smtClean="0"/>
+              <a:t>Text</a:t>
+            </a:r>
+            <a:endParaRPr lang="en-US" sz="900" dirty="0"/>
+          </a:p>
+        </p:txBody>
+      </p:sp>
+      <p:sp>
+        <p:nvSpPr>
+          <p:cNvPr id="66" name="Sun 65"/>
+          <p:cNvSpPr/>
+          <p:nvPr/>
+        </p:nvSpPr>
+        <p:spPr>
+          <a:xfrm>
+            <a:off x="1638301" y="1886020"/>
+            <a:ext cx="217100" cy="217100"/>
+          </a:xfrm>
+          <a:prstGeom prst="sun">
+            <a:avLst/>
+          </a:prstGeom>
+          <a:solidFill>
+            <a:schemeClr val="bg1"/>
+          </a:solidFill>
+          <a:ln w="9525">
+            <a:solidFill>
+              <a:srgbClr val="FF0000"/>
+            </a:solidFill>
+          </a:ln>
+        </p:spPr>
+        <p:style>
+          <a:lnRef idx="2">
+            <a:schemeClr val="accent1">
+              <a:shade val="50000"/>
+            </a:schemeClr>
+          </a:lnRef>
+          <a:fillRef idx="1">
+            <a:schemeClr val="accent1"/>
+          </a:fillRef>
+          <a:effectRef idx="0">
+            <a:schemeClr val="accent1"/>
+          </a:effectRef>
+          <a:fontRef idx="minor">
+            <a:schemeClr val="lt1"/>
+          </a:fontRef>
+        </p:style>
+        <p:txBody>
+          <a:bodyPr rtlCol="0" anchor="ctr"/>
+          <a:lstStyle/>
+          <a:p>
+            <a:pPr algn="ctr"/>
+            <a:r>
+              <a:rPr lang="en-US" sz="800" b="1" dirty="0" smtClean="0">
+                <a:solidFill>
+                  <a:schemeClr val="tx1"/>
+                </a:solidFill>
+              </a:rPr>
+              <a:t>8</a:t>
+            </a:r>
+            <a:endParaRPr lang="en-US" sz="800" b="1" dirty="0">
+              <a:solidFill>
+                <a:schemeClr val="tx1"/>
+              </a:solidFill>
+            </a:endParaRPr>
+          </a:p>
+        </p:txBody>
+      </p:sp>
+      <p:sp>
+        <p:nvSpPr>
+          <p:cNvPr id="67" name="TextBox 66"/>
+          <p:cNvSpPr txBox="1"/>
+          <p:nvPr/>
+        </p:nvSpPr>
+        <p:spPr>
+          <a:xfrm>
+            <a:off x="1855401" y="1925321"/>
+            <a:ext cx="238330" cy="138499"/>
+          </a:xfrm>
+          <a:prstGeom prst="rect">
+            <a:avLst/>
+          </a:prstGeom>
+          <a:solidFill>
+            <a:schemeClr val="bg1">
+              <a:alpha val="70000"/>
+            </a:schemeClr>
+          </a:solidFill>
+        </p:spPr>
+        <p:txBody>
+          <a:bodyPr wrap="none" lIns="36000" tIns="0" rIns="0" bIns="0" rtlCol="0" anchor="ctr" anchorCtr="1">
+            <a:spAutoFit/>
+          </a:bodyPr>
+          <a:lstStyle/>
+          <a:p>
+            <a:r>
+              <a:rPr lang="en-US" sz="900" dirty="0" smtClean="0"/>
+              <a:t>Text</a:t>
+            </a:r>
+            <a:endParaRPr lang="en-US" sz="900" dirty="0"/>
+          </a:p>
+        </p:txBody>
+      </p:sp>
+      <p:sp>
+        <p:nvSpPr>
+          <p:cNvPr id="68" name="Sun 67"/>
+          <p:cNvSpPr/>
+          <p:nvPr/>
+        </p:nvSpPr>
+        <p:spPr>
+          <a:xfrm>
+            <a:off x="2997201" y="1886020"/>
+            <a:ext cx="217100" cy="217100"/>
+          </a:xfrm>
+          <a:prstGeom prst="sun">
+            <a:avLst/>
+          </a:prstGeom>
+          <a:solidFill>
+            <a:schemeClr val="bg1"/>
+          </a:solidFill>
+          <a:ln w="9525">
+            <a:solidFill>
+              <a:srgbClr val="FF0000"/>
+            </a:solidFill>
+          </a:ln>
+        </p:spPr>
+        <p:style>
+          <a:lnRef idx="2">
+            <a:schemeClr val="accent1">
+              <a:shade val="50000"/>
+            </a:schemeClr>
+          </a:lnRef>
+          <a:fillRef idx="1">
+            <a:schemeClr val="accent1"/>
+          </a:fillRef>
+          <a:effectRef idx="0">
+            <a:schemeClr val="accent1"/>
+          </a:effectRef>
+          <a:fontRef idx="minor">
+            <a:schemeClr val="lt1"/>
+          </a:fontRef>
+        </p:style>
+        <p:txBody>
+          <a:bodyPr rtlCol="0" anchor="ctr"/>
+          <a:lstStyle/>
+          <a:p>
+            <a:pPr algn="ctr"/>
+            <a:r>
+              <a:rPr lang="en-US" sz="800" b="1" dirty="0" smtClean="0">
+                <a:solidFill>
+                  <a:schemeClr val="tx1"/>
+                </a:solidFill>
+              </a:rPr>
+              <a:t>9</a:t>
+            </a:r>
+            <a:endParaRPr lang="en-US" sz="800" b="1" dirty="0">
+              <a:solidFill>
+                <a:schemeClr val="tx1"/>
+              </a:solidFill>
+            </a:endParaRPr>
+          </a:p>
+        </p:txBody>
+      </p:sp>
+      <p:sp>
+        <p:nvSpPr>
+          <p:cNvPr id="69" name="TextBox 68"/>
+          <p:cNvSpPr txBox="1"/>
+          <p:nvPr/>
+        </p:nvSpPr>
+        <p:spPr>
+          <a:xfrm>
+            <a:off x="3214300" y="1925321"/>
+            <a:ext cx="238330" cy="138499"/>
+          </a:xfrm>
+          <a:prstGeom prst="rect">
+            <a:avLst/>
+          </a:prstGeom>
+          <a:solidFill>
+            <a:schemeClr val="bg1">
+              <a:alpha val="70000"/>
+            </a:schemeClr>
+          </a:solidFill>
+        </p:spPr>
+        <p:txBody>
+          <a:bodyPr wrap="none" lIns="36000" tIns="0" rIns="0" bIns="0" rtlCol="0" anchor="ctr" anchorCtr="1">
+            <a:spAutoFit/>
+          </a:bodyPr>
+          <a:lstStyle/>
+          <a:p>
+            <a:r>
+              <a:rPr lang="en-US" sz="900" dirty="0" smtClean="0"/>
+              <a:t>Text</a:t>
+            </a:r>
+            <a:endParaRPr lang="en-US" sz="900" dirty="0"/>
+          </a:p>
+        </p:txBody>
+      </p:sp>
+      <p:sp>
+        <p:nvSpPr>
+          <p:cNvPr id="70" name="Sun 69"/>
+          <p:cNvSpPr/>
+          <p:nvPr/>
+        </p:nvSpPr>
+        <p:spPr>
+          <a:xfrm>
+            <a:off x="4356101" y="1886020"/>
+            <a:ext cx="217100" cy="217100"/>
+          </a:xfrm>
+          <a:prstGeom prst="sun">
+            <a:avLst/>
+          </a:prstGeom>
+          <a:solidFill>
+            <a:schemeClr val="bg1"/>
+          </a:solidFill>
+          <a:ln w="9525">
+            <a:solidFill>
+              <a:srgbClr val="FF0000"/>
+            </a:solidFill>
+          </a:ln>
+        </p:spPr>
+        <p:style>
+          <a:lnRef idx="2">
+            <a:schemeClr val="accent1">
+              <a:shade val="50000"/>
+            </a:schemeClr>
+          </a:lnRef>
+          <a:fillRef idx="1">
+            <a:schemeClr val="accent1"/>
+          </a:fillRef>
+          <a:effectRef idx="0">
+            <a:schemeClr val="accent1"/>
+          </a:effectRef>
+          <a:fontRef idx="minor">
+            <a:schemeClr val="lt1"/>
+          </a:fontRef>
+        </p:style>
+        <p:txBody>
+          <a:bodyPr wrap="none" rtlCol="0" anchor="ctr"/>
+          <a:lstStyle/>
+          <a:p>
+            <a:pPr algn="ctr"/>
+            <a:r>
+              <a:rPr lang="en-US" sz="800" b="1" dirty="0" smtClean="0">
+                <a:solidFill>
+                  <a:schemeClr val="tx1"/>
+                </a:solidFill>
+              </a:rPr>
+              <a:t>10</a:t>
+            </a:r>
+            <a:endParaRPr lang="en-US" sz="800" b="1" dirty="0">
+              <a:solidFill>
+                <a:schemeClr val="tx1"/>
+              </a:solidFill>
+            </a:endParaRPr>
+          </a:p>
+        </p:txBody>
+      </p:sp>
+      <p:sp>
+        <p:nvSpPr>
+          <p:cNvPr id="71" name="Sun 70"/>
+          <p:cNvSpPr/>
+          <p:nvPr/>
+        </p:nvSpPr>
+        <p:spPr>
+          <a:xfrm>
+            <a:off x="5715000" y="1886020"/>
+            <a:ext cx="217100" cy="217100"/>
+          </a:xfrm>
+          <a:prstGeom prst="sun">
+            <a:avLst/>
+          </a:prstGeom>
+          <a:solidFill>
+            <a:schemeClr val="bg1"/>
+          </a:solidFill>
+          <a:ln w="9525">
+            <a:solidFill>
+              <a:srgbClr val="FF0000"/>
+            </a:solidFill>
+          </a:ln>
+        </p:spPr>
+        <p:style>
+          <a:lnRef idx="2">
+            <a:schemeClr val="accent1">
+              <a:shade val="50000"/>
+            </a:schemeClr>
+          </a:lnRef>
+          <a:fillRef idx="1">
+            <a:schemeClr val="accent1"/>
+          </a:fillRef>
+          <a:effectRef idx="0">
+            <a:schemeClr val="accent1"/>
+          </a:effectRef>
+          <a:fontRef idx="minor">
+            <a:schemeClr val="lt1"/>
+          </a:fontRef>
+        </p:style>
+        <p:txBody>
+          <a:bodyPr wrap="none" rtlCol="0" anchor="ctr"/>
+          <a:lstStyle/>
+          <a:p>
+            <a:pPr algn="ctr"/>
+            <a:r>
+              <a:rPr lang="en-US" sz="800" b="1" dirty="0" smtClean="0">
+                <a:solidFill>
+                  <a:schemeClr val="tx1"/>
+                </a:solidFill>
+              </a:rPr>
+              <a:t>11</a:t>
+            </a:r>
+            <a:endParaRPr lang="en-US" sz="800" b="1" dirty="0">
+              <a:solidFill>
+                <a:schemeClr val="tx1"/>
+              </a:solidFill>
+            </a:endParaRPr>
+          </a:p>
+        </p:txBody>
+      </p:sp>
+      <p:sp>
+        <p:nvSpPr>
+          <p:cNvPr id="72" name="TextBox 71"/>
+          <p:cNvSpPr txBox="1"/>
+          <p:nvPr/>
+        </p:nvSpPr>
+        <p:spPr>
+          <a:xfrm>
+            <a:off x="4573201" y="1925321"/>
+            <a:ext cx="238330" cy="138499"/>
+          </a:xfrm>
+          <a:prstGeom prst="rect">
+            <a:avLst/>
+          </a:prstGeom>
+          <a:solidFill>
+            <a:schemeClr val="bg1">
+              <a:alpha val="70000"/>
+            </a:schemeClr>
+          </a:solidFill>
+        </p:spPr>
+        <p:txBody>
+          <a:bodyPr wrap="none" lIns="36000" tIns="0" rIns="0" bIns="0" rtlCol="0" anchor="ctr" anchorCtr="1">
+            <a:spAutoFit/>
+          </a:bodyPr>
+          <a:lstStyle/>
+          <a:p>
+            <a:r>
+              <a:rPr lang="en-US" sz="900" dirty="0" smtClean="0"/>
+              <a:t>Text</a:t>
+            </a:r>
+            <a:endParaRPr lang="en-US" sz="900" dirty="0"/>
+          </a:p>
+        </p:txBody>
+      </p:sp>
+      <p:sp>
+        <p:nvSpPr>
+          <p:cNvPr id="73" name="TextBox 72"/>
+          <p:cNvSpPr txBox="1"/>
+          <p:nvPr/>
+        </p:nvSpPr>
+        <p:spPr>
+          <a:xfrm>
+            <a:off x="5932102" y="1925321"/>
+            <a:ext cx="238330" cy="138499"/>
+          </a:xfrm>
+          <a:prstGeom prst="rect">
+            <a:avLst/>
+          </a:prstGeom>
+          <a:solidFill>
+            <a:schemeClr val="bg1">
+              <a:alpha val="70000"/>
+            </a:schemeClr>
+          </a:solidFill>
+        </p:spPr>
+        <p:txBody>
+          <a:bodyPr wrap="none" lIns="36000" tIns="0" rIns="0" bIns="0" rtlCol="0" anchor="ctr" anchorCtr="1">
+            <a:spAutoFit/>
+          </a:bodyPr>
+          <a:lstStyle/>
+          <a:p>
+            <a:r>
+              <a:rPr lang="en-US" sz="900" dirty="0" smtClean="0"/>
+              <a:t>Text</a:t>
+            </a:r>
+            <a:endParaRPr lang="en-US" sz="900" dirty="0"/>
+          </a:p>
+        </p:txBody>
+      </p:sp>
+      <p:sp>
+        <p:nvSpPr>
+          <p:cNvPr id="40" name="TextBox 39"/>
+          <p:cNvSpPr txBox="1"/>
+          <p:nvPr/>
+        </p:nvSpPr>
+        <p:spPr>
+          <a:xfrm>
+            <a:off x="279401" y="2313801"/>
+            <a:ext cx="1432568" cy="276999"/>
+          </a:xfrm>
+          <a:prstGeom prst="rect">
+            <a:avLst/>
+          </a:prstGeom>
+          <a:solidFill>
+            <a:schemeClr val="bg1">
+              <a:alpha val="70000"/>
+            </a:schemeClr>
+          </a:solidFill>
+        </p:spPr>
+        <p:txBody>
+          <a:bodyPr wrap="none" lIns="36000" tIns="0" rIns="0" bIns="0" rtlCol="0" anchor="ctr" anchorCtr="1">
+            <a:spAutoFit/>
+          </a:bodyPr>
+          <a:lstStyle/>
+          <a:p>
+            <a:r>
+              <a:rPr lang="en-US" sz="900" b="1" i="1" dirty="0" smtClean="0">
+                <a:solidFill>
+                  <a:srgbClr val="C00000"/>
+                </a:solidFill>
+              </a:rPr>
+              <a:t>Religion</a:t>
+            </a:r>
+            <a:r>
+              <a:rPr lang="en-US" sz="900" dirty="0" smtClean="0"/>
+              <a:t>: unreformed religion</a:t>
+            </a:r>
+          </a:p>
+          <a:p>
+            <a:r>
+              <a:rPr lang="en-US" sz="900" dirty="0" smtClean="0"/>
+              <a:t>Religion: reformed religion</a:t>
+            </a:r>
+            <a:endParaRPr lang="en-US" sz="900" dirty="0"/>
+          </a:p>
+        </p:txBody>
+      </p:sp>
+      <p:pic>
+        <p:nvPicPr>
+          <p:cNvPr id="4" name="Image 3"/>
+          <p:cNvPicPr>
+            <a:picLocks noChangeAspect="1"/>
+          </p:cNvPicPr>
+          <p:nvPr/>
+        </p:nvPicPr>
+        <p:blipFill>
+          <a:blip r:embed="rId2" cstate="print">
+            <a:extLst>
+              <a:ext uri="{28A0092B-C50C-407E-A947-70E740481C1C}">
+                <a14:useLocalDpi xmlns:a14="http://schemas.microsoft.com/office/drawing/2010/main" val="0"/>
+              </a:ext>
+            </a:extLst>
+          </a:blip>
+          <a:stretch>
+            <a:fillRect/>
+          </a:stretch>
+        </p:blipFill>
+        <p:spPr>
+          <a:xfrm>
+            <a:off x="0" y="2636690"/>
+            <a:ext cx="6858000" cy="6507310"/>
+          </a:xfrm>
+          <a:prstGeom prst="rect">
+            <a:avLst/>
+          </a:prstGeom>
+        </p:spPr>
+      </p:pic>
+    </p:spTree>
+    <p:extLst>
+      <p:ext uri="{BB962C8B-B14F-4D97-AF65-F5344CB8AC3E}">
+        <p14:creationId xmlns:p14="http://schemas.microsoft.com/office/powerpoint/2010/main" val="1308125805"/>
+      </p:ext>
+    </p:extLst>
+  </p:cSld>
+  <p:clrMapOvr>
+    <a:masterClrMapping/>
+  </p:clrMapOvr>
+  <p:timing>
+    <p:tnLst>
+      <p:par>
+        <p:cTn id="1" dur="indefinite" restart="never" nodeType="tmRoot"/>
+      </p:par>
+    </p:tnLst>
+  </p:timing>
+</p:sld>
+</file>
+
+<file path=ppt/slides/slide3.xml><?xml version="1.0" encoding="utf-8"?>
+<p:sld xmlns:a="http://schemas.openxmlformats.org/drawingml/2006/main" xmlns:r="http://schemas.openxmlformats.org/officeDocument/2006/relationships" xmlns:p="http://schemas.openxmlformats.org/presentationml/2006/main">
+  <p:cSld>
+    <p:spTree>
+      <p:nvGrpSpPr>
+        <p:cNvPr id="1" name=""/>
+        <p:cNvGrpSpPr/>
+        <p:nvPr/>
+      </p:nvGrpSpPr>
+      <p:grpSpPr>
+        <a:xfrm>
+          <a:off x="0" y="0"/>
+          <a:ext cx="0" cy="0"/>
+          <a:chOff x="0" y="0"/>
+          <a:chExt cx="0" cy="0"/>
+        </a:xfrm>
+      </p:grpSpPr>
+      <p:sp>
+        <p:nvSpPr>
+          <p:cNvPr id="23" name="Sun 22"/>
+          <p:cNvSpPr/>
+          <p:nvPr/>
+        </p:nvSpPr>
+        <p:spPr>
+          <a:xfrm>
+            <a:off x="279401" y="838200"/>
+            <a:ext cx="217100" cy="217100"/>
+          </a:xfrm>
+          <a:prstGeom prst="sun">
+            <a:avLst/>
+          </a:prstGeom>
+          <a:solidFill>
+            <a:srgbClr val="FF0000"/>
+          </a:solidFill>
+          <a:ln w="12700">
+            <a:solidFill>
+              <a:srgbClr val="FF0000"/>
+            </a:solidFill>
+          </a:ln>
+        </p:spPr>
+        <p:style>
+          <a:lnRef idx="2">
+            <a:schemeClr val="accent1">
+              <a:shade val="50000"/>
+            </a:schemeClr>
+          </a:lnRef>
+          <a:fillRef idx="1">
+            <a:schemeClr val="accent1"/>
+          </a:fillRef>
+          <a:effectRef idx="0">
+            <a:schemeClr val="accent1"/>
+          </a:effectRef>
+          <a:fontRef idx="minor">
+            <a:schemeClr val="lt1"/>
+          </a:fontRef>
+        </p:style>
+        <p:txBody>
+          <a:bodyPr rtlCol="0" anchor="ctr"/>
+          <a:lstStyle/>
+          <a:p>
+            <a:pPr algn="ctr"/>
+            <a:endParaRPr lang="en-US" sz="800">
+              <a:solidFill>
+                <a:schemeClr val="tx1"/>
+              </a:solidFill>
+            </a:endParaRPr>
+          </a:p>
+        </p:txBody>
+      </p:sp>
+      <p:sp>
+        <p:nvSpPr>
+          <p:cNvPr id="24" name="TextBox 23"/>
+          <p:cNvSpPr txBox="1"/>
+          <p:nvPr/>
+        </p:nvSpPr>
+        <p:spPr>
+          <a:xfrm>
+            <a:off x="521901" y="877499"/>
+            <a:ext cx="833562" cy="138499"/>
+          </a:xfrm>
+          <a:prstGeom prst="rect">
+            <a:avLst/>
+          </a:prstGeom>
+          <a:solidFill>
+            <a:schemeClr val="bg1">
+              <a:alpha val="70000"/>
+            </a:schemeClr>
+          </a:solidFill>
+        </p:spPr>
+        <p:txBody>
+          <a:bodyPr wrap="none" lIns="0" tIns="0" rIns="0" bIns="0" rtlCol="0" anchor="ctr" anchorCtr="1">
+            <a:spAutoFit/>
+          </a:bodyPr>
+          <a:lstStyle/>
+          <a:p>
+            <a:r>
+              <a:rPr lang="en-US" sz="900" b="1" dirty="0" smtClean="0"/>
+              <a:t>Shared Holy Sites</a:t>
+            </a:r>
+            <a:endParaRPr lang="en-US" sz="900" b="1" dirty="0"/>
+          </a:p>
+        </p:txBody>
+      </p:sp>
+      <p:sp>
+        <p:nvSpPr>
+          <p:cNvPr id="25" name="Sun 24"/>
+          <p:cNvSpPr/>
+          <p:nvPr/>
+        </p:nvSpPr>
+        <p:spPr>
+          <a:xfrm>
+            <a:off x="2514600" y="1104097"/>
+            <a:ext cx="217100" cy="217100"/>
+          </a:xfrm>
+          <a:prstGeom prst="sun">
+            <a:avLst/>
+          </a:prstGeom>
+          <a:solidFill>
+            <a:schemeClr val="bg1"/>
+          </a:solidFill>
+          <a:ln w="15875">
+            <a:solidFill>
+              <a:srgbClr val="FF0000"/>
+            </a:solidFill>
+          </a:ln>
+        </p:spPr>
+        <p:style>
+          <a:lnRef idx="2">
+            <a:schemeClr val="accent1">
+              <a:shade val="50000"/>
+            </a:schemeClr>
+          </a:lnRef>
+          <a:fillRef idx="1">
+            <a:schemeClr val="accent1"/>
+          </a:fillRef>
+          <a:effectRef idx="0">
+            <a:schemeClr val="accent1"/>
+          </a:effectRef>
+          <a:fontRef idx="minor">
+            <a:schemeClr val="lt1"/>
+          </a:fontRef>
+        </p:style>
+        <p:txBody>
+          <a:bodyPr rtlCol="0" anchor="ctr"/>
+          <a:lstStyle/>
+          <a:p>
+            <a:pPr algn="ctr"/>
+            <a:r>
+              <a:rPr lang="en-US" sz="800" b="1" smtClean="0">
+                <a:solidFill>
+                  <a:schemeClr val="tx1"/>
+                </a:solidFill>
+              </a:rPr>
+              <a:t>1</a:t>
+            </a:r>
+            <a:endParaRPr lang="en-US" sz="800" b="1">
+              <a:solidFill>
+                <a:schemeClr val="tx1"/>
+              </a:solidFill>
+            </a:endParaRPr>
+          </a:p>
+        </p:txBody>
+      </p:sp>
+      <p:sp>
+        <p:nvSpPr>
+          <p:cNvPr id="26" name="TextBox 25"/>
+          <p:cNvSpPr txBox="1"/>
+          <p:nvPr/>
+        </p:nvSpPr>
+        <p:spPr>
+          <a:xfrm>
+            <a:off x="2757099" y="1143398"/>
+            <a:ext cx="389530" cy="138499"/>
+          </a:xfrm>
+          <a:prstGeom prst="rect">
+            <a:avLst/>
+          </a:prstGeom>
+          <a:solidFill>
+            <a:schemeClr val="bg1">
+              <a:alpha val="70000"/>
+            </a:schemeClr>
+          </a:solidFill>
+        </p:spPr>
+        <p:txBody>
+          <a:bodyPr wrap="none" lIns="0" tIns="0" rIns="0" bIns="0" rtlCol="0" anchor="ctr" anchorCtr="1">
+            <a:spAutoFit/>
+          </a:bodyPr>
+          <a:lstStyle/>
+          <a:p>
+            <a:r>
+              <a:rPr lang="en-US" sz="900" b="1" dirty="0" smtClean="0"/>
+              <a:t>Catholic</a:t>
+            </a:r>
+            <a:endParaRPr lang="en-US" sz="900" b="1" dirty="0"/>
+          </a:p>
+        </p:txBody>
+      </p:sp>
+      <p:sp>
+        <p:nvSpPr>
+          <p:cNvPr id="30" name="Sun 29"/>
+          <p:cNvSpPr/>
+          <p:nvPr/>
+        </p:nvSpPr>
+        <p:spPr>
+          <a:xfrm>
+            <a:off x="279401" y="1602432"/>
+            <a:ext cx="217100" cy="217100"/>
+          </a:xfrm>
+          <a:prstGeom prst="sun">
+            <a:avLst/>
+          </a:prstGeom>
+          <a:solidFill>
+            <a:schemeClr val="bg1"/>
+          </a:solidFill>
+          <a:ln w="9525">
+            <a:solidFill>
+              <a:srgbClr val="FF0000"/>
+            </a:solidFill>
+          </a:ln>
+        </p:spPr>
+        <p:style>
+          <a:lnRef idx="2">
+            <a:schemeClr val="accent1">
+              <a:shade val="50000"/>
+            </a:schemeClr>
+          </a:lnRef>
+          <a:fillRef idx="1">
+            <a:schemeClr val="accent1"/>
+          </a:fillRef>
+          <a:effectRef idx="0">
+            <a:schemeClr val="accent1"/>
+          </a:effectRef>
+          <a:fontRef idx="minor">
+            <a:schemeClr val="lt1"/>
+          </a:fontRef>
+        </p:style>
+        <p:txBody>
+          <a:bodyPr rtlCol="0" anchor="ctr"/>
+          <a:lstStyle/>
+          <a:p>
+            <a:pPr algn="ctr"/>
+            <a:r>
+              <a:rPr lang="en-US" sz="800" b="1" dirty="0" smtClean="0">
+                <a:solidFill>
+                  <a:schemeClr val="tx1"/>
+                </a:solidFill>
+              </a:rPr>
+              <a:t>2</a:t>
+            </a:r>
+            <a:endParaRPr lang="en-US" sz="800" b="1" dirty="0">
+              <a:solidFill>
+                <a:schemeClr val="tx1"/>
+              </a:solidFill>
+            </a:endParaRPr>
+          </a:p>
+        </p:txBody>
+      </p:sp>
+      <p:sp>
+        <p:nvSpPr>
+          <p:cNvPr id="31" name="TextBox 30"/>
+          <p:cNvSpPr txBox="1"/>
+          <p:nvPr/>
+        </p:nvSpPr>
+        <p:spPr>
+          <a:xfrm>
+            <a:off x="496501" y="1641733"/>
+            <a:ext cx="238330" cy="138499"/>
+          </a:xfrm>
+          <a:prstGeom prst="rect">
+            <a:avLst/>
+          </a:prstGeom>
+          <a:solidFill>
+            <a:schemeClr val="bg1">
+              <a:alpha val="70000"/>
+            </a:schemeClr>
+          </a:solidFill>
+        </p:spPr>
+        <p:txBody>
+          <a:bodyPr wrap="none" lIns="36000" tIns="0" rIns="0" bIns="0" rtlCol="0" anchor="ctr" anchorCtr="1">
+            <a:spAutoFit/>
+          </a:bodyPr>
+          <a:lstStyle/>
+          <a:p>
+            <a:r>
+              <a:rPr lang="en-US" sz="900" dirty="0" smtClean="0"/>
+              <a:t>Text</a:t>
+            </a:r>
+            <a:endParaRPr lang="en-US" sz="900" dirty="0"/>
+          </a:p>
+        </p:txBody>
+      </p:sp>
+      <p:sp>
+        <p:nvSpPr>
+          <p:cNvPr id="27" name="TextBox 26"/>
+          <p:cNvSpPr txBox="1"/>
+          <p:nvPr/>
+        </p:nvSpPr>
+        <p:spPr>
+          <a:xfrm>
+            <a:off x="0" y="0"/>
+            <a:ext cx="6858000" cy="861774"/>
+          </a:xfrm>
+          <a:prstGeom prst="rect">
+            <a:avLst/>
+          </a:prstGeom>
+          <a:noFill/>
+        </p:spPr>
+        <p:txBody>
+          <a:bodyPr wrap="square" rtlCol="0">
+            <a:spAutoFit/>
+          </a:bodyPr>
+          <a:lstStyle/>
+          <a:p>
+            <a:pPr algn="ctr"/>
+            <a:r>
+              <a:rPr lang="en-US" sz="3200" b="1" dirty="0" smtClean="0">
+                <a:effectLst>
+                  <a:outerShdw blurRad="38100" dist="38100" dir="2700000" algn="tl">
+                    <a:srgbClr val="000000">
+                      <a:alpha val="43137"/>
+                    </a:srgbClr>
+                  </a:outerShdw>
+                </a:effectLst>
+              </a:rPr>
+              <a:t>Template (Western Europe)</a:t>
+            </a:r>
+          </a:p>
+          <a:p>
+            <a:pPr algn="ctr"/>
+            <a:r>
+              <a:rPr lang="en-US" dirty="0">
+                <a:effectLst>
+                  <a:outerShdw blurRad="38100" dist="38100" dir="2700000" algn="tl">
+                    <a:srgbClr val="000000">
+                      <a:alpha val="43137"/>
+                    </a:srgbClr>
+                  </a:outerShdw>
+                </a:effectLst>
+              </a:rPr>
+              <a:t>Religious Structure and Holy Sites</a:t>
+            </a:r>
+          </a:p>
+        </p:txBody>
+      </p:sp>
+      <p:sp>
+        <p:nvSpPr>
+          <p:cNvPr id="44" name="Sun 43"/>
+          <p:cNvSpPr/>
+          <p:nvPr/>
+        </p:nvSpPr>
+        <p:spPr>
+          <a:xfrm>
+            <a:off x="1638301" y="1602432"/>
+            <a:ext cx="217100" cy="217100"/>
+          </a:xfrm>
+          <a:prstGeom prst="sun">
+            <a:avLst/>
+          </a:prstGeom>
+          <a:solidFill>
+            <a:schemeClr val="bg1"/>
+          </a:solidFill>
+          <a:ln w="9525">
+            <a:solidFill>
+              <a:srgbClr val="FF0000"/>
+            </a:solidFill>
+          </a:ln>
+        </p:spPr>
+        <p:style>
+          <a:lnRef idx="2">
+            <a:schemeClr val="accent1">
+              <a:shade val="50000"/>
+            </a:schemeClr>
+          </a:lnRef>
+          <a:fillRef idx="1">
+            <a:schemeClr val="accent1"/>
+          </a:fillRef>
+          <a:effectRef idx="0">
+            <a:schemeClr val="accent1"/>
+          </a:effectRef>
+          <a:fontRef idx="minor">
+            <a:schemeClr val="lt1"/>
+          </a:fontRef>
+        </p:style>
+        <p:txBody>
+          <a:bodyPr rtlCol="0" anchor="ctr"/>
+          <a:lstStyle/>
+          <a:p>
+            <a:pPr algn="ctr"/>
+            <a:r>
+              <a:rPr lang="en-US" sz="800" b="1" dirty="0" smtClean="0">
+                <a:solidFill>
+                  <a:schemeClr val="tx1"/>
+                </a:solidFill>
+              </a:rPr>
+              <a:t>3</a:t>
+            </a:r>
+            <a:endParaRPr lang="en-US" sz="800" b="1" dirty="0">
+              <a:solidFill>
+                <a:schemeClr val="tx1"/>
+              </a:solidFill>
+            </a:endParaRPr>
+          </a:p>
+        </p:txBody>
+      </p:sp>
+      <p:sp>
+        <p:nvSpPr>
+          <p:cNvPr id="45" name="TextBox 44"/>
+          <p:cNvSpPr txBox="1"/>
+          <p:nvPr/>
+        </p:nvSpPr>
+        <p:spPr>
+          <a:xfrm>
+            <a:off x="1855401" y="1641733"/>
+            <a:ext cx="243139" cy="138499"/>
+          </a:xfrm>
+          <a:prstGeom prst="rect">
+            <a:avLst/>
+          </a:prstGeom>
+          <a:solidFill>
+            <a:schemeClr val="bg1">
+              <a:alpha val="70000"/>
+            </a:schemeClr>
+          </a:solidFill>
+        </p:spPr>
+        <p:txBody>
+          <a:bodyPr wrap="none" lIns="36000" tIns="0" rIns="0" bIns="0" rtlCol="0" anchor="ctr" anchorCtr="1">
+            <a:spAutoFit/>
+          </a:bodyPr>
+          <a:lstStyle/>
+          <a:p>
+            <a:r>
+              <a:rPr lang="en-US" sz="900" b="1" i="1" dirty="0">
+                <a:solidFill>
+                  <a:srgbClr val="C00000"/>
+                </a:solidFill>
+              </a:rPr>
+              <a:t>Text</a:t>
+            </a:r>
+          </a:p>
+        </p:txBody>
+      </p:sp>
+      <p:sp>
+        <p:nvSpPr>
+          <p:cNvPr id="2" name="TextBox 1"/>
+          <p:cNvSpPr txBox="1"/>
+          <p:nvPr/>
+        </p:nvSpPr>
+        <p:spPr>
+          <a:xfrm>
+            <a:off x="279401" y="1097231"/>
+            <a:ext cx="1928464" cy="230832"/>
+          </a:xfrm>
+          <a:prstGeom prst="rect">
+            <a:avLst/>
+          </a:prstGeom>
+          <a:noFill/>
+        </p:spPr>
+        <p:txBody>
+          <a:bodyPr wrap="none" lIns="36000" rIns="36000" rtlCol="0">
+            <a:spAutoFit/>
+          </a:bodyPr>
+          <a:lstStyle>
+            <a:defPPr>
+              <a:defRPr lang="en-US"/>
+            </a:defPPr>
+            <a:lvl1pPr>
+              <a:defRPr sz="900" b="1" u="sng"/>
+            </a:lvl1pPr>
+          </a:lstStyle>
+          <a:p>
+            <a:r>
+              <a:rPr lang="en-US" dirty="0"/>
+              <a:t>Mainstream Religion and its Heresies:</a:t>
+            </a:r>
+          </a:p>
+        </p:txBody>
+      </p:sp>
+      <p:sp>
+        <p:nvSpPr>
+          <p:cNvPr id="35" name="TextBox 34"/>
+          <p:cNvSpPr txBox="1"/>
+          <p:nvPr/>
+        </p:nvSpPr>
+        <p:spPr>
+          <a:xfrm>
+            <a:off x="3558540" y="1143398"/>
+            <a:ext cx="1181414" cy="138499"/>
+          </a:xfrm>
+          <a:prstGeom prst="rect">
+            <a:avLst/>
+          </a:prstGeom>
+          <a:solidFill>
+            <a:schemeClr val="bg1">
+              <a:alpha val="70000"/>
+            </a:schemeClr>
+          </a:solidFill>
+        </p:spPr>
+        <p:txBody>
+          <a:bodyPr wrap="none" lIns="0" tIns="0" rIns="0" bIns="0" rtlCol="0" anchor="ctr" anchorCtr="1">
+            <a:spAutoFit/>
+          </a:bodyPr>
+          <a:lstStyle/>
+          <a:p>
+            <a:r>
+              <a:rPr lang="en-US" sz="900" b="1" u="sng" dirty="0" smtClean="0"/>
+              <a:t>Heresies</a:t>
+            </a:r>
+            <a:r>
+              <a:rPr lang="en-US" sz="900" b="1" dirty="0" smtClean="0"/>
+              <a:t>: </a:t>
+            </a:r>
+            <a:r>
+              <a:rPr lang="en-US" sz="900" dirty="0" smtClean="0"/>
+              <a:t>Text, Text, </a:t>
+            </a:r>
+            <a:r>
+              <a:rPr lang="en-US" sz="900" b="1" i="1" dirty="0">
+                <a:solidFill>
+                  <a:srgbClr val="C00000"/>
+                </a:solidFill>
+              </a:rPr>
+              <a:t>Text</a:t>
+            </a:r>
+          </a:p>
+        </p:txBody>
+      </p:sp>
+      <p:sp>
+        <p:nvSpPr>
+          <p:cNvPr id="38" name="TextBox 37"/>
+          <p:cNvSpPr txBox="1"/>
+          <p:nvPr/>
+        </p:nvSpPr>
+        <p:spPr>
+          <a:xfrm>
+            <a:off x="279401" y="1371600"/>
+            <a:ext cx="1218851" cy="230832"/>
+          </a:xfrm>
+          <a:prstGeom prst="rect">
+            <a:avLst/>
+          </a:prstGeom>
+          <a:noFill/>
+        </p:spPr>
+        <p:txBody>
+          <a:bodyPr wrap="none" lIns="36000" rIns="36000" rtlCol="0">
+            <a:spAutoFit/>
+          </a:bodyPr>
+          <a:lstStyle/>
+          <a:p>
+            <a:r>
+              <a:rPr lang="en-US" sz="900" b="1" u="sng" dirty="0" smtClean="0"/>
+              <a:t>Autonomous Religions: </a:t>
+            </a:r>
+            <a:endParaRPr lang="en-US" sz="900" b="1" u="sng" dirty="0"/>
+          </a:p>
+        </p:txBody>
+      </p:sp>
+      <p:sp>
+        <p:nvSpPr>
+          <p:cNvPr id="39" name="Sun 38"/>
+          <p:cNvSpPr/>
+          <p:nvPr/>
+        </p:nvSpPr>
+        <p:spPr>
+          <a:xfrm>
+            <a:off x="2997201" y="1602432"/>
+            <a:ext cx="217100" cy="217100"/>
+          </a:xfrm>
+          <a:prstGeom prst="sun">
+            <a:avLst/>
+          </a:prstGeom>
+          <a:solidFill>
+            <a:schemeClr val="bg1"/>
+          </a:solidFill>
+          <a:ln w="9525">
+            <a:solidFill>
+              <a:srgbClr val="FF0000"/>
+            </a:solidFill>
+          </a:ln>
+        </p:spPr>
+        <p:style>
+          <a:lnRef idx="2">
+            <a:schemeClr val="accent1">
+              <a:shade val="50000"/>
+            </a:schemeClr>
+          </a:lnRef>
+          <a:fillRef idx="1">
+            <a:schemeClr val="accent1"/>
+          </a:fillRef>
+          <a:effectRef idx="0">
+            <a:schemeClr val="accent1"/>
+          </a:effectRef>
+          <a:fontRef idx="minor">
+            <a:schemeClr val="lt1"/>
+          </a:fontRef>
+        </p:style>
+        <p:txBody>
+          <a:bodyPr rtlCol="0" anchor="ctr"/>
+          <a:lstStyle/>
+          <a:p>
+            <a:pPr algn="ctr"/>
+            <a:r>
+              <a:rPr lang="en-US" sz="800" b="1" dirty="0" smtClean="0">
+                <a:solidFill>
+                  <a:schemeClr val="tx1"/>
+                </a:solidFill>
+              </a:rPr>
+              <a:t>4</a:t>
+            </a:r>
+            <a:endParaRPr lang="en-US" sz="800" b="1" dirty="0">
+              <a:solidFill>
+                <a:schemeClr val="tx1"/>
+              </a:solidFill>
+            </a:endParaRPr>
+          </a:p>
+        </p:txBody>
+      </p:sp>
+      <p:sp>
+        <p:nvSpPr>
+          <p:cNvPr id="50" name="TextBox 49"/>
+          <p:cNvSpPr txBox="1"/>
+          <p:nvPr/>
+        </p:nvSpPr>
+        <p:spPr>
+          <a:xfrm>
+            <a:off x="3214300" y="1641733"/>
+            <a:ext cx="238330" cy="138499"/>
+          </a:xfrm>
+          <a:prstGeom prst="rect">
+            <a:avLst/>
+          </a:prstGeom>
+          <a:solidFill>
+            <a:schemeClr val="bg1">
+              <a:alpha val="70000"/>
+            </a:schemeClr>
+          </a:solidFill>
+        </p:spPr>
+        <p:txBody>
+          <a:bodyPr wrap="none" lIns="36000" tIns="0" rIns="0" bIns="0" rtlCol="0" anchor="ctr" anchorCtr="1">
+            <a:spAutoFit/>
+          </a:bodyPr>
+          <a:lstStyle/>
+          <a:p>
+            <a:r>
+              <a:rPr lang="en-US" sz="900" dirty="0" smtClean="0"/>
+              <a:t>Text</a:t>
+            </a:r>
+            <a:endParaRPr lang="en-US" sz="900" dirty="0"/>
+          </a:p>
+        </p:txBody>
+      </p:sp>
+      <p:sp>
+        <p:nvSpPr>
+          <p:cNvPr id="51" name="Sun 50"/>
+          <p:cNvSpPr/>
+          <p:nvPr/>
+        </p:nvSpPr>
+        <p:spPr>
+          <a:xfrm>
+            <a:off x="4356101" y="1602432"/>
+            <a:ext cx="217100" cy="217100"/>
+          </a:xfrm>
+          <a:prstGeom prst="sun">
+            <a:avLst/>
+          </a:prstGeom>
+          <a:solidFill>
+            <a:schemeClr val="bg1"/>
+          </a:solidFill>
+          <a:ln w="9525">
+            <a:solidFill>
+              <a:srgbClr val="FF0000"/>
+            </a:solidFill>
+          </a:ln>
+        </p:spPr>
+        <p:style>
+          <a:lnRef idx="2">
+            <a:schemeClr val="accent1">
+              <a:shade val="50000"/>
+            </a:schemeClr>
+          </a:lnRef>
+          <a:fillRef idx="1">
+            <a:schemeClr val="accent1"/>
+          </a:fillRef>
+          <a:effectRef idx="0">
+            <a:schemeClr val="accent1"/>
+          </a:effectRef>
+          <a:fontRef idx="minor">
+            <a:schemeClr val="lt1"/>
+          </a:fontRef>
+        </p:style>
+        <p:txBody>
+          <a:bodyPr rtlCol="0" anchor="ctr"/>
+          <a:lstStyle/>
+          <a:p>
+            <a:pPr algn="ctr"/>
+            <a:r>
+              <a:rPr lang="en-US" sz="800" b="1" dirty="0" smtClean="0">
+                <a:solidFill>
+                  <a:schemeClr val="tx1"/>
+                </a:solidFill>
+              </a:rPr>
+              <a:t>5</a:t>
+            </a:r>
+            <a:endParaRPr lang="en-US" sz="800" b="1" dirty="0">
+              <a:solidFill>
+                <a:schemeClr val="tx1"/>
+              </a:solidFill>
+            </a:endParaRPr>
+          </a:p>
+        </p:txBody>
+      </p:sp>
+      <p:sp>
+        <p:nvSpPr>
+          <p:cNvPr id="60" name="Sun 59"/>
+          <p:cNvSpPr/>
+          <p:nvPr/>
+        </p:nvSpPr>
+        <p:spPr>
+          <a:xfrm>
+            <a:off x="5715000" y="1602432"/>
+            <a:ext cx="217100" cy="217100"/>
+          </a:xfrm>
+          <a:prstGeom prst="sun">
+            <a:avLst/>
+          </a:prstGeom>
+          <a:solidFill>
+            <a:schemeClr val="bg1"/>
+          </a:solidFill>
+          <a:ln w="9525">
+            <a:solidFill>
+              <a:srgbClr val="FF0000"/>
+            </a:solidFill>
+          </a:ln>
+        </p:spPr>
+        <p:style>
+          <a:lnRef idx="2">
+            <a:schemeClr val="accent1">
+              <a:shade val="50000"/>
+            </a:schemeClr>
+          </a:lnRef>
+          <a:fillRef idx="1">
+            <a:schemeClr val="accent1"/>
+          </a:fillRef>
+          <a:effectRef idx="0">
+            <a:schemeClr val="accent1"/>
+          </a:effectRef>
+          <a:fontRef idx="minor">
+            <a:schemeClr val="lt1"/>
+          </a:fontRef>
+        </p:style>
+        <p:txBody>
+          <a:bodyPr rtlCol="0" anchor="ctr"/>
+          <a:lstStyle/>
+          <a:p>
+            <a:pPr algn="ctr"/>
+            <a:r>
+              <a:rPr lang="en-US" sz="800" b="1" dirty="0" smtClean="0">
+                <a:solidFill>
+                  <a:schemeClr val="tx1"/>
+                </a:solidFill>
+              </a:rPr>
+              <a:t>6</a:t>
+            </a:r>
+            <a:endParaRPr lang="en-US" sz="800" b="1" dirty="0">
+              <a:solidFill>
+                <a:schemeClr val="tx1"/>
+              </a:solidFill>
+            </a:endParaRPr>
+          </a:p>
+        </p:txBody>
+      </p:sp>
+      <p:sp>
+        <p:nvSpPr>
+          <p:cNvPr id="62" name="TextBox 61"/>
+          <p:cNvSpPr txBox="1"/>
+          <p:nvPr/>
+        </p:nvSpPr>
+        <p:spPr>
+          <a:xfrm>
+            <a:off x="4573201" y="1641733"/>
+            <a:ext cx="238330" cy="138499"/>
+          </a:xfrm>
+          <a:prstGeom prst="rect">
+            <a:avLst/>
+          </a:prstGeom>
+          <a:solidFill>
+            <a:schemeClr val="bg1">
+              <a:alpha val="70000"/>
+            </a:schemeClr>
+          </a:solidFill>
+        </p:spPr>
+        <p:txBody>
+          <a:bodyPr wrap="none" lIns="36000" tIns="0" rIns="0" bIns="0" rtlCol="0" anchor="ctr" anchorCtr="1">
+            <a:spAutoFit/>
+          </a:bodyPr>
+          <a:lstStyle/>
+          <a:p>
+            <a:r>
+              <a:rPr lang="en-US" sz="900" dirty="0" smtClean="0"/>
+              <a:t>Text</a:t>
+            </a:r>
+            <a:endParaRPr lang="en-US" sz="900" dirty="0"/>
+          </a:p>
+        </p:txBody>
+      </p:sp>
+      <p:sp>
+        <p:nvSpPr>
+          <p:cNvPr id="63" name="TextBox 62"/>
+          <p:cNvSpPr txBox="1"/>
+          <p:nvPr/>
+        </p:nvSpPr>
+        <p:spPr>
+          <a:xfrm>
+            <a:off x="5932102" y="1641733"/>
+            <a:ext cx="238330" cy="138499"/>
+          </a:xfrm>
+          <a:prstGeom prst="rect">
+            <a:avLst/>
+          </a:prstGeom>
+          <a:solidFill>
+            <a:schemeClr val="bg1">
+              <a:alpha val="70000"/>
+            </a:schemeClr>
+          </a:solidFill>
+        </p:spPr>
+        <p:txBody>
+          <a:bodyPr wrap="none" lIns="36000" tIns="0" rIns="0" bIns="0" rtlCol="0" anchor="ctr" anchorCtr="1">
+            <a:spAutoFit/>
+          </a:bodyPr>
+          <a:lstStyle/>
+          <a:p>
+            <a:r>
+              <a:rPr lang="en-US" sz="900" dirty="0" smtClean="0"/>
+              <a:t>Text</a:t>
+            </a:r>
+            <a:endParaRPr lang="en-US" sz="900" dirty="0"/>
+          </a:p>
+        </p:txBody>
+      </p:sp>
+      <p:sp>
+        <p:nvSpPr>
+          <p:cNvPr id="64" name="Sun 63"/>
+          <p:cNvSpPr/>
+          <p:nvPr/>
+        </p:nvSpPr>
+        <p:spPr>
+          <a:xfrm>
+            <a:off x="279401" y="1886020"/>
+            <a:ext cx="217100" cy="217100"/>
+          </a:xfrm>
+          <a:prstGeom prst="sun">
+            <a:avLst/>
+          </a:prstGeom>
+          <a:solidFill>
+            <a:schemeClr val="bg1"/>
+          </a:solidFill>
+          <a:ln w="9525">
+            <a:solidFill>
+              <a:srgbClr val="FF0000"/>
+            </a:solidFill>
+          </a:ln>
+        </p:spPr>
+        <p:style>
+          <a:lnRef idx="2">
+            <a:schemeClr val="accent1">
+              <a:shade val="50000"/>
+            </a:schemeClr>
+          </a:lnRef>
+          <a:fillRef idx="1">
+            <a:schemeClr val="accent1"/>
+          </a:fillRef>
+          <a:effectRef idx="0">
+            <a:schemeClr val="accent1"/>
+          </a:effectRef>
+          <a:fontRef idx="minor">
+            <a:schemeClr val="lt1"/>
+          </a:fontRef>
+        </p:style>
+        <p:txBody>
+          <a:bodyPr rtlCol="0" anchor="ctr"/>
+          <a:lstStyle/>
+          <a:p>
+            <a:pPr algn="ctr"/>
+            <a:r>
+              <a:rPr lang="en-US" sz="800" b="1" dirty="0" smtClean="0">
+                <a:solidFill>
+                  <a:schemeClr val="tx1"/>
+                </a:solidFill>
+              </a:rPr>
+              <a:t>7</a:t>
+            </a:r>
+            <a:endParaRPr lang="en-US" sz="800" b="1" dirty="0">
+              <a:solidFill>
+                <a:schemeClr val="tx1"/>
+              </a:solidFill>
+            </a:endParaRPr>
+          </a:p>
+        </p:txBody>
+      </p:sp>
+      <p:sp>
+        <p:nvSpPr>
+          <p:cNvPr id="65" name="TextBox 64"/>
+          <p:cNvSpPr txBox="1"/>
+          <p:nvPr/>
+        </p:nvSpPr>
+        <p:spPr>
+          <a:xfrm>
+            <a:off x="496501" y="1925321"/>
+            <a:ext cx="238330" cy="138499"/>
+          </a:xfrm>
+          <a:prstGeom prst="rect">
+            <a:avLst/>
+          </a:prstGeom>
+          <a:solidFill>
+            <a:schemeClr val="bg1">
+              <a:alpha val="70000"/>
+            </a:schemeClr>
+          </a:solidFill>
+        </p:spPr>
+        <p:txBody>
+          <a:bodyPr wrap="none" lIns="36000" tIns="0" rIns="0" bIns="0" rtlCol="0" anchor="ctr" anchorCtr="1">
+            <a:spAutoFit/>
+          </a:bodyPr>
+          <a:lstStyle/>
+          <a:p>
+            <a:r>
+              <a:rPr lang="en-US" sz="900" dirty="0" smtClean="0"/>
+              <a:t>Text</a:t>
+            </a:r>
+            <a:endParaRPr lang="en-US" sz="900" dirty="0"/>
+          </a:p>
+        </p:txBody>
+      </p:sp>
+      <p:sp>
+        <p:nvSpPr>
+          <p:cNvPr id="66" name="Sun 65"/>
+          <p:cNvSpPr/>
+          <p:nvPr/>
+        </p:nvSpPr>
+        <p:spPr>
+          <a:xfrm>
+            <a:off x="1638301" y="1886020"/>
+            <a:ext cx="217100" cy="217100"/>
+          </a:xfrm>
+          <a:prstGeom prst="sun">
+            <a:avLst/>
+          </a:prstGeom>
+          <a:solidFill>
+            <a:schemeClr val="bg1"/>
+          </a:solidFill>
+          <a:ln w="9525">
+            <a:solidFill>
+              <a:srgbClr val="FF0000"/>
+            </a:solidFill>
+          </a:ln>
+        </p:spPr>
+        <p:style>
+          <a:lnRef idx="2">
+            <a:schemeClr val="accent1">
+              <a:shade val="50000"/>
+            </a:schemeClr>
+          </a:lnRef>
+          <a:fillRef idx="1">
+            <a:schemeClr val="accent1"/>
+          </a:fillRef>
+          <a:effectRef idx="0">
+            <a:schemeClr val="accent1"/>
+          </a:effectRef>
+          <a:fontRef idx="minor">
+            <a:schemeClr val="lt1"/>
+          </a:fontRef>
+        </p:style>
+        <p:txBody>
+          <a:bodyPr rtlCol="0" anchor="ctr"/>
+          <a:lstStyle/>
+          <a:p>
+            <a:pPr algn="ctr"/>
+            <a:r>
+              <a:rPr lang="en-US" sz="800" b="1" dirty="0" smtClean="0">
+                <a:solidFill>
+                  <a:schemeClr val="tx1"/>
+                </a:solidFill>
+              </a:rPr>
+              <a:t>8</a:t>
+            </a:r>
+            <a:endParaRPr lang="en-US" sz="800" b="1" dirty="0">
+              <a:solidFill>
+                <a:schemeClr val="tx1"/>
+              </a:solidFill>
+            </a:endParaRPr>
+          </a:p>
+        </p:txBody>
+      </p:sp>
+      <p:sp>
+        <p:nvSpPr>
+          <p:cNvPr id="67" name="TextBox 66"/>
+          <p:cNvSpPr txBox="1"/>
+          <p:nvPr/>
+        </p:nvSpPr>
+        <p:spPr>
+          <a:xfrm>
+            <a:off x="1855401" y="1925321"/>
+            <a:ext cx="238330" cy="138499"/>
+          </a:xfrm>
+          <a:prstGeom prst="rect">
+            <a:avLst/>
+          </a:prstGeom>
+          <a:solidFill>
+            <a:schemeClr val="bg1">
+              <a:alpha val="70000"/>
+            </a:schemeClr>
+          </a:solidFill>
+        </p:spPr>
+        <p:txBody>
+          <a:bodyPr wrap="none" lIns="36000" tIns="0" rIns="0" bIns="0" rtlCol="0" anchor="ctr" anchorCtr="1">
+            <a:spAutoFit/>
+          </a:bodyPr>
+          <a:lstStyle/>
+          <a:p>
+            <a:r>
+              <a:rPr lang="en-US" sz="900" dirty="0" smtClean="0"/>
+              <a:t>Text</a:t>
+            </a:r>
+            <a:endParaRPr lang="en-US" sz="900" dirty="0"/>
+          </a:p>
+        </p:txBody>
+      </p:sp>
+      <p:sp>
+        <p:nvSpPr>
+          <p:cNvPr id="68" name="Sun 67"/>
+          <p:cNvSpPr/>
+          <p:nvPr/>
+        </p:nvSpPr>
+        <p:spPr>
+          <a:xfrm>
+            <a:off x="2997201" y="1886020"/>
+            <a:ext cx="217100" cy="217100"/>
+          </a:xfrm>
+          <a:prstGeom prst="sun">
+            <a:avLst/>
+          </a:prstGeom>
+          <a:solidFill>
+            <a:schemeClr val="bg1"/>
+          </a:solidFill>
+          <a:ln w="9525">
+            <a:solidFill>
+              <a:srgbClr val="FF0000"/>
+            </a:solidFill>
+          </a:ln>
+        </p:spPr>
+        <p:style>
+          <a:lnRef idx="2">
+            <a:schemeClr val="accent1">
+              <a:shade val="50000"/>
+            </a:schemeClr>
+          </a:lnRef>
+          <a:fillRef idx="1">
+            <a:schemeClr val="accent1"/>
+          </a:fillRef>
+          <a:effectRef idx="0">
+            <a:schemeClr val="accent1"/>
+          </a:effectRef>
+          <a:fontRef idx="minor">
+            <a:schemeClr val="lt1"/>
+          </a:fontRef>
+        </p:style>
+        <p:txBody>
+          <a:bodyPr rtlCol="0" anchor="ctr"/>
+          <a:lstStyle/>
+          <a:p>
+            <a:pPr algn="ctr"/>
+            <a:r>
+              <a:rPr lang="en-US" sz="800" b="1" dirty="0" smtClean="0">
+                <a:solidFill>
+                  <a:schemeClr val="tx1"/>
+                </a:solidFill>
+              </a:rPr>
+              <a:t>9</a:t>
+            </a:r>
+            <a:endParaRPr lang="en-US" sz="800" b="1" dirty="0">
+              <a:solidFill>
+                <a:schemeClr val="tx1"/>
+              </a:solidFill>
+            </a:endParaRPr>
+          </a:p>
+        </p:txBody>
+      </p:sp>
+      <p:sp>
+        <p:nvSpPr>
+          <p:cNvPr id="69" name="TextBox 68"/>
+          <p:cNvSpPr txBox="1"/>
+          <p:nvPr/>
+        </p:nvSpPr>
+        <p:spPr>
+          <a:xfrm>
+            <a:off x="3214300" y="1925321"/>
+            <a:ext cx="238330" cy="138499"/>
+          </a:xfrm>
+          <a:prstGeom prst="rect">
+            <a:avLst/>
+          </a:prstGeom>
+          <a:solidFill>
+            <a:schemeClr val="bg1">
+              <a:alpha val="70000"/>
+            </a:schemeClr>
+          </a:solidFill>
+        </p:spPr>
+        <p:txBody>
+          <a:bodyPr wrap="none" lIns="36000" tIns="0" rIns="0" bIns="0" rtlCol="0" anchor="ctr" anchorCtr="1">
+            <a:spAutoFit/>
+          </a:bodyPr>
+          <a:lstStyle/>
+          <a:p>
+            <a:r>
+              <a:rPr lang="en-US" sz="900" dirty="0" smtClean="0"/>
+              <a:t>Text</a:t>
+            </a:r>
+            <a:endParaRPr lang="en-US" sz="900" dirty="0"/>
+          </a:p>
+        </p:txBody>
+      </p:sp>
+      <p:sp>
+        <p:nvSpPr>
+          <p:cNvPr id="70" name="Sun 69"/>
+          <p:cNvSpPr/>
+          <p:nvPr/>
+        </p:nvSpPr>
+        <p:spPr>
+          <a:xfrm>
+            <a:off x="4356101" y="1886020"/>
+            <a:ext cx="217100" cy="217100"/>
+          </a:xfrm>
+          <a:prstGeom prst="sun">
+            <a:avLst/>
+          </a:prstGeom>
+          <a:solidFill>
+            <a:schemeClr val="bg1"/>
+          </a:solidFill>
+          <a:ln w="9525">
+            <a:solidFill>
+              <a:srgbClr val="FF0000"/>
+            </a:solidFill>
+          </a:ln>
+        </p:spPr>
+        <p:style>
+          <a:lnRef idx="2">
+            <a:schemeClr val="accent1">
+              <a:shade val="50000"/>
+            </a:schemeClr>
+          </a:lnRef>
+          <a:fillRef idx="1">
+            <a:schemeClr val="accent1"/>
+          </a:fillRef>
+          <a:effectRef idx="0">
+            <a:schemeClr val="accent1"/>
+          </a:effectRef>
+          <a:fontRef idx="minor">
+            <a:schemeClr val="lt1"/>
+          </a:fontRef>
+        </p:style>
+        <p:txBody>
+          <a:bodyPr wrap="none" rtlCol="0" anchor="ctr"/>
+          <a:lstStyle/>
+          <a:p>
+            <a:pPr algn="ctr"/>
+            <a:r>
+              <a:rPr lang="en-US" sz="800" b="1" dirty="0" smtClean="0">
+                <a:solidFill>
+                  <a:schemeClr val="tx1"/>
+                </a:solidFill>
+              </a:rPr>
+              <a:t>10</a:t>
+            </a:r>
+            <a:endParaRPr lang="en-US" sz="800" b="1" dirty="0">
+              <a:solidFill>
+                <a:schemeClr val="tx1"/>
+              </a:solidFill>
+            </a:endParaRPr>
+          </a:p>
+        </p:txBody>
+      </p:sp>
+      <p:sp>
+        <p:nvSpPr>
+          <p:cNvPr id="71" name="Sun 70"/>
+          <p:cNvSpPr/>
+          <p:nvPr/>
+        </p:nvSpPr>
+        <p:spPr>
+          <a:xfrm>
+            <a:off x="5715000" y="1886020"/>
+            <a:ext cx="217100" cy="217100"/>
+          </a:xfrm>
+          <a:prstGeom prst="sun">
+            <a:avLst/>
+          </a:prstGeom>
+          <a:solidFill>
+            <a:schemeClr val="bg1"/>
+          </a:solidFill>
+          <a:ln w="9525">
+            <a:solidFill>
+              <a:srgbClr val="FF0000"/>
+            </a:solidFill>
+          </a:ln>
+        </p:spPr>
+        <p:style>
+          <a:lnRef idx="2">
+            <a:schemeClr val="accent1">
+              <a:shade val="50000"/>
+            </a:schemeClr>
+          </a:lnRef>
+          <a:fillRef idx="1">
+            <a:schemeClr val="accent1"/>
+          </a:fillRef>
+          <a:effectRef idx="0">
+            <a:schemeClr val="accent1"/>
+          </a:effectRef>
+          <a:fontRef idx="minor">
+            <a:schemeClr val="lt1"/>
+          </a:fontRef>
+        </p:style>
+        <p:txBody>
+          <a:bodyPr wrap="none" rtlCol="0" anchor="ctr"/>
+          <a:lstStyle/>
+          <a:p>
+            <a:pPr algn="ctr"/>
+            <a:r>
+              <a:rPr lang="en-US" sz="800" b="1" dirty="0" smtClean="0">
+                <a:solidFill>
+                  <a:schemeClr val="tx1"/>
+                </a:solidFill>
+              </a:rPr>
+              <a:t>11</a:t>
+            </a:r>
+            <a:endParaRPr lang="en-US" sz="800" b="1" dirty="0">
+              <a:solidFill>
+                <a:schemeClr val="tx1"/>
+              </a:solidFill>
+            </a:endParaRPr>
+          </a:p>
+        </p:txBody>
+      </p:sp>
+      <p:sp>
+        <p:nvSpPr>
+          <p:cNvPr id="72" name="TextBox 71"/>
+          <p:cNvSpPr txBox="1"/>
+          <p:nvPr/>
+        </p:nvSpPr>
+        <p:spPr>
+          <a:xfrm>
+            <a:off x="4573201" y="1925321"/>
+            <a:ext cx="238330" cy="138499"/>
+          </a:xfrm>
+          <a:prstGeom prst="rect">
+            <a:avLst/>
+          </a:prstGeom>
+          <a:solidFill>
+            <a:schemeClr val="bg1">
+              <a:alpha val="70000"/>
+            </a:schemeClr>
+          </a:solidFill>
+        </p:spPr>
+        <p:txBody>
+          <a:bodyPr wrap="none" lIns="36000" tIns="0" rIns="0" bIns="0" rtlCol="0" anchor="ctr" anchorCtr="1">
+            <a:spAutoFit/>
+          </a:bodyPr>
+          <a:lstStyle/>
+          <a:p>
+            <a:r>
+              <a:rPr lang="en-US" sz="900" dirty="0" smtClean="0"/>
+              <a:t>Text</a:t>
+            </a:r>
+            <a:endParaRPr lang="en-US" sz="900" dirty="0"/>
+          </a:p>
+        </p:txBody>
+      </p:sp>
+      <p:sp>
+        <p:nvSpPr>
+          <p:cNvPr id="73" name="TextBox 72"/>
+          <p:cNvSpPr txBox="1"/>
+          <p:nvPr/>
+        </p:nvSpPr>
+        <p:spPr>
+          <a:xfrm>
+            <a:off x="5932102" y="1925321"/>
+            <a:ext cx="238330" cy="138499"/>
+          </a:xfrm>
+          <a:prstGeom prst="rect">
+            <a:avLst/>
+          </a:prstGeom>
+          <a:solidFill>
+            <a:schemeClr val="bg1">
+              <a:alpha val="70000"/>
+            </a:schemeClr>
+          </a:solidFill>
+        </p:spPr>
+        <p:txBody>
+          <a:bodyPr wrap="none" lIns="36000" tIns="0" rIns="0" bIns="0" rtlCol="0" anchor="ctr" anchorCtr="1">
+            <a:spAutoFit/>
+          </a:bodyPr>
+          <a:lstStyle/>
+          <a:p>
+            <a:r>
+              <a:rPr lang="en-US" sz="900" dirty="0" smtClean="0"/>
+              <a:t>Text</a:t>
+            </a:r>
+            <a:endParaRPr lang="en-US" sz="900" dirty="0"/>
+          </a:p>
+        </p:txBody>
+      </p:sp>
+      <p:sp>
+        <p:nvSpPr>
+          <p:cNvPr id="40" name="TextBox 39"/>
+          <p:cNvSpPr txBox="1"/>
+          <p:nvPr/>
+        </p:nvSpPr>
+        <p:spPr>
+          <a:xfrm>
+            <a:off x="279401" y="2313801"/>
+            <a:ext cx="1432568" cy="276999"/>
+          </a:xfrm>
+          <a:prstGeom prst="rect">
+            <a:avLst/>
+          </a:prstGeom>
+          <a:solidFill>
+            <a:schemeClr val="bg1">
+              <a:alpha val="70000"/>
+            </a:schemeClr>
+          </a:solidFill>
+        </p:spPr>
+        <p:txBody>
+          <a:bodyPr wrap="none" lIns="36000" tIns="0" rIns="0" bIns="0" rtlCol="0" anchor="ctr" anchorCtr="1">
+            <a:spAutoFit/>
+          </a:bodyPr>
+          <a:lstStyle/>
+          <a:p>
+            <a:r>
+              <a:rPr lang="en-US" sz="900" b="1" i="1" dirty="0" smtClean="0">
+                <a:solidFill>
+                  <a:srgbClr val="C00000"/>
+                </a:solidFill>
+              </a:rPr>
+              <a:t>Religion</a:t>
+            </a:r>
+            <a:r>
+              <a:rPr lang="en-US" sz="900" dirty="0" smtClean="0"/>
+              <a:t>: unreformed religion</a:t>
+            </a:r>
+          </a:p>
+          <a:p>
+            <a:r>
+              <a:rPr lang="en-US" sz="900" dirty="0" smtClean="0"/>
+              <a:t>Religion: reformed religion</a:t>
+            </a:r>
+            <a:endParaRPr lang="en-US" sz="900" dirty="0"/>
+          </a:p>
+        </p:txBody>
+      </p:sp>
+      <p:pic>
+        <p:nvPicPr>
+          <p:cNvPr id="4" name="Image 3"/>
+          <p:cNvPicPr>
+            <a:picLocks noChangeAspect="1"/>
+          </p:cNvPicPr>
+          <p:nvPr/>
+        </p:nvPicPr>
+        <p:blipFill rotWithShape="1">
+          <a:blip r:embed="rId2" cstate="print">
+            <a:extLst>
+              <a:ext uri="{28A0092B-C50C-407E-A947-70E740481C1C}">
+                <a14:useLocalDpi xmlns:a14="http://schemas.microsoft.com/office/drawing/2010/main" val="0"/>
+              </a:ext>
+            </a:extLst>
+          </a:blip>
+          <a:srcRect l="11399" r="45856" b="54603"/>
+          <a:stretch/>
+        </p:blipFill>
+        <p:spPr>
+          <a:xfrm>
+            <a:off x="0" y="2652523"/>
+            <a:ext cx="6858001" cy="6491477"/>
+          </a:xfrm>
+          <a:prstGeom prst="rect">
+            <a:avLst/>
+          </a:prstGeom>
+        </p:spPr>
+      </p:pic>
+    </p:spTree>
+    <p:extLst>
+      <p:ext uri="{BB962C8B-B14F-4D97-AF65-F5344CB8AC3E}">
+        <p14:creationId xmlns:p14="http://schemas.microsoft.com/office/powerpoint/2010/main" val="2795658087"/>
+      </p:ext>
+    </p:extLst>
+  </p:cSld>
+  <p:clrMapOvr>
+    <a:masterClrMapping/>
+  </p:clrMapOvr>
+  <p:timing>
+    <p:tnLst>
+      <p:par>
+        <p:cTn id="1" dur="indefinite" restart="never" nodeType="tmRoot"/>
+      </p:par>
+    </p:tnLst>
+  </p:timing>
+</p:sld>
+</file>
+
+<file path=ppt/slides/slide4.xml><?xml version="1.0" encoding="utf-8"?>
+<p:sld xmlns:a="http://schemas.openxmlformats.org/drawingml/2006/main" xmlns:r="http://schemas.openxmlformats.org/officeDocument/2006/relationships" xmlns:p="http://schemas.openxmlformats.org/presentationml/2006/main">
+  <p:cSld>
+    <p:spTree>
+      <p:nvGrpSpPr>
+        <p:cNvPr id="1" name=""/>
+        <p:cNvGrpSpPr/>
+        <p:nvPr/>
+      </p:nvGrpSpPr>
+      <p:grpSpPr>
+        <a:xfrm>
+          <a:off x="0" y="0"/>
+          <a:ext cx="0" cy="0"/>
+          <a:chOff x="0" y="0"/>
+          <a:chExt cx="0" cy="0"/>
+        </a:xfrm>
+      </p:grpSpPr>
+      <p:sp>
+        <p:nvSpPr>
+          <p:cNvPr id="23" name="Sun 22"/>
+          <p:cNvSpPr/>
+          <p:nvPr/>
+        </p:nvSpPr>
+        <p:spPr>
+          <a:xfrm>
+            <a:off x="279401" y="838200"/>
+            <a:ext cx="217100" cy="217100"/>
+          </a:xfrm>
+          <a:prstGeom prst="sun">
+            <a:avLst/>
+          </a:prstGeom>
+          <a:solidFill>
+            <a:srgbClr val="FF0000"/>
+          </a:solidFill>
+          <a:ln w="12700">
+            <a:solidFill>
+              <a:srgbClr val="FF0000"/>
+            </a:solidFill>
+          </a:ln>
+        </p:spPr>
+        <p:style>
+          <a:lnRef idx="2">
+            <a:schemeClr val="accent1">
+              <a:shade val="50000"/>
+            </a:schemeClr>
+          </a:lnRef>
+          <a:fillRef idx="1">
+            <a:schemeClr val="accent1"/>
+          </a:fillRef>
+          <a:effectRef idx="0">
+            <a:schemeClr val="accent1"/>
+          </a:effectRef>
+          <a:fontRef idx="minor">
+            <a:schemeClr val="lt1"/>
+          </a:fontRef>
+        </p:style>
+        <p:txBody>
+          <a:bodyPr rtlCol="0" anchor="ctr"/>
+          <a:lstStyle/>
+          <a:p>
+            <a:pPr algn="ctr"/>
+            <a:endParaRPr lang="en-US" sz="800">
+              <a:solidFill>
+                <a:schemeClr val="tx1"/>
+              </a:solidFill>
+            </a:endParaRPr>
+          </a:p>
+        </p:txBody>
+      </p:sp>
+      <p:sp>
+        <p:nvSpPr>
+          <p:cNvPr id="24" name="TextBox 23"/>
+          <p:cNvSpPr txBox="1"/>
+          <p:nvPr/>
+        </p:nvSpPr>
+        <p:spPr>
+          <a:xfrm>
+            <a:off x="521901" y="877499"/>
+            <a:ext cx="833562" cy="138499"/>
+          </a:xfrm>
+          <a:prstGeom prst="rect">
+            <a:avLst/>
+          </a:prstGeom>
+          <a:solidFill>
+            <a:schemeClr val="bg1">
+              <a:alpha val="70000"/>
+            </a:schemeClr>
+          </a:solidFill>
+        </p:spPr>
+        <p:txBody>
+          <a:bodyPr wrap="none" lIns="0" tIns="0" rIns="0" bIns="0" rtlCol="0" anchor="ctr" anchorCtr="1">
+            <a:spAutoFit/>
+          </a:bodyPr>
+          <a:lstStyle/>
+          <a:p>
+            <a:r>
+              <a:rPr lang="en-US" sz="900" b="1" dirty="0" smtClean="0"/>
+              <a:t>Shared Holy Sites</a:t>
+            </a:r>
+            <a:endParaRPr lang="en-US" sz="900" b="1" dirty="0"/>
+          </a:p>
+        </p:txBody>
+      </p:sp>
+      <p:sp>
+        <p:nvSpPr>
+          <p:cNvPr id="25" name="Sun 24"/>
+          <p:cNvSpPr/>
+          <p:nvPr/>
+        </p:nvSpPr>
+        <p:spPr>
+          <a:xfrm>
+            <a:off x="2514600" y="1104097"/>
+            <a:ext cx="217100" cy="217100"/>
+          </a:xfrm>
+          <a:prstGeom prst="sun">
+            <a:avLst/>
+          </a:prstGeom>
+          <a:solidFill>
+            <a:schemeClr val="bg1"/>
+          </a:solidFill>
+          <a:ln w="15875">
+            <a:solidFill>
+              <a:srgbClr val="FF0000"/>
+            </a:solidFill>
+          </a:ln>
+        </p:spPr>
+        <p:style>
+          <a:lnRef idx="2">
+            <a:schemeClr val="accent1">
+              <a:shade val="50000"/>
+            </a:schemeClr>
+          </a:lnRef>
+          <a:fillRef idx="1">
+            <a:schemeClr val="accent1"/>
+          </a:fillRef>
+          <a:effectRef idx="0">
+            <a:schemeClr val="accent1"/>
+          </a:effectRef>
+          <a:fontRef idx="minor">
+            <a:schemeClr val="lt1"/>
+          </a:fontRef>
+        </p:style>
+        <p:txBody>
+          <a:bodyPr rtlCol="0" anchor="ctr"/>
+          <a:lstStyle/>
+          <a:p>
+            <a:pPr algn="ctr"/>
+            <a:r>
+              <a:rPr lang="en-US" sz="800" b="1" smtClean="0">
+                <a:solidFill>
+                  <a:schemeClr val="tx1"/>
+                </a:solidFill>
+              </a:rPr>
+              <a:t>1</a:t>
+            </a:r>
+            <a:endParaRPr lang="en-US" sz="800" b="1">
+              <a:solidFill>
+                <a:schemeClr val="tx1"/>
+              </a:solidFill>
+            </a:endParaRPr>
+          </a:p>
+        </p:txBody>
+      </p:sp>
+      <p:sp>
+        <p:nvSpPr>
+          <p:cNvPr id="26" name="TextBox 25"/>
+          <p:cNvSpPr txBox="1"/>
+          <p:nvPr/>
+        </p:nvSpPr>
+        <p:spPr>
+          <a:xfrm>
+            <a:off x="2757099" y="1143398"/>
+            <a:ext cx="389530" cy="138499"/>
+          </a:xfrm>
+          <a:prstGeom prst="rect">
+            <a:avLst/>
+          </a:prstGeom>
+          <a:solidFill>
+            <a:schemeClr val="bg1">
+              <a:alpha val="70000"/>
+            </a:schemeClr>
+          </a:solidFill>
+        </p:spPr>
+        <p:txBody>
+          <a:bodyPr wrap="none" lIns="0" tIns="0" rIns="0" bIns="0" rtlCol="0" anchor="ctr" anchorCtr="1">
+            <a:spAutoFit/>
+          </a:bodyPr>
+          <a:lstStyle/>
+          <a:p>
+            <a:r>
+              <a:rPr lang="en-US" sz="900" b="1" dirty="0" smtClean="0"/>
+              <a:t>Catholic</a:t>
+            </a:r>
+            <a:endParaRPr lang="en-US" sz="900" b="1" dirty="0"/>
+          </a:p>
+        </p:txBody>
+      </p:sp>
+      <p:sp>
+        <p:nvSpPr>
+          <p:cNvPr id="30" name="Sun 29"/>
+          <p:cNvSpPr/>
+          <p:nvPr/>
+        </p:nvSpPr>
+        <p:spPr>
+          <a:xfrm>
+            <a:off x="279401" y="1602432"/>
+            <a:ext cx="217100" cy="217100"/>
+          </a:xfrm>
+          <a:prstGeom prst="sun">
+            <a:avLst/>
+          </a:prstGeom>
+          <a:solidFill>
+            <a:schemeClr val="bg1"/>
+          </a:solidFill>
+          <a:ln w="9525">
+            <a:solidFill>
+              <a:srgbClr val="FF0000"/>
+            </a:solidFill>
+          </a:ln>
+        </p:spPr>
+        <p:style>
+          <a:lnRef idx="2">
+            <a:schemeClr val="accent1">
+              <a:shade val="50000"/>
+            </a:schemeClr>
+          </a:lnRef>
+          <a:fillRef idx="1">
+            <a:schemeClr val="accent1"/>
+          </a:fillRef>
+          <a:effectRef idx="0">
+            <a:schemeClr val="accent1"/>
+          </a:effectRef>
+          <a:fontRef idx="minor">
+            <a:schemeClr val="lt1"/>
+          </a:fontRef>
+        </p:style>
+        <p:txBody>
+          <a:bodyPr rtlCol="0" anchor="ctr"/>
+          <a:lstStyle/>
+          <a:p>
+            <a:pPr algn="ctr"/>
+            <a:r>
+              <a:rPr lang="en-US" sz="800" b="1" dirty="0" smtClean="0">
+                <a:solidFill>
+                  <a:schemeClr val="tx1"/>
+                </a:solidFill>
+              </a:rPr>
+              <a:t>2</a:t>
+            </a:r>
+            <a:endParaRPr lang="en-US" sz="800" b="1" dirty="0">
+              <a:solidFill>
+                <a:schemeClr val="tx1"/>
+              </a:solidFill>
+            </a:endParaRPr>
+          </a:p>
+        </p:txBody>
+      </p:sp>
+      <p:sp>
+        <p:nvSpPr>
+          <p:cNvPr id="31" name="TextBox 30"/>
+          <p:cNvSpPr txBox="1"/>
+          <p:nvPr/>
+        </p:nvSpPr>
+        <p:spPr>
+          <a:xfrm>
+            <a:off x="496501" y="1641733"/>
+            <a:ext cx="238330" cy="138499"/>
+          </a:xfrm>
+          <a:prstGeom prst="rect">
+            <a:avLst/>
+          </a:prstGeom>
+          <a:solidFill>
+            <a:schemeClr val="bg1">
+              <a:alpha val="70000"/>
+            </a:schemeClr>
+          </a:solidFill>
+        </p:spPr>
+        <p:txBody>
+          <a:bodyPr wrap="none" lIns="36000" tIns="0" rIns="0" bIns="0" rtlCol="0" anchor="ctr" anchorCtr="1">
+            <a:spAutoFit/>
+          </a:bodyPr>
+          <a:lstStyle/>
+          <a:p>
+            <a:r>
+              <a:rPr lang="en-US" sz="900" dirty="0" smtClean="0"/>
+              <a:t>Text</a:t>
+            </a:r>
+            <a:endParaRPr lang="en-US" sz="900" dirty="0"/>
+          </a:p>
+        </p:txBody>
+      </p:sp>
+      <p:sp>
+        <p:nvSpPr>
+          <p:cNvPr id="27" name="TextBox 26"/>
+          <p:cNvSpPr txBox="1"/>
+          <p:nvPr/>
+        </p:nvSpPr>
+        <p:spPr>
+          <a:xfrm>
+            <a:off x="0" y="0"/>
+            <a:ext cx="6858000" cy="861774"/>
+          </a:xfrm>
+          <a:prstGeom prst="rect">
+            <a:avLst/>
+          </a:prstGeom>
+          <a:noFill/>
+        </p:spPr>
+        <p:txBody>
+          <a:bodyPr wrap="square" rtlCol="0">
+            <a:spAutoFit/>
+          </a:bodyPr>
+          <a:lstStyle/>
+          <a:p>
+            <a:pPr algn="ctr"/>
+            <a:r>
+              <a:rPr lang="en-US" sz="3200" b="1" dirty="0" smtClean="0">
+                <a:effectLst>
+                  <a:outerShdw blurRad="38100" dist="38100" dir="2700000" algn="tl">
+                    <a:srgbClr val="000000">
+                      <a:alpha val="43137"/>
+                    </a:srgbClr>
+                  </a:outerShdw>
+                </a:effectLst>
+              </a:rPr>
+              <a:t>Template </a:t>
+            </a:r>
+            <a:r>
+              <a:rPr lang="en-US" sz="3200" b="1" dirty="0" smtClean="0">
+                <a:effectLst>
+                  <a:outerShdw blurRad="38100" dist="38100" dir="2700000" algn="tl">
+                    <a:srgbClr val="000000">
+                      <a:alpha val="43137"/>
+                    </a:srgbClr>
+                  </a:outerShdw>
+                </a:effectLst>
+              </a:rPr>
+              <a:t>(Middle East)</a:t>
+            </a:r>
+            <a:endParaRPr lang="en-US" sz="3200" b="1" dirty="0" smtClean="0">
+              <a:effectLst>
+                <a:outerShdw blurRad="38100" dist="38100" dir="2700000" algn="tl">
+                  <a:srgbClr val="000000">
+                    <a:alpha val="43137"/>
+                  </a:srgbClr>
+                </a:outerShdw>
+              </a:effectLst>
+            </a:endParaRPr>
+          </a:p>
+          <a:p>
+            <a:pPr algn="ctr"/>
+            <a:r>
+              <a:rPr lang="en-US" dirty="0">
+                <a:effectLst>
+                  <a:outerShdw blurRad="38100" dist="38100" dir="2700000" algn="tl">
+                    <a:srgbClr val="000000">
+                      <a:alpha val="43137"/>
+                    </a:srgbClr>
+                  </a:outerShdw>
+                </a:effectLst>
+              </a:rPr>
+              <a:t>Religious Structure and Holy Sites</a:t>
+            </a:r>
+          </a:p>
+        </p:txBody>
+      </p:sp>
+      <p:sp>
+        <p:nvSpPr>
+          <p:cNvPr id="44" name="Sun 43"/>
+          <p:cNvSpPr/>
+          <p:nvPr/>
+        </p:nvSpPr>
+        <p:spPr>
+          <a:xfrm>
+            <a:off x="1638301" y="1602432"/>
+            <a:ext cx="217100" cy="217100"/>
+          </a:xfrm>
+          <a:prstGeom prst="sun">
+            <a:avLst/>
+          </a:prstGeom>
+          <a:solidFill>
+            <a:schemeClr val="bg1"/>
+          </a:solidFill>
+          <a:ln w="9525">
+            <a:solidFill>
+              <a:srgbClr val="FF0000"/>
+            </a:solidFill>
+          </a:ln>
+        </p:spPr>
+        <p:style>
+          <a:lnRef idx="2">
+            <a:schemeClr val="accent1">
+              <a:shade val="50000"/>
+            </a:schemeClr>
+          </a:lnRef>
+          <a:fillRef idx="1">
+            <a:schemeClr val="accent1"/>
+          </a:fillRef>
+          <a:effectRef idx="0">
+            <a:schemeClr val="accent1"/>
+          </a:effectRef>
+          <a:fontRef idx="minor">
+            <a:schemeClr val="lt1"/>
+          </a:fontRef>
+        </p:style>
+        <p:txBody>
+          <a:bodyPr rtlCol="0" anchor="ctr"/>
+          <a:lstStyle/>
+          <a:p>
+            <a:pPr algn="ctr"/>
+            <a:r>
+              <a:rPr lang="en-US" sz="800" b="1" dirty="0" smtClean="0">
+                <a:solidFill>
+                  <a:schemeClr val="tx1"/>
+                </a:solidFill>
+              </a:rPr>
+              <a:t>3</a:t>
+            </a:r>
+            <a:endParaRPr lang="en-US" sz="800" b="1" dirty="0">
+              <a:solidFill>
+                <a:schemeClr val="tx1"/>
+              </a:solidFill>
+            </a:endParaRPr>
+          </a:p>
+        </p:txBody>
+      </p:sp>
+      <p:sp>
+        <p:nvSpPr>
+          <p:cNvPr id="45" name="TextBox 44"/>
+          <p:cNvSpPr txBox="1"/>
+          <p:nvPr/>
+        </p:nvSpPr>
+        <p:spPr>
+          <a:xfrm>
+            <a:off x="1855401" y="1641733"/>
+            <a:ext cx="243139" cy="138499"/>
+          </a:xfrm>
+          <a:prstGeom prst="rect">
+            <a:avLst/>
+          </a:prstGeom>
+          <a:solidFill>
+            <a:schemeClr val="bg1">
+              <a:alpha val="70000"/>
+            </a:schemeClr>
+          </a:solidFill>
+        </p:spPr>
+        <p:txBody>
+          <a:bodyPr wrap="none" lIns="36000" tIns="0" rIns="0" bIns="0" rtlCol="0" anchor="ctr" anchorCtr="1">
+            <a:spAutoFit/>
+          </a:bodyPr>
+          <a:lstStyle/>
+          <a:p>
+            <a:r>
+              <a:rPr lang="en-US" sz="900" b="1" i="1" dirty="0">
+                <a:solidFill>
+                  <a:srgbClr val="C00000"/>
+                </a:solidFill>
+              </a:rPr>
+              <a:t>Text</a:t>
+            </a:r>
+          </a:p>
+        </p:txBody>
+      </p:sp>
+      <p:sp>
+        <p:nvSpPr>
+          <p:cNvPr id="2" name="TextBox 1"/>
+          <p:cNvSpPr txBox="1"/>
+          <p:nvPr/>
+        </p:nvSpPr>
+        <p:spPr>
+          <a:xfrm>
+            <a:off x="279401" y="1097231"/>
+            <a:ext cx="1928464" cy="230832"/>
+          </a:xfrm>
+          <a:prstGeom prst="rect">
+            <a:avLst/>
+          </a:prstGeom>
+          <a:noFill/>
+        </p:spPr>
+        <p:txBody>
+          <a:bodyPr wrap="none" lIns="36000" rIns="36000" rtlCol="0">
+            <a:spAutoFit/>
+          </a:bodyPr>
+          <a:lstStyle>
+            <a:defPPr>
+              <a:defRPr lang="en-US"/>
+            </a:defPPr>
+            <a:lvl1pPr>
+              <a:defRPr sz="900" b="1" u="sng"/>
+            </a:lvl1pPr>
+          </a:lstStyle>
+          <a:p>
+            <a:r>
+              <a:rPr lang="en-US" dirty="0"/>
+              <a:t>Mainstream Religion and its Heresies:</a:t>
+            </a:r>
+          </a:p>
+        </p:txBody>
+      </p:sp>
+      <p:sp>
+        <p:nvSpPr>
+          <p:cNvPr id="35" name="TextBox 34"/>
+          <p:cNvSpPr txBox="1"/>
+          <p:nvPr/>
+        </p:nvSpPr>
+        <p:spPr>
+          <a:xfrm>
+            <a:off x="3558540" y="1143398"/>
+            <a:ext cx="1181414" cy="138499"/>
+          </a:xfrm>
+          <a:prstGeom prst="rect">
+            <a:avLst/>
+          </a:prstGeom>
+          <a:solidFill>
+            <a:schemeClr val="bg1">
+              <a:alpha val="70000"/>
+            </a:schemeClr>
+          </a:solidFill>
+        </p:spPr>
+        <p:txBody>
+          <a:bodyPr wrap="none" lIns="0" tIns="0" rIns="0" bIns="0" rtlCol="0" anchor="ctr" anchorCtr="1">
+            <a:spAutoFit/>
+          </a:bodyPr>
+          <a:lstStyle/>
+          <a:p>
+            <a:r>
+              <a:rPr lang="en-US" sz="900" b="1" u="sng" dirty="0" smtClean="0"/>
+              <a:t>Heresies</a:t>
+            </a:r>
+            <a:r>
+              <a:rPr lang="en-US" sz="900" b="1" dirty="0" smtClean="0"/>
+              <a:t>: </a:t>
+            </a:r>
+            <a:r>
+              <a:rPr lang="en-US" sz="900" dirty="0" smtClean="0"/>
+              <a:t>Text, Text, </a:t>
+            </a:r>
+            <a:r>
+              <a:rPr lang="en-US" sz="900" b="1" i="1" dirty="0">
+                <a:solidFill>
+                  <a:srgbClr val="C00000"/>
+                </a:solidFill>
+              </a:rPr>
+              <a:t>Text</a:t>
+            </a:r>
+          </a:p>
+        </p:txBody>
+      </p:sp>
+      <p:sp>
+        <p:nvSpPr>
+          <p:cNvPr id="38" name="TextBox 37"/>
+          <p:cNvSpPr txBox="1"/>
+          <p:nvPr/>
+        </p:nvSpPr>
+        <p:spPr>
+          <a:xfrm>
+            <a:off x="279401" y="1371600"/>
+            <a:ext cx="1218851" cy="230832"/>
+          </a:xfrm>
+          <a:prstGeom prst="rect">
+            <a:avLst/>
+          </a:prstGeom>
+          <a:noFill/>
+        </p:spPr>
+        <p:txBody>
+          <a:bodyPr wrap="none" lIns="36000" rIns="36000" rtlCol="0">
+            <a:spAutoFit/>
+          </a:bodyPr>
+          <a:lstStyle/>
+          <a:p>
+            <a:r>
+              <a:rPr lang="en-US" sz="900" b="1" u="sng" dirty="0" smtClean="0"/>
+              <a:t>Autonomous Religions: </a:t>
+            </a:r>
+            <a:endParaRPr lang="en-US" sz="900" b="1" u="sng" dirty="0"/>
+          </a:p>
+        </p:txBody>
+      </p:sp>
+      <p:sp>
+        <p:nvSpPr>
+          <p:cNvPr id="39" name="Sun 38"/>
+          <p:cNvSpPr/>
+          <p:nvPr/>
+        </p:nvSpPr>
+        <p:spPr>
+          <a:xfrm>
+            <a:off x="2997201" y="1602432"/>
+            <a:ext cx="217100" cy="217100"/>
+          </a:xfrm>
+          <a:prstGeom prst="sun">
+            <a:avLst/>
+          </a:prstGeom>
+          <a:solidFill>
+            <a:schemeClr val="bg1"/>
+          </a:solidFill>
+          <a:ln w="9525">
+            <a:solidFill>
+              <a:srgbClr val="FF0000"/>
+            </a:solidFill>
+          </a:ln>
+        </p:spPr>
+        <p:style>
+          <a:lnRef idx="2">
+            <a:schemeClr val="accent1">
+              <a:shade val="50000"/>
+            </a:schemeClr>
+          </a:lnRef>
+          <a:fillRef idx="1">
+            <a:schemeClr val="accent1"/>
+          </a:fillRef>
+          <a:effectRef idx="0">
+            <a:schemeClr val="accent1"/>
+          </a:effectRef>
+          <a:fontRef idx="minor">
+            <a:schemeClr val="lt1"/>
+          </a:fontRef>
+        </p:style>
+        <p:txBody>
+          <a:bodyPr rtlCol="0" anchor="ctr"/>
+          <a:lstStyle/>
+          <a:p>
+            <a:pPr algn="ctr"/>
+            <a:r>
+              <a:rPr lang="en-US" sz="800" b="1" dirty="0" smtClean="0">
+                <a:solidFill>
+                  <a:schemeClr val="tx1"/>
+                </a:solidFill>
+              </a:rPr>
+              <a:t>4</a:t>
+            </a:r>
+            <a:endParaRPr lang="en-US" sz="800" b="1" dirty="0">
+              <a:solidFill>
+                <a:schemeClr val="tx1"/>
+              </a:solidFill>
+            </a:endParaRPr>
+          </a:p>
+        </p:txBody>
+      </p:sp>
+      <p:sp>
+        <p:nvSpPr>
+          <p:cNvPr id="50" name="TextBox 49"/>
+          <p:cNvSpPr txBox="1"/>
+          <p:nvPr/>
+        </p:nvSpPr>
+        <p:spPr>
+          <a:xfrm>
+            <a:off x="3214300" y="1641733"/>
+            <a:ext cx="238330" cy="138499"/>
+          </a:xfrm>
+          <a:prstGeom prst="rect">
+            <a:avLst/>
+          </a:prstGeom>
+          <a:solidFill>
+            <a:schemeClr val="bg1">
+              <a:alpha val="70000"/>
+            </a:schemeClr>
+          </a:solidFill>
+        </p:spPr>
+        <p:txBody>
+          <a:bodyPr wrap="none" lIns="36000" tIns="0" rIns="0" bIns="0" rtlCol="0" anchor="ctr" anchorCtr="1">
+            <a:spAutoFit/>
+          </a:bodyPr>
+          <a:lstStyle/>
+          <a:p>
+            <a:r>
+              <a:rPr lang="en-US" sz="900" dirty="0" smtClean="0"/>
+              <a:t>Text</a:t>
+            </a:r>
+            <a:endParaRPr lang="en-US" sz="900" dirty="0"/>
+          </a:p>
+        </p:txBody>
+      </p:sp>
+      <p:sp>
+        <p:nvSpPr>
+          <p:cNvPr id="51" name="Sun 50"/>
+          <p:cNvSpPr/>
+          <p:nvPr/>
+        </p:nvSpPr>
+        <p:spPr>
+          <a:xfrm>
+            <a:off x="4356101" y="1602432"/>
+            <a:ext cx="217100" cy="217100"/>
+          </a:xfrm>
+          <a:prstGeom prst="sun">
+            <a:avLst/>
+          </a:prstGeom>
+          <a:solidFill>
+            <a:schemeClr val="bg1"/>
+          </a:solidFill>
+          <a:ln w="9525">
+            <a:solidFill>
+              <a:srgbClr val="FF0000"/>
+            </a:solidFill>
+          </a:ln>
+        </p:spPr>
+        <p:style>
+          <a:lnRef idx="2">
+            <a:schemeClr val="accent1">
+              <a:shade val="50000"/>
+            </a:schemeClr>
+          </a:lnRef>
+          <a:fillRef idx="1">
+            <a:schemeClr val="accent1"/>
+          </a:fillRef>
+          <a:effectRef idx="0">
+            <a:schemeClr val="accent1"/>
+          </a:effectRef>
+          <a:fontRef idx="minor">
+            <a:schemeClr val="lt1"/>
+          </a:fontRef>
+        </p:style>
+        <p:txBody>
+          <a:bodyPr rtlCol="0" anchor="ctr"/>
+          <a:lstStyle/>
+          <a:p>
+            <a:pPr algn="ctr"/>
+            <a:r>
+              <a:rPr lang="en-US" sz="800" b="1" dirty="0" smtClean="0">
+                <a:solidFill>
+                  <a:schemeClr val="tx1"/>
+                </a:solidFill>
+              </a:rPr>
+              <a:t>5</a:t>
+            </a:r>
+            <a:endParaRPr lang="en-US" sz="800" b="1" dirty="0">
+              <a:solidFill>
+                <a:schemeClr val="tx1"/>
+              </a:solidFill>
+            </a:endParaRPr>
+          </a:p>
+        </p:txBody>
+      </p:sp>
+      <p:sp>
+        <p:nvSpPr>
+          <p:cNvPr id="60" name="Sun 59"/>
+          <p:cNvSpPr/>
+          <p:nvPr/>
+        </p:nvSpPr>
+        <p:spPr>
+          <a:xfrm>
+            <a:off x="5715000" y="1602432"/>
+            <a:ext cx="217100" cy="217100"/>
+          </a:xfrm>
+          <a:prstGeom prst="sun">
+            <a:avLst/>
+          </a:prstGeom>
+          <a:solidFill>
+            <a:schemeClr val="bg1"/>
+          </a:solidFill>
+          <a:ln w="9525">
+            <a:solidFill>
+              <a:srgbClr val="FF0000"/>
+            </a:solidFill>
+          </a:ln>
+        </p:spPr>
+        <p:style>
+          <a:lnRef idx="2">
+            <a:schemeClr val="accent1">
+              <a:shade val="50000"/>
+            </a:schemeClr>
+          </a:lnRef>
+          <a:fillRef idx="1">
+            <a:schemeClr val="accent1"/>
+          </a:fillRef>
+          <a:effectRef idx="0">
+            <a:schemeClr val="accent1"/>
+          </a:effectRef>
+          <a:fontRef idx="minor">
+            <a:schemeClr val="lt1"/>
+          </a:fontRef>
+        </p:style>
+        <p:txBody>
+          <a:bodyPr rtlCol="0" anchor="ctr"/>
+          <a:lstStyle/>
+          <a:p>
+            <a:pPr algn="ctr"/>
+            <a:r>
+              <a:rPr lang="en-US" sz="800" b="1" dirty="0" smtClean="0">
+                <a:solidFill>
+                  <a:schemeClr val="tx1"/>
+                </a:solidFill>
+              </a:rPr>
+              <a:t>6</a:t>
+            </a:r>
+            <a:endParaRPr lang="en-US" sz="800" b="1" dirty="0">
+              <a:solidFill>
+                <a:schemeClr val="tx1"/>
+              </a:solidFill>
+            </a:endParaRPr>
+          </a:p>
+        </p:txBody>
+      </p:sp>
+      <p:sp>
+        <p:nvSpPr>
+          <p:cNvPr id="62" name="TextBox 61"/>
+          <p:cNvSpPr txBox="1"/>
+          <p:nvPr/>
+        </p:nvSpPr>
+        <p:spPr>
+          <a:xfrm>
+            <a:off x="4573201" y="1641733"/>
+            <a:ext cx="238330" cy="138499"/>
+          </a:xfrm>
+          <a:prstGeom prst="rect">
+            <a:avLst/>
+          </a:prstGeom>
+          <a:solidFill>
+            <a:schemeClr val="bg1">
+              <a:alpha val="70000"/>
+            </a:schemeClr>
+          </a:solidFill>
+        </p:spPr>
+        <p:txBody>
+          <a:bodyPr wrap="none" lIns="36000" tIns="0" rIns="0" bIns="0" rtlCol="0" anchor="ctr" anchorCtr="1">
+            <a:spAutoFit/>
+          </a:bodyPr>
+          <a:lstStyle/>
+          <a:p>
+            <a:r>
+              <a:rPr lang="en-US" sz="900" dirty="0" smtClean="0"/>
+              <a:t>Text</a:t>
+            </a:r>
+            <a:endParaRPr lang="en-US" sz="900" dirty="0"/>
+          </a:p>
+        </p:txBody>
+      </p:sp>
+      <p:sp>
+        <p:nvSpPr>
+          <p:cNvPr id="63" name="TextBox 62"/>
+          <p:cNvSpPr txBox="1"/>
+          <p:nvPr/>
+        </p:nvSpPr>
+        <p:spPr>
+          <a:xfrm>
+            <a:off x="5932102" y="1641733"/>
+            <a:ext cx="238330" cy="138499"/>
+          </a:xfrm>
+          <a:prstGeom prst="rect">
+            <a:avLst/>
+          </a:prstGeom>
+          <a:solidFill>
+            <a:schemeClr val="bg1">
+              <a:alpha val="70000"/>
+            </a:schemeClr>
+          </a:solidFill>
+        </p:spPr>
+        <p:txBody>
+          <a:bodyPr wrap="none" lIns="36000" tIns="0" rIns="0" bIns="0" rtlCol="0" anchor="ctr" anchorCtr="1">
+            <a:spAutoFit/>
+          </a:bodyPr>
+          <a:lstStyle/>
+          <a:p>
+            <a:r>
+              <a:rPr lang="en-US" sz="900" dirty="0" smtClean="0"/>
+              <a:t>Text</a:t>
+            </a:r>
+            <a:endParaRPr lang="en-US" sz="900" dirty="0"/>
+          </a:p>
+        </p:txBody>
+      </p:sp>
+      <p:sp>
+        <p:nvSpPr>
+          <p:cNvPr id="64" name="Sun 63"/>
+          <p:cNvSpPr/>
+          <p:nvPr/>
+        </p:nvSpPr>
+        <p:spPr>
+          <a:xfrm>
+            <a:off x="279401" y="1886020"/>
+            <a:ext cx="217100" cy="217100"/>
+          </a:xfrm>
+          <a:prstGeom prst="sun">
+            <a:avLst/>
+          </a:prstGeom>
+          <a:solidFill>
+            <a:schemeClr val="bg1"/>
+          </a:solidFill>
+          <a:ln w="9525">
+            <a:solidFill>
+              <a:srgbClr val="FF0000"/>
+            </a:solidFill>
+          </a:ln>
+        </p:spPr>
+        <p:style>
+          <a:lnRef idx="2">
+            <a:schemeClr val="accent1">
+              <a:shade val="50000"/>
+            </a:schemeClr>
+          </a:lnRef>
+          <a:fillRef idx="1">
+            <a:schemeClr val="accent1"/>
+          </a:fillRef>
+          <a:effectRef idx="0">
+            <a:schemeClr val="accent1"/>
+          </a:effectRef>
+          <a:fontRef idx="minor">
+            <a:schemeClr val="lt1"/>
+          </a:fontRef>
+        </p:style>
+        <p:txBody>
+          <a:bodyPr rtlCol="0" anchor="ctr"/>
+          <a:lstStyle/>
+          <a:p>
+            <a:pPr algn="ctr"/>
+            <a:r>
+              <a:rPr lang="en-US" sz="800" b="1" dirty="0" smtClean="0">
+                <a:solidFill>
+                  <a:schemeClr val="tx1"/>
+                </a:solidFill>
+              </a:rPr>
+              <a:t>7</a:t>
+            </a:r>
+            <a:endParaRPr lang="en-US" sz="800" b="1" dirty="0">
+              <a:solidFill>
+                <a:schemeClr val="tx1"/>
+              </a:solidFill>
+            </a:endParaRPr>
+          </a:p>
+        </p:txBody>
+      </p:sp>
+      <p:sp>
+        <p:nvSpPr>
+          <p:cNvPr id="65" name="TextBox 64"/>
+          <p:cNvSpPr txBox="1"/>
+          <p:nvPr/>
+        </p:nvSpPr>
+        <p:spPr>
+          <a:xfrm>
+            <a:off x="496501" y="1925321"/>
+            <a:ext cx="238330" cy="138499"/>
+          </a:xfrm>
+          <a:prstGeom prst="rect">
+            <a:avLst/>
+          </a:prstGeom>
+          <a:solidFill>
+            <a:schemeClr val="bg1">
+              <a:alpha val="70000"/>
+            </a:schemeClr>
+          </a:solidFill>
+        </p:spPr>
+        <p:txBody>
+          <a:bodyPr wrap="none" lIns="36000" tIns="0" rIns="0" bIns="0" rtlCol="0" anchor="ctr" anchorCtr="1">
+            <a:spAutoFit/>
+          </a:bodyPr>
+          <a:lstStyle/>
+          <a:p>
+            <a:r>
+              <a:rPr lang="en-US" sz="900" dirty="0" smtClean="0"/>
+              <a:t>Text</a:t>
+            </a:r>
+            <a:endParaRPr lang="en-US" sz="900" dirty="0"/>
+          </a:p>
+        </p:txBody>
+      </p:sp>
+      <p:sp>
+        <p:nvSpPr>
+          <p:cNvPr id="66" name="Sun 65"/>
+          <p:cNvSpPr/>
+          <p:nvPr/>
+        </p:nvSpPr>
+        <p:spPr>
+          <a:xfrm>
+            <a:off x="1638301" y="1886020"/>
+            <a:ext cx="217100" cy="217100"/>
+          </a:xfrm>
+          <a:prstGeom prst="sun">
+            <a:avLst/>
+          </a:prstGeom>
+          <a:solidFill>
+            <a:schemeClr val="bg1"/>
+          </a:solidFill>
+          <a:ln w="9525">
+            <a:solidFill>
+              <a:srgbClr val="FF0000"/>
+            </a:solidFill>
+          </a:ln>
+        </p:spPr>
+        <p:style>
+          <a:lnRef idx="2">
+            <a:schemeClr val="accent1">
+              <a:shade val="50000"/>
+            </a:schemeClr>
+          </a:lnRef>
+          <a:fillRef idx="1">
+            <a:schemeClr val="accent1"/>
+          </a:fillRef>
+          <a:effectRef idx="0">
+            <a:schemeClr val="accent1"/>
+          </a:effectRef>
+          <a:fontRef idx="minor">
+            <a:schemeClr val="lt1"/>
+          </a:fontRef>
+        </p:style>
+        <p:txBody>
+          <a:bodyPr rtlCol="0" anchor="ctr"/>
+          <a:lstStyle/>
+          <a:p>
+            <a:pPr algn="ctr"/>
+            <a:r>
+              <a:rPr lang="en-US" sz="800" b="1" dirty="0" smtClean="0">
+                <a:solidFill>
+                  <a:schemeClr val="tx1"/>
+                </a:solidFill>
+              </a:rPr>
+              <a:t>8</a:t>
+            </a:r>
+            <a:endParaRPr lang="en-US" sz="800" b="1" dirty="0">
+              <a:solidFill>
+                <a:schemeClr val="tx1"/>
+              </a:solidFill>
+            </a:endParaRPr>
+          </a:p>
+        </p:txBody>
+      </p:sp>
+      <p:sp>
+        <p:nvSpPr>
+          <p:cNvPr id="67" name="TextBox 66"/>
+          <p:cNvSpPr txBox="1"/>
+          <p:nvPr/>
+        </p:nvSpPr>
+        <p:spPr>
+          <a:xfrm>
+            <a:off x="1855401" y="1925321"/>
+            <a:ext cx="238330" cy="138499"/>
+          </a:xfrm>
+          <a:prstGeom prst="rect">
+            <a:avLst/>
+          </a:prstGeom>
+          <a:solidFill>
+            <a:schemeClr val="bg1">
+              <a:alpha val="70000"/>
+            </a:schemeClr>
+          </a:solidFill>
+        </p:spPr>
+        <p:txBody>
+          <a:bodyPr wrap="none" lIns="36000" tIns="0" rIns="0" bIns="0" rtlCol="0" anchor="ctr" anchorCtr="1">
+            <a:spAutoFit/>
+          </a:bodyPr>
+          <a:lstStyle/>
+          <a:p>
+            <a:r>
+              <a:rPr lang="en-US" sz="900" dirty="0" smtClean="0"/>
+              <a:t>Text</a:t>
+            </a:r>
+            <a:endParaRPr lang="en-US" sz="900" dirty="0"/>
+          </a:p>
+        </p:txBody>
+      </p:sp>
+      <p:sp>
+        <p:nvSpPr>
+          <p:cNvPr id="68" name="Sun 67"/>
+          <p:cNvSpPr/>
+          <p:nvPr/>
+        </p:nvSpPr>
+        <p:spPr>
+          <a:xfrm>
+            <a:off x="2997201" y="1886020"/>
+            <a:ext cx="217100" cy="217100"/>
+          </a:xfrm>
+          <a:prstGeom prst="sun">
+            <a:avLst/>
+          </a:prstGeom>
+          <a:solidFill>
+            <a:schemeClr val="bg1"/>
+          </a:solidFill>
+          <a:ln w="9525">
+            <a:solidFill>
+              <a:srgbClr val="FF0000"/>
+            </a:solidFill>
+          </a:ln>
+        </p:spPr>
+        <p:style>
+          <a:lnRef idx="2">
+            <a:schemeClr val="accent1">
+              <a:shade val="50000"/>
+            </a:schemeClr>
+          </a:lnRef>
+          <a:fillRef idx="1">
+            <a:schemeClr val="accent1"/>
+          </a:fillRef>
+          <a:effectRef idx="0">
+            <a:schemeClr val="accent1"/>
+          </a:effectRef>
+          <a:fontRef idx="minor">
+            <a:schemeClr val="lt1"/>
+          </a:fontRef>
+        </p:style>
+        <p:txBody>
+          <a:bodyPr rtlCol="0" anchor="ctr"/>
+          <a:lstStyle/>
+          <a:p>
+            <a:pPr algn="ctr"/>
+            <a:r>
+              <a:rPr lang="en-US" sz="800" b="1" dirty="0" smtClean="0">
+                <a:solidFill>
+                  <a:schemeClr val="tx1"/>
+                </a:solidFill>
+              </a:rPr>
+              <a:t>9</a:t>
+            </a:r>
+            <a:endParaRPr lang="en-US" sz="800" b="1" dirty="0">
+              <a:solidFill>
+                <a:schemeClr val="tx1"/>
+              </a:solidFill>
+            </a:endParaRPr>
+          </a:p>
+        </p:txBody>
+      </p:sp>
+      <p:sp>
+        <p:nvSpPr>
+          <p:cNvPr id="69" name="TextBox 68"/>
+          <p:cNvSpPr txBox="1"/>
+          <p:nvPr/>
+        </p:nvSpPr>
+        <p:spPr>
+          <a:xfrm>
+            <a:off x="3214300" y="1925321"/>
+            <a:ext cx="238330" cy="138499"/>
+          </a:xfrm>
+          <a:prstGeom prst="rect">
+            <a:avLst/>
+          </a:prstGeom>
+          <a:solidFill>
+            <a:schemeClr val="bg1">
+              <a:alpha val="70000"/>
+            </a:schemeClr>
+          </a:solidFill>
+        </p:spPr>
+        <p:txBody>
+          <a:bodyPr wrap="none" lIns="36000" tIns="0" rIns="0" bIns="0" rtlCol="0" anchor="ctr" anchorCtr="1">
+            <a:spAutoFit/>
+          </a:bodyPr>
+          <a:lstStyle/>
+          <a:p>
+            <a:r>
+              <a:rPr lang="en-US" sz="900" dirty="0" smtClean="0"/>
+              <a:t>Text</a:t>
+            </a:r>
+            <a:endParaRPr lang="en-US" sz="900" dirty="0"/>
+          </a:p>
+        </p:txBody>
+      </p:sp>
+      <p:sp>
+        <p:nvSpPr>
+          <p:cNvPr id="70" name="Sun 69"/>
+          <p:cNvSpPr/>
+          <p:nvPr/>
+        </p:nvSpPr>
+        <p:spPr>
+          <a:xfrm>
+            <a:off x="4356101" y="1886020"/>
+            <a:ext cx="217100" cy="217100"/>
+          </a:xfrm>
+          <a:prstGeom prst="sun">
+            <a:avLst/>
+          </a:prstGeom>
+          <a:solidFill>
+            <a:schemeClr val="bg1"/>
+          </a:solidFill>
+          <a:ln w="9525">
+            <a:solidFill>
+              <a:srgbClr val="FF0000"/>
+            </a:solidFill>
+          </a:ln>
+        </p:spPr>
+        <p:style>
+          <a:lnRef idx="2">
+            <a:schemeClr val="accent1">
+              <a:shade val="50000"/>
+            </a:schemeClr>
+          </a:lnRef>
+          <a:fillRef idx="1">
+            <a:schemeClr val="accent1"/>
+          </a:fillRef>
+          <a:effectRef idx="0">
+            <a:schemeClr val="accent1"/>
+          </a:effectRef>
+          <a:fontRef idx="minor">
+            <a:schemeClr val="lt1"/>
+          </a:fontRef>
+        </p:style>
+        <p:txBody>
+          <a:bodyPr wrap="none" rtlCol="0" anchor="ctr"/>
+          <a:lstStyle/>
+          <a:p>
+            <a:pPr algn="ctr"/>
+            <a:r>
+              <a:rPr lang="en-US" sz="800" b="1" dirty="0" smtClean="0">
+                <a:solidFill>
+                  <a:schemeClr val="tx1"/>
+                </a:solidFill>
+              </a:rPr>
+              <a:t>10</a:t>
+            </a:r>
+            <a:endParaRPr lang="en-US" sz="800" b="1" dirty="0">
+              <a:solidFill>
+                <a:schemeClr val="tx1"/>
+              </a:solidFill>
+            </a:endParaRPr>
+          </a:p>
+        </p:txBody>
+      </p:sp>
+      <p:sp>
+        <p:nvSpPr>
+          <p:cNvPr id="71" name="Sun 70"/>
+          <p:cNvSpPr/>
+          <p:nvPr/>
+        </p:nvSpPr>
+        <p:spPr>
+          <a:xfrm>
+            <a:off x="5715000" y="1886020"/>
+            <a:ext cx="217100" cy="217100"/>
+          </a:xfrm>
+          <a:prstGeom prst="sun">
+            <a:avLst/>
+          </a:prstGeom>
+          <a:solidFill>
+            <a:schemeClr val="bg1"/>
+          </a:solidFill>
+          <a:ln w="9525">
+            <a:solidFill>
+              <a:srgbClr val="FF0000"/>
+            </a:solidFill>
+          </a:ln>
+        </p:spPr>
+        <p:style>
+          <a:lnRef idx="2">
+            <a:schemeClr val="accent1">
+              <a:shade val="50000"/>
+            </a:schemeClr>
+          </a:lnRef>
+          <a:fillRef idx="1">
+            <a:schemeClr val="accent1"/>
+          </a:fillRef>
+          <a:effectRef idx="0">
+            <a:schemeClr val="accent1"/>
+          </a:effectRef>
+          <a:fontRef idx="minor">
+            <a:schemeClr val="lt1"/>
+          </a:fontRef>
+        </p:style>
+        <p:txBody>
+          <a:bodyPr wrap="none" rtlCol="0" anchor="ctr"/>
+          <a:lstStyle/>
+          <a:p>
+            <a:pPr algn="ctr"/>
+            <a:r>
+              <a:rPr lang="en-US" sz="800" b="1" dirty="0" smtClean="0">
+                <a:solidFill>
+                  <a:schemeClr val="tx1"/>
+                </a:solidFill>
+              </a:rPr>
+              <a:t>11</a:t>
+            </a:r>
+            <a:endParaRPr lang="en-US" sz="800" b="1" dirty="0">
+              <a:solidFill>
+                <a:schemeClr val="tx1"/>
+              </a:solidFill>
+            </a:endParaRPr>
+          </a:p>
+        </p:txBody>
+      </p:sp>
+      <p:sp>
+        <p:nvSpPr>
+          <p:cNvPr id="72" name="TextBox 71"/>
+          <p:cNvSpPr txBox="1"/>
+          <p:nvPr/>
+        </p:nvSpPr>
+        <p:spPr>
+          <a:xfrm>
+            <a:off x="4573201" y="1925321"/>
+            <a:ext cx="238330" cy="138499"/>
+          </a:xfrm>
+          <a:prstGeom prst="rect">
+            <a:avLst/>
+          </a:prstGeom>
+          <a:solidFill>
+            <a:schemeClr val="bg1">
+              <a:alpha val="70000"/>
+            </a:schemeClr>
+          </a:solidFill>
+        </p:spPr>
+        <p:txBody>
+          <a:bodyPr wrap="none" lIns="36000" tIns="0" rIns="0" bIns="0" rtlCol="0" anchor="ctr" anchorCtr="1">
+            <a:spAutoFit/>
+          </a:bodyPr>
+          <a:lstStyle/>
+          <a:p>
+            <a:r>
+              <a:rPr lang="en-US" sz="900" dirty="0" smtClean="0"/>
+              <a:t>Text</a:t>
+            </a:r>
+            <a:endParaRPr lang="en-US" sz="900" dirty="0"/>
+          </a:p>
+        </p:txBody>
+      </p:sp>
+      <p:sp>
+        <p:nvSpPr>
+          <p:cNvPr id="73" name="TextBox 72"/>
+          <p:cNvSpPr txBox="1"/>
+          <p:nvPr/>
+        </p:nvSpPr>
+        <p:spPr>
+          <a:xfrm>
+            <a:off x="5932102" y="1925321"/>
+            <a:ext cx="238330" cy="138499"/>
+          </a:xfrm>
+          <a:prstGeom prst="rect">
+            <a:avLst/>
+          </a:prstGeom>
+          <a:solidFill>
+            <a:schemeClr val="bg1">
+              <a:alpha val="70000"/>
+            </a:schemeClr>
+          </a:solidFill>
+        </p:spPr>
+        <p:txBody>
+          <a:bodyPr wrap="none" lIns="36000" tIns="0" rIns="0" bIns="0" rtlCol="0" anchor="ctr" anchorCtr="1">
+            <a:spAutoFit/>
+          </a:bodyPr>
+          <a:lstStyle/>
+          <a:p>
+            <a:r>
+              <a:rPr lang="en-US" sz="900" dirty="0" smtClean="0"/>
+              <a:t>Text</a:t>
+            </a:r>
+            <a:endParaRPr lang="en-US" sz="900" dirty="0"/>
+          </a:p>
+        </p:txBody>
+      </p:sp>
+      <p:sp>
+        <p:nvSpPr>
+          <p:cNvPr id="40" name="TextBox 39"/>
+          <p:cNvSpPr txBox="1"/>
+          <p:nvPr/>
+        </p:nvSpPr>
+        <p:spPr>
+          <a:xfrm>
+            <a:off x="279401" y="2313801"/>
+            <a:ext cx="1432568" cy="276999"/>
+          </a:xfrm>
+          <a:prstGeom prst="rect">
+            <a:avLst/>
+          </a:prstGeom>
+          <a:solidFill>
+            <a:schemeClr val="bg1">
+              <a:alpha val="70000"/>
+            </a:schemeClr>
+          </a:solidFill>
+        </p:spPr>
+        <p:txBody>
+          <a:bodyPr wrap="none" lIns="36000" tIns="0" rIns="0" bIns="0" rtlCol="0" anchor="ctr" anchorCtr="1">
+            <a:spAutoFit/>
+          </a:bodyPr>
+          <a:lstStyle/>
+          <a:p>
+            <a:r>
+              <a:rPr lang="en-US" sz="900" b="1" i="1" dirty="0" smtClean="0">
+                <a:solidFill>
+                  <a:srgbClr val="C00000"/>
+                </a:solidFill>
+              </a:rPr>
+              <a:t>Religion</a:t>
+            </a:r>
+            <a:r>
+              <a:rPr lang="en-US" sz="900" dirty="0" smtClean="0"/>
+              <a:t>: unreformed religion</a:t>
+            </a:r>
+          </a:p>
+          <a:p>
+            <a:r>
+              <a:rPr lang="en-US" sz="900" dirty="0" smtClean="0"/>
+              <a:t>Religion: reformed religion</a:t>
+            </a:r>
+            <a:endParaRPr lang="en-US" sz="900" dirty="0"/>
+          </a:p>
+        </p:txBody>
+      </p:sp>
+      <p:pic>
+        <p:nvPicPr>
+          <p:cNvPr id="3" name="Image 2"/>
+          <p:cNvPicPr>
+            <a:picLocks noChangeAspect="1"/>
+          </p:cNvPicPr>
+          <p:nvPr/>
+        </p:nvPicPr>
+        <p:blipFill rotWithShape="1">
+          <a:blip r:embed="rId2" cstate="print">
+            <a:extLst>
+              <a:ext uri="{28A0092B-C50C-407E-A947-70E740481C1C}">
+                <a14:useLocalDpi xmlns:a14="http://schemas.microsoft.com/office/drawing/2010/main" val="0"/>
+              </a:ext>
+            </a:extLst>
+          </a:blip>
+          <a:srcRect l="27838" t="-1" r="24860" b="44870"/>
+          <a:stretch/>
+        </p:blipFill>
+        <p:spPr>
+          <a:xfrm>
+            <a:off x="-7256" y="2597389"/>
+            <a:ext cx="6865256" cy="6546611"/>
+          </a:xfrm>
+          <a:prstGeom prst="rect">
+            <a:avLst/>
+          </a:prstGeom>
+        </p:spPr>
+      </p:pic>
+    </p:spTree>
+    <p:extLst>
+      <p:ext uri="{BB962C8B-B14F-4D97-AF65-F5344CB8AC3E}">
+        <p14:creationId xmlns:p14="http://schemas.microsoft.com/office/powerpoint/2010/main" val="694985071"/>
+      </p:ext>
+    </p:extLst>
+  </p:cSld>
+  <p:clrMapOvr>
+    <a:masterClrMapping/>
+  </p:clrMapOvr>
+  <p:timing>
+    <p:tnLst>
+      <p:par>
+        <p:cTn id="1" dur="indefinite" restart="never" nodeType="tmRoot"/>
+      </p:par>
+    </p:tnLst>
+  </p:timing>
+</p:sld>
+</file>
+
+<file path=ppt/slides/slide5.xml><?xml version="1.0" encoding="utf-8"?>
+<p:sld xmlns:a="http://schemas.openxmlformats.org/drawingml/2006/main" xmlns:r="http://schemas.openxmlformats.org/officeDocument/2006/relationships" xmlns:p="http://schemas.openxmlformats.org/presentationml/2006/main">
+  <p:cSld>
+    <p:spTree>
+      <p:nvGrpSpPr>
+        <p:cNvPr id="1" name=""/>
+        <p:cNvGrpSpPr/>
+        <p:nvPr/>
+      </p:nvGrpSpPr>
+      <p:grpSpPr>
+        <a:xfrm>
+          <a:off x="0" y="0"/>
+          <a:ext cx="0" cy="0"/>
+          <a:chOff x="0" y="0"/>
+          <a:chExt cx="0" cy="0"/>
+        </a:xfrm>
+      </p:grpSpPr>
+      <p:sp>
+        <p:nvSpPr>
+          <p:cNvPr id="23" name="Sun 22"/>
+          <p:cNvSpPr/>
+          <p:nvPr/>
+        </p:nvSpPr>
+        <p:spPr>
+          <a:xfrm>
+            <a:off x="279401" y="838200"/>
+            <a:ext cx="217100" cy="217100"/>
+          </a:xfrm>
+          <a:prstGeom prst="sun">
+            <a:avLst/>
+          </a:prstGeom>
+          <a:solidFill>
+            <a:srgbClr val="FF0000"/>
+          </a:solidFill>
+          <a:ln w="12700">
+            <a:solidFill>
+              <a:srgbClr val="FF0000"/>
+            </a:solidFill>
+          </a:ln>
+        </p:spPr>
+        <p:style>
+          <a:lnRef idx="2">
+            <a:schemeClr val="accent1">
+              <a:shade val="50000"/>
+            </a:schemeClr>
+          </a:lnRef>
+          <a:fillRef idx="1">
+            <a:schemeClr val="accent1"/>
+          </a:fillRef>
+          <a:effectRef idx="0">
+            <a:schemeClr val="accent1"/>
+          </a:effectRef>
+          <a:fontRef idx="minor">
+            <a:schemeClr val="lt1"/>
+          </a:fontRef>
+        </p:style>
+        <p:txBody>
+          <a:bodyPr rtlCol="0" anchor="ctr"/>
+          <a:lstStyle/>
+          <a:p>
+            <a:pPr algn="ctr"/>
+            <a:endParaRPr lang="en-US" sz="800">
+              <a:solidFill>
+                <a:schemeClr val="tx1"/>
+              </a:solidFill>
+            </a:endParaRPr>
+          </a:p>
+        </p:txBody>
+      </p:sp>
+      <p:sp>
+        <p:nvSpPr>
+          <p:cNvPr id="24" name="TextBox 23"/>
+          <p:cNvSpPr txBox="1"/>
+          <p:nvPr/>
+        </p:nvSpPr>
+        <p:spPr>
+          <a:xfrm>
+            <a:off x="521901" y="877499"/>
+            <a:ext cx="833562" cy="138499"/>
+          </a:xfrm>
+          <a:prstGeom prst="rect">
+            <a:avLst/>
+          </a:prstGeom>
+          <a:solidFill>
+            <a:schemeClr val="bg1">
+              <a:alpha val="70000"/>
+            </a:schemeClr>
+          </a:solidFill>
+        </p:spPr>
+        <p:txBody>
+          <a:bodyPr wrap="none" lIns="0" tIns="0" rIns="0" bIns="0" rtlCol="0" anchor="ctr" anchorCtr="1">
+            <a:spAutoFit/>
+          </a:bodyPr>
+          <a:lstStyle/>
+          <a:p>
+            <a:r>
+              <a:rPr lang="en-US" sz="900" b="1" dirty="0" smtClean="0"/>
+              <a:t>Shared Holy Sites</a:t>
+            </a:r>
+            <a:endParaRPr lang="en-US" sz="900" b="1" dirty="0"/>
+          </a:p>
+        </p:txBody>
+      </p:sp>
+      <p:sp>
+        <p:nvSpPr>
+          <p:cNvPr id="25" name="Sun 24"/>
+          <p:cNvSpPr/>
+          <p:nvPr/>
+        </p:nvSpPr>
+        <p:spPr>
+          <a:xfrm>
+            <a:off x="2514600" y="1104097"/>
+            <a:ext cx="217100" cy="217100"/>
+          </a:xfrm>
+          <a:prstGeom prst="sun">
+            <a:avLst/>
+          </a:prstGeom>
+          <a:solidFill>
+            <a:schemeClr val="bg1"/>
+          </a:solidFill>
+          <a:ln w="15875">
+            <a:solidFill>
+              <a:srgbClr val="FF0000"/>
+            </a:solidFill>
+          </a:ln>
+        </p:spPr>
+        <p:style>
+          <a:lnRef idx="2">
+            <a:schemeClr val="accent1">
+              <a:shade val="50000"/>
+            </a:schemeClr>
+          </a:lnRef>
+          <a:fillRef idx="1">
+            <a:schemeClr val="accent1"/>
+          </a:fillRef>
+          <a:effectRef idx="0">
+            <a:schemeClr val="accent1"/>
+          </a:effectRef>
+          <a:fontRef idx="minor">
+            <a:schemeClr val="lt1"/>
+          </a:fontRef>
+        </p:style>
+        <p:txBody>
+          <a:bodyPr rtlCol="0" anchor="ctr"/>
+          <a:lstStyle/>
+          <a:p>
+            <a:pPr algn="ctr"/>
+            <a:r>
+              <a:rPr lang="en-US" sz="800" b="1" smtClean="0">
+                <a:solidFill>
+                  <a:schemeClr val="tx1"/>
+                </a:solidFill>
+              </a:rPr>
+              <a:t>1</a:t>
+            </a:r>
+            <a:endParaRPr lang="en-US" sz="800" b="1">
+              <a:solidFill>
+                <a:schemeClr val="tx1"/>
+              </a:solidFill>
+            </a:endParaRPr>
+          </a:p>
+        </p:txBody>
+      </p:sp>
+      <p:sp>
+        <p:nvSpPr>
+          <p:cNvPr id="26" name="TextBox 25"/>
+          <p:cNvSpPr txBox="1"/>
+          <p:nvPr/>
+        </p:nvSpPr>
+        <p:spPr>
+          <a:xfrm>
+            <a:off x="2757099" y="1143398"/>
+            <a:ext cx="389530" cy="138499"/>
+          </a:xfrm>
+          <a:prstGeom prst="rect">
+            <a:avLst/>
+          </a:prstGeom>
+          <a:solidFill>
+            <a:schemeClr val="bg1">
+              <a:alpha val="70000"/>
+            </a:schemeClr>
+          </a:solidFill>
+        </p:spPr>
+        <p:txBody>
+          <a:bodyPr wrap="none" lIns="0" tIns="0" rIns="0" bIns="0" rtlCol="0" anchor="ctr" anchorCtr="1">
+            <a:spAutoFit/>
+          </a:bodyPr>
+          <a:lstStyle/>
+          <a:p>
+            <a:r>
+              <a:rPr lang="en-US" sz="900" b="1" dirty="0" smtClean="0"/>
+              <a:t>Catholic</a:t>
+            </a:r>
+            <a:endParaRPr lang="en-US" sz="900" b="1" dirty="0"/>
+          </a:p>
+        </p:txBody>
+      </p:sp>
+      <p:sp>
+        <p:nvSpPr>
+          <p:cNvPr id="30" name="Sun 29"/>
+          <p:cNvSpPr/>
+          <p:nvPr/>
+        </p:nvSpPr>
+        <p:spPr>
+          <a:xfrm>
+            <a:off x="279401" y="1602432"/>
+            <a:ext cx="217100" cy="217100"/>
+          </a:xfrm>
+          <a:prstGeom prst="sun">
+            <a:avLst/>
+          </a:prstGeom>
+          <a:solidFill>
+            <a:schemeClr val="bg1"/>
+          </a:solidFill>
+          <a:ln w="9525">
+            <a:solidFill>
+              <a:srgbClr val="FF0000"/>
+            </a:solidFill>
+          </a:ln>
+        </p:spPr>
+        <p:style>
+          <a:lnRef idx="2">
+            <a:schemeClr val="accent1">
+              <a:shade val="50000"/>
+            </a:schemeClr>
+          </a:lnRef>
+          <a:fillRef idx="1">
+            <a:schemeClr val="accent1"/>
+          </a:fillRef>
+          <a:effectRef idx="0">
+            <a:schemeClr val="accent1"/>
+          </a:effectRef>
+          <a:fontRef idx="minor">
+            <a:schemeClr val="lt1"/>
+          </a:fontRef>
+        </p:style>
+        <p:txBody>
+          <a:bodyPr rtlCol="0" anchor="ctr"/>
+          <a:lstStyle/>
+          <a:p>
+            <a:pPr algn="ctr"/>
+            <a:r>
+              <a:rPr lang="en-US" sz="800" b="1" dirty="0" smtClean="0">
+                <a:solidFill>
+                  <a:schemeClr val="tx1"/>
+                </a:solidFill>
+              </a:rPr>
+              <a:t>2</a:t>
+            </a:r>
+            <a:endParaRPr lang="en-US" sz="800" b="1" dirty="0">
+              <a:solidFill>
+                <a:schemeClr val="tx1"/>
+              </a:solidFill>
+            </a:endParaRPr>
+          </a:p>
+        </p:txBody>
+      </p:sp>
+      <p:sp>
+        <p:nvSpPr>
+          <p:cNvPr id="31" name="TextBox 30"/>
+          <p:cNvSpPr txBox="1"/>
+          <p:nvPr/>
+        </p:nvSpPr>
+        <p:spPr>
+          <a:xfrm>
+            <a:off x="496501" y="1641733"/>
+            <a:ext cx="238330" cy="138499"/>
+          </a:xfrm>
+          <a:prstGeom prst="rect">
+            <a:avLst/>
+          </a:prstGeom>
+          <a:solidFill>
+            <a:schemeClr val="bg1">
+              <a:alpha val="70000"/>
+            </a:schemeClr>
+          </a:solidFill>
+        </p:spPr>
+        <p:txBody>
+          <a:bodyPr wrap="none" lIns="36000" tIns="0" rIns="0" bIns="0" rtlCol="0" anchor="ctr" anchorCtr="1">
+            <a:spAutoFit/>
+          </a:bodyPr>
+          <a:lstStyle/>
+          <a:p>
+            <a:r>
+              <a:rPr lang="en-US" sz="900" dirty="0" smtClean="0"/>
+              <a:t>Text</a:t>
+            </a:r>
+            <a:endParaRPr lang="en-US" sz="900" dirty="0"/>
+          </a:p>
+        </p:txBody>
+      </p:sp>
+      <p:sp>
+        <p:nvSpPr>
+          <p:cNvPr id="27" name="TextBox 26"/>
+          <p:cNvSpPr txBox="1"/>
+          <p:nvPr/>
+        </p:nvSpPr>
+        <p:spPr>
+          <a:xfrm>
+            <a:off x="0" y="0"/>
+            <a:ext cx="6858000" cy="861774"/>
+          </a:xfrm>
+          <a:prstGeom prst="rect">
+            <a:avLst/>
+          </a:prstGeom>
+          <a:noFill/>
+        </p:spPr>
+        <p:txBody>
+          <a:bodyPr wrap="square" rtlCol="0">
+            <a:spAutoFit/>
+          </a:bodyPr>
+          <a:lstStyle/>
+          <a:p>
+            <a:pPr algn="ctr"/>
+            <a:r>
+              <a:rPr lang="en-US" sz="3200" b="1" dirty="0" smtClean="0">
+                <a:effectLst>
+                  <a:outerShdw blurRad="38100" dist="38100" dir="2700000" algn="tl">
+                    <a:srgbClr val="000000">
+                      <a:alpha val="43137"/>
+                    </a:srgbClr>
+                  </a:outerShdw>
+                </a:effectLst>
+              </a:rPr>
+              <a:t>Template (Eastern)</a:t>
+            </a:r>
+          </a:p>
+          <a:p>
+            <a:pPr algn="ctr"/>
+            <a:r>
+              <a:rPr lang="en-US" dirty="0">
+                <a:effectLst>
+                  <a:outerShdw blurRad="38100" dist="38100" dir="2700000" algn="tl">
+                    <a:srgbClr val="000000">
+                      <a:alpha val="43137"/>
+                    </a:srgbClr>
+                  </a:outerShdw>
+                </a:effectLst>
+              </a:rPr>
+              <a:t>Religious Structure and Holy Sites</a:t>
+            </a:r>
+          </a:p>
+        </p:txBody>
+      </p:sp>
+      <p:sp>
+        <p:nvSpPr>
+          <p:cNvPr id="44" name="Sun 43"/>
+          <p:cNvSpPr/>
+          <p:nvPr/>
+        </p:nvSpPr>
+        <p:spPr>
+          <a:xfrm>
+            <a:off x="1638301" y="1602432"/>
+            <a:ext cx="217100" cy="217100"/>
+          </a:xfrm>
+          <a:prstGeom prst="sun">
+            <a:avLst/>
+          </a:prstGeom>
+          <a:solidFill>
+            <a:schemeClr val="bg1"/>
+          </a:solidFill>
+          <a:ln w="9525">
+            <a:solidFill>
+              <a:srgbClr val="FF0000"/>
+            </a:solidFill>
+          </a:ln>
+        </p:spPr>
+        <p:style>
+          <a:lnRef idx="2">
+            <a:schemeClr val="accent1">
+              <a:shade val="50000"/>
+            </a:schemeClr>
+          </a:lnRef>
+          <a:fillRef idx="1">
+            <a:schemeClr val="accent1"/>
+          </a:fillRef>
+          <a:effectRef idx="0">
+            <a:schemeClr val="accent1"/>
+          </a:effectRef>
+          <a:fontRef idx="minor">
+            <a:schemeClr val="lt1"/>
+          </a:fontRef>
+        </p:style>
+        <p:txBody>
+          <a:bodyPr rtlCol="0" anchor="ctr"/>
+          <a:lstStyle/>
+          <a:p>
+            <a:pPr algn="ctr"/>
+            <a:r>
+              <a:rPr lang="en-US" sz="800" b="1" dirty="0" smtClean="0">
+                <a:solidFill>
+                  <a:schemeClr val="tx1"/>
+                </a:solidFill>
+              </a:rPr>
+              <a:t>3</a:t>
+            </a:r>
+            <a:endParaRPr lang="en-US" sz="800" b="1" dirty="0">
+              <a:solidFill>
+                <a:schemeClr val="tx1"/>
+              </a:solidFill>
+            </a:endParaRPr>
+          </a:p>
+        </p:txBody>
+      </p:sp>
+      <p:sp>
+        <p:nvSpPr>
+          <p:cNvPr id="45" name="TextBox 44"/>
+          <p:cNvSpPr txBox="1"/>
+          <p:nvPr/>
+        </p:nvSpPr>
+        <p:spPr>
+          <a:xfrm>
+            <a:off x="1855401" y="1641733"/>
+            <a:ext cx="243139" cy="138499"/>
+          </a:xfrm>
+          <a:prstGeom prst="rect">
+            <a:avLst/>
+          </a:prstGeom>
+          <a:solidFill>
+            <a:schemeClr val="bg1">
+              <a:alpha val="70000"/>
+            </a:schemeClr>
+          </a:solidFill>
+        </p:spPr>
+        <p:txBody>
+          <a:bodyPr wrap="none" lIns="36000" tIns="0" rIns="0" bIns="0" rtlCol="0" anchor="ctr" anchorCtr="1">
+            <a:spAutoFit/>
+          </a:bodyPr>
+          <a:lstStyle/>
+          <a:p>
+            <a:r>
+              <a:rPr lang="en-US" sz="900" b="1" i="1" dirty="0">
+                <a:solidFill>
+                  <a:srgbClr val="C00000"/>
+                </a:solidFill>
+              </a:rPr>
+              <a:t>Text</a:t>
+            </a:r>
+          </a:p>
+        </p:txBody>
+      </p:sp>
+      <p:sp>
+        <p:nvSpPr>
+          <p:cNvPr id="2" name="TextBox 1"/>
+          <p:cNvSpPr txBox="1"/>
+          <p:nvPr/>
+        </p:nvSpPr>
+        <p:spPr>
+          <a:xfrm>
+            <a:off x="279401" y="1097231"/>
+            <a:ext cx="1928464" cy="230832"/>
+          </a:xfrm>
+          <a:prstGeom prst="rect">
+            <a:avLst/>
+          </a:prstGeom>
+          <a:noFill/>
+        </p:spPr>
+        <p:txBody>
+          <a:bodyPr wrap="none" lIns="36000" rIns="36000" rtlCol="0">
+            <a:spAutoFit/>
+          </a:bodyPr>
+          <a:lstStyle>
+            <a:defPPr>
+              <a:defRPr lang="en-US"/>
+            </a:defPPr>
+            <a:lvl1pPr>
+              <a:defRPr sz="900" b="1" u="sng"/>
+            </a:lvl1pPr>
+          </a:lstStyle>
+          <a:p>
+            <a:r>
+              <a:rPr lang="en-US" dirty="0"/>
+              <a:t>Mainstream Religion and its Heresies:</a:t>
+            </a:r>
+          </a:p>
+        </p:txBody>
+      </p:sp>
+      <p:sp>
+        <p:nvSpPr>
+          <p:cNvPr id="35" name="TextBox 34"/>
+          <p:cNvSpPr txBox="1"/>
+          <p:nvPr/>
+        </p:nvSpPr>
+        <p:spPr>
+          <a:xfrm>
+            <a:off x="3558540" y="1143398"/>
+            <a:ext cx="1181414" cy="138499"/>
+          </a:xfrm>
+          <a:prstGeom prst="rect">
+            <a:avLst/>
+          </a:prstGeom>
+          <a:solidFill>
+            <a:schemeClr val="bg1">
+              <a:alpha val="70000"/>
+            </a:schemeClr>
+          </a:solidFill>
+        </p:spPr>
+        <p:txBody>
+          <a:bodyPr wrap="none" lIns="0" tIns="0" rIns="0" bIns="0" rtlCol="0" anchor="ctr" anchorCtr="1">
+            <a:spAutoFit/>
+          </a:bodyPr>
+          <a:lstStyle/>
+          <a:p>
+            <a:r>
+              <a:rPr lang="en-US" sz="900" b="1" u="sng" dirty="0" smtClean="0"/>
+              <a:t>Heresies</a:t>
+            </a:r>
+            <a:r>
+              <a:rPr lang="en-US" sz="900" b="1" dirty="0" smtClean="0"/>
+              <a:t>: </a:t>
+            </a:r>
+            <a:r>
+              <a:rPr lang="en-US" sz="900" dirty="0" smtClean="0"/>
+              <a:t>Text, Text, </a:t>
+            </a:r>
+            <a:r>
+              <a:rPr lang="en-US" sz="900" b="1" i="1" dirty="0">
+                <a:solidFill>
+                  <a:srgbClr val="C00000"/>
+                </a:solidFill>
+              </a:rPr>
+              <a:t>Text</a:t>
+            </a:r>
+          </a:p>
+        </p:txBody>
+      </p:sp>
+      <p:sp>
+        <p:nvSpPr>
+          <p:cNvPr id="38" name="TextBox 37"/>
+          <p:cNvSpPr txBox="1"/>
+          <p:nvPr/>
+        </p:nvSpPr>
+        <p:spPr>
+          <a:xfrm>
+            <a:off x="279401" y="1371600"/>
+            <a:ext cx="1218851" cy="230832"/>
+          </a:xfrm>
+          <a:prstGeom prst="rect">
+            <a:avLst/>
+          </a:prstGeom>
+          <a:noFill/>
+        </p:spPr>
+        <p:txBody>
+          <a:bodyPr wrap="none" lIns="36000" rIns="36000" rtlCol="0">
+            <a:spAutoFit/>
+          </a:bodyPr>
+          <a:lstStyle/>
+          <a:p>
+            <a:r>
+              <a:rPr lang="en-US" sz="900" b="1" u="sng" dirty="0" smtClean="0"/>
+              <a:t>Autonomous Religions: </a:t>
+            </a:r>
+            <a:endParaRPr lang="en-US" sz="900" b="1" u="sng" dirty="0"/>
+          </a:p>
+        </p:txBody>
+      </p:sp>
+      <p:sp>
+        <p:nvSpPr>
+          <p:cNvPr id="39" name="Sun 38"/>
+          <p:cNvSpPr/>
+          <p:nvPr/>
+        </p:nvSpPr>
+        <p:spPr>
+          <a:xfrm>
+            <a:off x="2997201" y="1602432"/>
+            <a:ext cx="217100" cy="217100"/>
+          </a:xfrm>
+          <a:prstGeom prst="sun">
+            <a:avLst/>
+          </a:prstGeom>
+          <a:solidFill>
+            <a:schemeClr val="bg1"/>
+          </a:solidFill>
+          <a:ln w="9525">
+            <a:solidFill>
+              <a:srgbClr val="FF0000"/>
+            </a:solidFill>
+          </a:ln>
+        </p:spPr>
+        <p:style>
+          <a:lnRef idx="2">
+            <a:schemeClr val="accent1">
+              <a:shade val="50000"/>
+            </a:schemeClr>
+          </a:lnRef>
+          <a:fillRef idx="1">
+            <a:schemeClr val="accent1"/>
+          </a:fillRef>
+          <a:effectRef idx="0">
+            <a:schemeClr val="accent1"/>
+          </a:effectRef>
+          <a:fontRef idx="minor">
+            <a:schemeClr val="lt1"/>
+          </a:fontRef>
+        </p:style>
+        <p:txBody>
+          <a:bodyPr rtlCol="0" anchor="ctr"/>
+          <a:lstStyle/>
+          <a:p>
+            <a:pPr algn="ctr"/>
+            <a:r>
+              <a:rPr lang="en-US" sz="800" b="1" dirty="0" smtClean="0">
+                <a:solidFill>
+                  <a:schemeClr val="tx1"/>
+                </a:solidFill>
+              </a:rPr>
+              <a:t>4</a:t>
+            </a:r>
+            <a:endParaRPr lang="en-US" sz="800" b="1" dirty="0">
+              <a:solidFill>
+                <a:schemeClr val="tx1"/>
+              </a:solidFill>
+            </a:endParaRPr>
+          </a:p>
+        </p:txBody>
+      </p:sp>
+      <p:sp>
+        <p:nvSpPr>
+          <p:cNvPr id="50" name="TextBox 49"/>
+          <p:cNvSpPr txBox="1"/>
+          <p:nvPr/>
+        </p:nvSpPr>
+        <p:spPr>
+          <a:xfrm>
+            <a:off x="3214300" y="1641733"/>
+            <a:ext cx="238330" cy="138499"/>
+          </a:xfrm>
+          <a:prstGeom prst="rect">
+            <a:avLst/>
+          </a:prstGeom>
+          <a:solidFill>
+            <a:schemeClr val="bg1">
+              <a:alpha val="70000"/>
+            </a:schemeClr>
+          </a:solidFill>
+        </p:spPr>
+        <p:txBody>
+          <a:bodyPr wrap="none" lIns="36000" tIns="0" rIns="0" bIns="0" rtlCol="0" anchor="ctr" anchorCtr="1">
+            <a:spAutoFit/>
+          </a:bodyPr>
+          <a:lstStyle/>
+          <a:p>
+            <a:r>
+              <a:rPr lang="en-US" sz="900" dirty="0" smtClean="0"/>
+              <a:t>Text</a:t>
+            </a:r>
+            <a:endParaRPr lang="en-US" sz="900" dirty="0"/>
+          </a:p>
+        </p:txBody>
+      </p:sp>
+      <p:sp>
+        <p:nvSpPr>
+          <p:cNvPr id="51" name="Sun 50"/>
+          <p:cNvSpPr/>
+          <p:nvPr/>
+        </p:nvSpPr>
+        <p:spPr>
+          <a:xfrm>
+            <a:off x="4356101" y="1602432"/>
+            <a:ext cx="217100" cy="217100"/>
+          </a:xfrm>
+          <a:prstGeom prst="sun">
+            <a:avLst/>
+          </a:prstGeom>
+          <a:solidFill>
+            <a:schemeClr val="bg1"/>
+          </a:solidFill>
+          <a:ln w="9525">
+            <a:solidFill>
+              <a:srgbClr val="FF0000"/>
+            </a:solidFill>
+          </a:ln>
+        </p:spPr>
+        <p:style>
+          <a:lnRef idx="2">
+            <a:schemeClr val="accent1">
+              <a:shade val="50000"/>
+            </a:schemeClr>
+          </a:lnRef>
+          <a:fillRef idx="1">
+            <a:schemeClr val="accent1"/>
+          </a:fillRef>
+          <a:effectRef idx="0">
+            <a:schemeClr val="accent1"/>
+          </a:effectRef>
+          <a:fontRef idx="minor">
+            <a:schemeClr val="lt1"/>
+          </a:fontRef>
+        </p:style>
+        <p:txBody>
+          <a:bodyPr rtlCol="0" anchor="ctr"/>
+          <a:lstStyle/>
+          <a:p>
+            <a:pPr algn="ctr"/>
+            <a:r>
+              <a:rPr lang="en-US" sz="800" b="1" dirty="0" smtClean="0">
+                <a:solidFill>
+                  <a:schemeClr val="tx1"/>
+                </a:solidFill>
+              </a:rPr>
+              <a:t>5</a:t>
+            </a:r>
+            <a:endParaRPr lang="en-US" sz="800" b="1" dirty="0">
+              <a:solidFill>
+                <a:schemeClr val="tx1"/>
+              </a:solidFill>
+            </a:endParaRPr>
+          </a:p>
+        </p:txBody>
+      </p:sp>
+      <p:sp>
+        <p:nvSpPr>
+          <p:cNvPr id="60" name="Sun 59"/>
+          <p:cNvSpPr/>
+          <p:nvPr/>
+        </p:nvSpPr>
+        <p:spPr>
+          <a:xfrm>
+            <a:off x="5715000" y="1602432"/>
+            <a:ext cx="217100" cy="217100"/>
+          </a:xfrm>
+          <a:prstGeom prst="sun">
+            <a:avLst/>
+          </a:prstGeom>
+          <a:solidFill>
+            <a:schemeClr val="bg1"/>
+          </a:solidFill>
+          <a:ln w="9525">
+            <a:solidFill>
+              <a:srgbClr val="FF0000"/>
+            </a:solidFill>
+          </a:ln>
+        </p:spPr>
+        <p:style>
+          <a:lnRef idx="2">
+            <a:schemeClr val="accent1">
+              <a:shade val="50000"/>
+            </a:schemeClr>
+          </a:lnRef>
+          <a:fillRef idx="1">
+            <a:schemeClr val="accent1"/>
+          </a:fillRef>
+          <a:effectRef idx="0">
+            <a:schemeClr val="accent1"/>
+          </a:effectRef>
+          <a:fontRef idx="minor">
+            <a:schemeClr val="lt1"/>
+          </a:fontRef>
+        </p:style>
+        <p:txBody>
+          <a:bodyPr rtlCol="0" anchor="ctr"/>
+          <a:lstStyle/>
+          <a:p>
+            <a:pPr algn="ctr"/>
+            <a:r>
+              <a:rPr lang="en-US" sz="800" b="1" dirty="0" smtClean="0">
+                <a:solidFill>
+                  <a:schemeClr val="tx1"/>
+                </a:solidFill>
+              </a:rPr>
+              <a:t>6</a:t>
+            </a:r>
+            <a:endParaRPr lang="en-US" sz="800" b="1" dirty="0">
+              <a:solidFill>
+                <a:schemeClr val="tx1"/>
+              </a:solidFill>
+            </a:endParaRPr>
+          </a:p>
+        </p:txBody>
+      </p:sp>
+      <p:sp>
+        <p:nvSpPr>
+          <p:cNvPr id="62" name="TextBox 61"/>
+          <p:cNvSpPr txBox="1"/>
+          <p:nvPr/>
+        </p:nvSpPr>
+        <p:spPr>
+          <a:xfrm>
+            <a:off x="4573201" y="1641733"/>
+            <a:ext cx="238330" cy="138499"/>
+          </a:xfrm>
+          <a:prstGeom prst="rect">
+            <a:avLst/>
+          </a:prstGeom>
+          <a:solidFill>
+            <a:schemeClr val="bg1">
+              <a:alpha val="70000"/>
+            </a:schemeClr>
+          </a:solidFill>
+        </p:spPr>
+        <p:txBody>
+          <a:bodyPr wrap="none" lIns="36000" tIns="0" rIns="0" bIns="0" rtlCol="0" anchor="ctr" anchorCtr="1">
+            <a:spAutoFit/>
+          </a:bodyPr>
+          <a:lstStyle/>
+          <a:p>
+            <a:r>
+              <a:rPr lang="en-US" sz="900" dirty="0" smtClean="0"/>
+              <a:t>Text</a:t>
+            </a:r>
+            <a:endParaRPr lang="en-US" sz="900" dirty="0"/>
+          </a:p>
+        </p:txBody>
+      </p:sp>
+      <p:sp>
+        <p:nvSpPr>
+          <p:cNvPr id="63" name="TextBox 62"/>
+          <p:cNvSpPr txBox="1"/>
+          <p:nvPr/>
+        </p:nvSpPr>
+        <p:spPr>
+          <a:xfrm>
+            <a:off x="5932102" y="1641733"/>
+            <a:ext cx="238330" cy="138499"/>
+          </a:xfrm>
+          <a:prstGeom prst="rect">
+            <a:avLst/>
+          </a:prstGeom>
+          <a:solidFill>
+            <a:schemeClr val="bg1">
+              <a:alpha val="70000"/>
+            </a:schemeClr>
+          </a:solidFill>
+        </p:spPr>
+        <p:txBody>
+          <a:bodyPr wrap="none" lIns="36000" tIns="0" rIns="0" bIns="0" rtlCol="0" anchor="ctr" anchorCtr="1">
+            <a:spAutoFit/>
+          </a:bodyPr>
+          <a:lstStyle/>
+          <a:p>
+            <a:r>
+              <a:rPr lang="en-US" sz="900" dirty="0" smtClean="0"/>
+              <a:t>Text</a:t>
+            </a:r>
+            <a:endParaRPr lang="en-US" sz="900" dirty="0"/>
+          </a:p>
+        </p:txBody>
+      </p:sp>
+      <p:sp>
+        <p:nvSpPr>
+          <p:cNvPr id="64" name="Sun 63"/>
+          <p:cNvSpPr/>
+          <p:nvPr/>
+        </p:nvSpPr>
+        <p:spPr>
+          <a:xfrm>
+            <a:off x="279401" y="1886020"/>
+            <a:ext cx="217100" cy="217100"/>
+          </a:xfrm>
+          <a:prstGeom prst="sun">
+            <a:avLst/>
+          </a:prstGeom>
+          <a:solidFill>
+            <a:schemeClr val="bg1"/>
+          </a:solidFill>
+          <a:ln w="9525">
+            <a:solidFill>
+              <a:srgbClr val="FF0000"/>
+            </a:solidFill>
+          </a:ln>
+        </p:spPr>
+        <p:style>
+          <a:lnRef idx="2">
+            <a:schemeClr val="accent1">
+              <a:shade val="50000"/>
+            </a:schemeClr>
+          </a:lnRef>
+          <a:fillRef idx="1">
+            <a:schemeClr val="accent1"/>
+          </a:fillRef>
+          <a:effectRef idx="0">
+            <a:schemeClr val="accent1"/>
+          </a:effectRef>
+          <a:fontRef idx="minor">
+            <a:schemeClr val="lt1"/>
+          </a:fontRef>
+        </p:style>
+        <p:txBody>
+          <a:bodyPr rtlCol="0" anchor="ctr"/>
+          <a:lstStyle/>
+          <a:p>
+            <a:pPr algn="ctr"/>
+            <a:r>
+              <a:rPr lang="en-US" sz="800" b="1" dirty="0" smtClean="0">
+                <a:solidFill>
+                  <a:schemeClr val="tx1"/>
+                </a:solidFill>
+              </a:rPr>
+              <a:t>7</a:t>
+            </a:r>
+            <a:endParaRPr lang="en-US" sz="800" b="1" dirty="0">
+              <a:solidFill>
+                <a:schemeClr val="tx1"/>
+              </a:solidFill>
+            </a:endParaRPr>
+          </a:p>
+        </p:txBody>
+      </p:sp>
+      <p:sp>
+        <p:nvSpPr>
+          <p:cNvPr id="65" name="TextBox 64"/>
+          <p:cNvSpPr txBox="1"/>
+          <p:nvPr/>
+        </p:nvSpPr>
+        <p:spPr>
+          <a:xfrm>
+            <a:off x="496501" y="1925321"/>
+            <a:ext cx="238330" cy="138499"/>
+          </a:xfrm>
+          <a:prstGeom prst="rect">
+            <a:avLst/>
+          </a:prstGeom>
+          <a:solidFill>
+            <a:schemeClr val="bg1">
+              <a:alpha val="70000"/>
+            </a:schemeClr>
+          </a:solidFill>
+        </p:spPr>
+        <p:txBody>
+          <a:bodyPr wrap="none" lIns="36000" tIns="0" rIns="0" bIns="0" rtlCol="0" anchor="ctr" anchorCtr="1">
+            <a:spAutoFit/>
+          </a:bodyPr>
+          <a:lstStyle/>
+          <a:p>
+            <a:r>
+              <a:rPr lang="en-US" sz="900" dirty="0" smtClean="0"/>
+              <a:t>Text</a:t>
+            </a:r>
+            <a:endParaRPr lang="en-US" sz="900" dirty="0"/>
+          </a:p>
+        </p:txBody>
+      </p:sp>
+      <p:sp>
+        <p:nvSpPr>
+          <p:cNvPr id="66" name="Sun 65"/>
+          <p:cNvSpPr/>
+          <p:nvPr/>
+        </p:nvSpPr>
+        <p:spPr>
+          <a:xfrm>
+            <a:off x="1638301" y="1886020"/>
+            <a:ext cx="217100" cy="217100"/>
+          </a:xfrm>
+          <a:prstGeom prst="sun">
+            <a:avLst/>
+          </a:prstGeom>
+          <a:solidFill>
+            <a:schemeClr val="bg1"/>
+          </a:solidFill>
+          <a:ln w="9525">
+            <a:solidFill>
+              <a:srgbClr val="FF0000"/>
+            </a:solidFill>
+          </a:ln>
+        </p:spPr>
+        <p:style>
+          <a:lnRef idx="2">
+            <a:schemeClr val="accent1">
+              <a:shade val="50000"/>
+            </a:schemeClr>
+          </a:lnRef>
+          <a:fillRef idx="1">
+            <a:schemeClr val="accent1"/>
+          </a:fillRef>
+          <a:effectRef idx="0">
+            <a:schemeClr val="accent1"/>
+          </a:effectRef>
+          <a:fontRef idx="minor">
+            <a:schemeClr val="lt1"/>
+          </a:fontRef>
+        </p:style>
+        <p:txBody>
+          <a:bodyPr rtlCol="0" anchor="ctr"/>
+          <a:lstStyle/>
+          <a:p>
+            <a:pPr algn="ctr"/>
+            <a:r>
+              <a:rPr lang="en-US" sz="800" b="1" dirty="0" smtClean="0">
+                <a:solidFill>
+                  <a:schemeClr val="tx1"/>
+                </a:solidFill>
+              </a:rPr>
+              <a:t>8</a:t>
+            </a:r>
+            <a:endParaRPr lang="en-US" sz="800" b="1" dirty="0">
+              <a:solidFill>
+                <a:schemeClr val="tx1"/>
+              </a:solidFill>
+            </a:endParaRPr>
+          </a:p>
+        </p:txBody>
+      </p:sp>
+      <p:sp>
+        <p:nvSpPr>
+          <p:cNvPr id="67" name="TextBox 66"/>
+          <p:cNvSpPr txBox="1"/>
+          <p:nvPr/>
+        </p:nvSpPr>
+        <p:spPr>
+          <a:xfrm>
+            <a:off x="1855401" y="1925321"/>
+            <a:ext cx="238330" cy="138499"/>
+          </a:xfrm>
+          <a:prstGeom prst="rect">
+            <a:avLst/>
+          </a:prstGeom>
+          <a:solidFill>
+            <a:schemeClr val="bg1">
+              <a:alpha val="70000"/>
+            </a:schemeClr>
+          </a:solidFill>
+        </p:spPr>
+        <p:txBody>
+          <a:bodyPr wrap="none" lIns="36000" tIns="0" rIns="0" bIns="0" rtlCol="0" anchor="ctr" anchorCtr="1">
+            <a:spAutoFit/>
+          </a:bodyPr>
+          <a:lstStyle/>
+          <a:p>
+            <a:r>
+              <a:rPr lang="en-US" sz="900" dirty="0" smtClean="0"/>
+              <a:t>Text</a:t>
+            </a:r>
+            <a:endParaRPr lang="en-US" sz="900" dirty="0"/>
+          </a:p>
+        </p:txBody>
+      </p:sp>
+      <p:sp>
+        <p:nvSpPr>
+          <p:cNvPr id="68" name="Sun 67"/>
+          <p:cNvSpPr/>
+          <p:nvPr/>
+        </p:nvSpPr>
+        <p:spPr>
+          <a:xfrm>
+            <a:off x="2997201" y="1886020"/>
+            <a:ext cx="217100" cy="217100"/>
+          </a:xfrm>
+          <a:prstGeom prst="sun">
+            <a:avLst/>
+          </a:prstGeom>
+          <a:solidFill>
+            <a:schemeClr val="bg1"/>
+          </a:solidFill>
+          <a:ln w="9525">
+            <a:solidFill>
+              <a:srgbClr val="FF0000"/>
+            </a:solidFill>
+          </a:ln>
+        </p:spPr>
+        <p:style>
+          <a:lnRef idx="2">
+            <a:schemeClr val="accent1">
+              <a:shade val="50000"/>
+            </a:schemeClr>
+          </a:lnRef>
+          <a:fillRef idx="1">
+            <a:schemeClr val="accent1"/>
+          </a:fillRef>
+          <a:effectRef idx="0">
+            <a:schemeClr val="accent1"/>
+          </a:effectRef>
+          <a:fontRef idx="minor">
+            <a:schemeClr val="lt1"/>
+          </a:fontRef>
+        </p:style>
+        <p:txBody>
+          <a:bodyPr rtlCol="0" anchor="ctr"/>
+          <a:lstStyle/>
+          <a:p>
+            <a:pPr algn="ctr"/>
+            <a:r>
+              <a:rPr lang="en-US" sz="800" b="1" dirty="0" smtClean="0">
+                <a:solidFill>
+                  <a:schemeClr val="tx1"/>
+                </a:solidFill>
+              </a:rPr>
+              <a:t>9</a:t>
+            </a:r>
+            <a:endParaRPr lang="en-US" sz="800" b="1" dirty="0">
+              <a:solidFill>
+                <a:schemeClr val="tx1"/>
+              </a:solidFill>
+            </a:endParaRPr>
+          </a:p>
+        </p:txBody>
+      </p:sp>
+      <p:sp>
+        <p:nvSpPr>
+          <p:cNvPr id="69" name="TextBox 68"/>
+          <p:cNvSpPr txBox="1"/>
+          <p:nvPr/>
+        </p:nvSpPr>
+        <p:spPr>
+          <a:xfrm>
+            <a:off x="3214300" y="1925321"/>
+            <a:ext cx="238330" cy="138499"/>
+          </a:xfrm>
+          <a:prstGeom prst="rect">
+            <a:avLst/>
+          </a:prstGeom>
+          <a:solidFill>
+            <a:schemeClr val="bg1">
+              <a:alpha val="70000"/>
+            </a:schemeClr>
+          </a:solidFill>
+        </p:spPr>
+        <p:txBody>
+          <a:bodyPr wrap="none" lIns="36000" tIns="0" rIns="0" bIns="0" rtlCol="0" anchor="ctr" anchorCtr="1">
+            <a:spAutoFit/>
+          </a:bodyPr>
+          <a:lstStyle/>
+          <a:p>
+            <a:r>
+              <a:rPr lang="en-US" sz="900" dirty="0" smtClean="0"/>
+              <a:t>Text</a:t>
+            </a:r>
+            <a:endParaRPr lang="en-US" sz="900" dirty="0"/>
+          </a:p>
+        </p:txBody>
+      </p:sp>
+      <p:sp>
+        <p:nvSpPr>
+          <p:cNvPr id="70" name="Sun 69"/>
+          <p:cNvSpPr/>
+          <p:nvPr/>
+        </p:nvSpPr>
+        <p:spPr>
+          <a:xfrm>
+            <a:off x="4356101" y="1886020"/>
+            <a:ext cx="217100" cy="217100"/>
+          </a:xfrm>
+          <a:prstGeom prst="sun">
+            <a:avLst/>
+          </a:prstGeom>
+          <a:solidFill>
+            <a:schemeClr val="bg1"/>
+          </a:solidFill>
+          <a:ln w="9525">
+            <a:solidFill>
+              <a:srgbClr val="FF0000"/>
+            </a:solidFill>
+          </a:ln>
+        </p:spPr>
+        <p:style>
+          <a:lnRef idx="2">
+            <a:schemeClr val="accent1">
+              <a:shade val="50000"/>
+            </a:schemeClr>
+          </a:lnRef>
+          <a:fillRef idx="1">
+            <a:schemeClr val="accent1"/>
+          </a:fillRef>
+          <a:effectRef idx="0">
+            <a:schemeClr val="accent1"/>
+          </a:effectRef>
+          <a:fontRef idx="minor">
+            <a:schemeClr val="lt1"/>
+          </a:fontRef>
+        </p:style>
+        <p:txBody>
+          <a:bodyPr wrap="none" rtlCol="0" anchor="ctr"/>
+          <a:lstStyle/>
+          <a:p>
+            <a:pPr algn="ctr"/>
+            <a:r>
+              <a:rPr lang="en-US" sz="800" b="1" dirty="0" smtClean="0">
+                <a:solidFill>
+                  <a:schemeClr val="tx1"/>
+                </a:solidFill>
+              </a:rPr>
+              <a:t>10</a:t>
+            </a:r>
+            <a:endParaRPr lang="en-US" sz="800" b="1" dirty="0">
+              <a:solidFill>
+                <a:schemeClr val="tx1"/>
+              </a:solidFill>
+            </a:endParaRPr>
+          </a:p>
+        </p:txBody>
+      </p:sp>
+      <p:sp>
+        <p:nvSpPr>
+          <p:cNvPr id="71" name="Sun 70"/>
+          <p:cNvSpPr/>
+          <p:nvPr/>
+        </p:nvSpPr>
+        <p:spPr>
+          <a:xfrm>
+            <a:off x="5715000" y="1886020"/>
+            <a:ext cx="217100" cy="217100"/>
+          </a:xfrm>
+          <a:prstGeom prst="sun">
+            <a:avLst/>
+          </a:prstGeom>
+          <a:solidFill>
+            <a:schemeClr val="bg1"/>
+          </a:solidFill>
+          <a:ln w="9525">
+            <a:solidFill>
+              <a:srgbClr val="FF0000"/>
+            </a:solidFill>
+          </a:ln>
+        </p:spPr>
+        <p:style>
+          <a:lnRef idx="2">
+            <a:schemeClr val="accent1">
+              <a:shade val="50000"/>
+            </a:schemeClr>
+          </a:lnRef>
+          <a:fillRef idx="1">
+            <a:schemeClr val="accent1"/>
+          </a:fillRef>
+          <a:effectRef idx="0">
+            <a:schemeClr val="accent1"/>
+          </a:effectRef>
+          <a:fontRef idx="minor">
+            <a:schemeClr val="lt1"/>
+          </a:fontRef>
+        </p:style>
+        <p:txBody>
+          <a:bodyPr wrap="none" rtlCol="0" anchor="ctr"/>
+          <a:lstStyle/>
+          <a:p>
+            <a:pPr algn="ctr"/>
+            <a:r>
+              <a:rPr lang="en-US" sz="800" b="1" dirty="0" smtClean="0">
+                <a:solidFill>
+                  <a:schemeClr val="tx1"/>
+                </a:solidFill>
+              </a:rPr>
+              <a:t>11</a:t>
+            </a:r>
+            <a:endParaRPr lang="en-US" sz="800" b="1" dirty="0">
+              <a:solidFill>
+                <a:schemeClr val="tx1"/>
+              </a:solidFill>
+            </a:endParaRPr>
+          </a:p>
+        </p:txBody>
+      </p:sp>
+      <p:sp>
+        <p:nvSpPr>
+          <p:cNvPr id="72" name="TextBox 71"/>
+          <p:cNvSpPr txBox="1"/>
+          <p:nvPr/>
+        </p:nvSpPr>
+        <p:spPr>
+          <a:xfrm>
+            <a:off x="4573201" y="1925321"/>
+            <a:ext cx="238330" cy="138499"/>
+          </a:xfrm>
+          <a:prstGeom prst="rect">
+            <a:avLst/>
+          </a:prstGeom>
+          <a:solidFill>
+            <a:schemeClr val="bg1">
+              <a:alpha val="70000"/>
+            </a:schemeClr>
+          </a:solidFill>
+        </p:spPr>
+        <p:txBody>
+          <a:bodyPr wrap="none" lIns="36000" tIns="0" rIns="0" bIns="0" rtlCol="0" anchor="ctr" anchorCtr="1">
+            <a:spAutoFit/>
+          </a:bodyPr>
+          <a:lstStyle/>
+          <a:p>
+            <a:r>
+              <a:rPr lang="en-US" sz="900" dirty="0" smtClean="0"/>
+              <a:t>Text</a:t>
+            </a:r>
+            <a:endParaRPr lang="en-US" sz="900" dirty="0"/>
+          </a:p>
+        </p:txBody>
+      </p:sp>
+      <p:sp>
+        <p:nvSpPr>
+          <p:cNvPr id="73" name="TextBox 72"/>
+          <p:cNvSpPr txBox="1"/>
+          <p:nvPr/>
+        </p:nvSpPr>
+        <p:spPr>
+          <a:xfrm>
+            <a:off x="5932102" y="1925321"/>
+            <a:ext cx="238330" cy="138499"/>
+          </a:xfrm>
+          <a:prstGeom prst="rect">
+            <a:avLst/>
+          </a:prstGeom>
+          <a:solidFill>
+            <a:schemeClr val="bg1">
+              <a:alpha val="70000"/>
+            </a:schemeClr>
+          </a:solidFill>
+        </p:spPr>
+        <p:txBody>
+          <a:bodyPr wrap="none" lIns="36000" tIns="0" rIns="0" bIns="0" rtlCol="0" anchor="ctr" anchorCtr="1">
+            <a:spAutoFit/>
+          </a:bodyPr>
+          <a:lstStyle/>
+          <a:p>
+            <a:r>
+              <a:rPr lang="en-US" sz="900" dirty="0" smtClean="0"/>
+              <a:t>Text</a:t>
+            </a:r>
+            <a:endParaRPr lang="en-US" sz="900" dirty="0"/>
+          </a:p>
+        </p:txBody>
+      </p:sp>
+      <p:sp>
+        <p:nvSpPr>
+          <p:cNvPr id="40" name="TextBox 39"/>
+          <p:cNvSpPr txBox="1"/>
+          <p:nvPr/>
+        </p:nvSpPr>
+        <p:spPr>
+          <a:xfrm>
+            <a:off x="279401" y="2313801"/>
+            <a:ext cx="1432568" cy="276999"/>
+          </a:xfrm>
+          <a:prstGeom prst="rect">
+            <a:avLst/>
+          </a:prstGeom>
+          <a:solidFill>
+            <a:schemeClr val="bg1">
+              <a:alpha val="70000"/>
+            </a:schemeClr>
+          </a:solidFill>
+        </p:spPr>
+        <p:txBody>
+          <a:bodyPr wrap="none" lIns="36000" tIns="0" rIns="0" bIns="0" rtlCol="0" anchor="ctr" anchorCtr="1">
+            <a:spAutoFit/>
+          </a:bodyPr>
+          <a:lstStyle/>
+          <a:p>
+            <a:r>
+              <a:rPr lang="en-US" sz="900" b="1" i="1" dirty="0" smtClean="0">
+                <a:solidFill>
+                  <a:srgbClr val="C00000"/>
+                </a:solidFill>
+              </a:rPr>
+              <a:t>Religion</a:t>
+            </a:r>
+            <a:r>
+              <a:rPr lang="en-US" sz="900" dirty="0" smtClean="0"/>
+              <a:t>: unreformed religion</a:t>
+            </a:r>
+          </a:p>
+          <a:p>
+            <a:r>
+              <a:rPr lang="en-US" sz="900" dirty="0" smtClean="0"/>
+              <a:t>Religion: reformed religion</a:t>
+            </a:r>
+            <a:endParaRPr lang="en-US" sz="900" dirty="0"/>
+          </a:p>
+        </p:txBody>
+      </p:sp>
+      <p:pic>
+        <p:nvPicPr>
+          <p:cNvPr id="3" name="Image 2"/>
+          <p:cNvPicPr>
+            <a:picLocks noChangeAspect="1"/>
+          </p:cNvPicPr>
+          <p:nvPr/>
+        </p:nvPicPr>
+        <p:blipFill rotWithShape="1">
+          <a:blip r:embed="rId2" cstate="print">
+            <a:extLst>
+              <a:ext uri="{28A0092B-C50C-407E-A947-70E740481C1C}">
+                <a14:useLocalDpi xmlns:a14="http://schemas.microsoft.com/office/drawing/2010/main" val="0"/>
+              </a:ext>
+            </a:extLst>
+          </a:blip>
+          <a:srcRect l="35713" r="759" b="25881"/>
+          <a:stretch/>
+        </p:blipFill>
+        <p:spPr>
+          <a:xfrm>
+            <a:off x="0" y="2597389"/>
+            <a:ext cx="6858000" cy="6546612"/>
+          </a:xfrm>
+          <a:prstGeom prst="rect">
+            <a:avLst/>
+          </a:prstGeom>
+        </p:spPr>
+      </p:pic>
+    </p:spTree>
+    <p:extLst>
+      <p:ext uri="{BB962C8B-B14F-4D97-AF65-F5344CB8AC3E}">
+        <p14:creationId xmlns:p14="http://schemas.microsoft.com/office/powerpoint/2010/main" val="89382703"/>
+      </p:ext>
+    </p:extLst>
+  </p:cSld>
+  <p:clrMapOvr>
+    <a:masterClrMapping/>
+  </p:clrMapOvr>
+  <p:timing>
+    <p:tnLst>
+      <p:par>
+        <p:cTn id="1" dur="indefinite" restart="never" nodeType="tmRoot"/>
+      </p:par>
+    </p:tnLst>
+  </p:timing>
+</p:sld>
+</file>
+
+<file path=ppt/slides/slide6.xml><?xml version="1.0" encoding="utf-8"?>
+<p:sld xmlns:a="http://schemas.openxmlformats.org/drawingml/2006/main" xmlns:r="http://schemas.openxmlformats.org/officeDocument/2006/relationships" xmlns:p="http://schemas.openxmlformats.org/presentationml/2006/main">
+  <p:cSld>
+    <p:spTree>
+      <p:nvGrpSpPr>
+        <p:cNvPr id="1" name=""/>
+        <p:cNvGrpSpPr/>
+        <p:nvPr/>
+      </p:nvGrpSpPr>
+      <p:grpSpPr>
+        <a:xfrm>
+          <a:off x="0" y="0"/>
+          <a:ext cx="0" cy="0"/>
+          <a:chOff x="0" y="0"/>
+          <a:chExt cx="0" cy="0"/>
+        </a:xfrm>
+      </p:grpSpPr>
+      <p:sp>
+        <p:nvSpPr>
+          <p:cNvPr id="27" name="TextBox 26"/>
+          <p:cNvSpPr txBox="1"/>
+          <p:nvPr/>
+        </p:nvSpPr>
+        <p:spPr>
+          <a:xfrm>
+            <a:off x="0" y="0"/>
+            <a:ext cx="6858000" cy="861774"/>
+          </a:xfrm>
+          <a:prstGeom prst="rect">
+            <a:avLst/>
+          </a:prstGeom>
+          <a:noFill/>
+        </p:spPr>
+        <p:txBody>
+          <a:bodyPr wrap="square" rtlCol="0">
+            <a:spAutoFit/>
+          </a:bodyPr>
+          <a:lstStyle/>
+          <a:p>
+            <a:pPr algn="ctr"/>
+            <a:r>
+              <a:rPr lang="en-US" sz="3200" b="1" dirty="0" smtClean="0">
+                <a:effectLst>
+                  <a:outerShdw blurRad="38100" dist="38100" dir="2700000" algn="tl">
+                    <a:srgbClr val="000000">
+                      <a:alpha val="43137"/>
+                    </a:srgbClr>
+                  </a:outerShdw>
+                </a:effectLst>
+              </a:rPr>
+              <a:t>Templates </a:t>
+            </a:r>
+          </a:p>
+          <a:p>
+            <a:pPr algn="ctr"/>
+            <a:r>
+              <a:rPr lang="en-US" dirty="0" smtClean="0">
+                <a:effectLst>
+                  <a:outerShdw blurRad="38100" dist="38100" dir="2700000" algn="tl">
+                    <a:srgbClr val="000000">
+                      <a:alpha val="43137"/>
+                    </a:srgbClr>
+                  </a:outerShdw>
+                </a:effectLst>
+              </a:rPr>
+              <a:t>Religious </a:t>
+            </a:r>
+            <a:r>
+              <a:rPr lang="en-US" dirty="0">
+                <a:effectLst>
+                  <a:outerShdw blurRad="38100" dist="38100" dir="2700000" algn="tl">
+                    <a:srgbClr val="000000">
+                      <a:alpha val="43137"/>
+                    </a:srgbClr>
+                  </a:outerShdw>
+                </a:effectLst>
+              </a:rPr>
+              <a:t>Structure and Holy Sites</a:t>
+            </a:r>
+          </a:p>
+        </p:txBody>
+      </p:sp>
+      <p:sp>
+        <p:nvSpPr>
+          <p:cNvPr id="32" name="TextBox 26"/>
+          <p:cNvSpPr txBox="1"/>
+          <p:nvPr/>
+        </p:nvSpPr>
+        <p:spPr>
+          <a:xfrm>
+            <a:off x="0" y="4215825"/>
+            <a:ext cx="6858000" cy="584775"/>
+          </a:xfrm>
+          <a:prstGeom prst="rect">
+            <a:avLst/>
+          </a:prstGeom>
+          <a:noFill/>
+        </p:spPr>
+        <p:txBody>
+          <a:bodyPr wrap="square" rtlCol="0">
+            <a:spAutoFit/>
+          </a:bodyPr>
+          <a:lstStyle/>
+          <a:p>
+            <a:pPr algn="ctr"/>
+            <a:r>
+              <a:rPr lang="en-US" sz="3200" b="1" dirty="0" smtClean="0">
+                <a:effectLst>
+                  <a:outerShdw blurRad="38100" dist="38100" dir="2700000" algn="tl">
+                    <a:srgbClr val="000000">
+                      <a:alpha val="43137"/>
+                    </a:srgbClr>
+                  </a:outerShdw>
+                </a:effectLst>
+              </a:rPr>
+              <a:t>Partial Map</a:t>
+            </a:r>
+          </a:p>
+        </p:txBody>
+      </p:sp>
+    </p:spTree>
+    <p:extLst>
+      <p:ext uri="{BB962C8B-B14F-4D97-AF65-F5344CB8AC3E}">
+        <p14:creationId xmlns:p14="http://schemas.microsoft.com/office/powerpoint/2010/main" val="1490655738"/>
+      </p:ext>
+    </p:extLst>
+  </p:cSld>
+  <p:clrMapOvr>
+    <a:masterClrMapping/>
+  </p:clrMapOvr>
+  <p:timing>
+    <p:tnLst>
+      <p:par>
+        <p:cTn id="1" dur="indefinite" restart="never" nodeType="tmRoot"/>
+      </p:par>
+    </p:tnLst>
+  </p:timing>
+</p:sld>
+</file>
+
+<file path=ppt/slides/slide7.xml><?xml version="1.0" encoding="utf-8"?>
+<p:sld xmlns:a="http://schemas.openxmlformats.org/drawingml/2006/main" xmlns:r="http://schemas.openxmlformats.org/officeDocument/2006/relationships" xmlns:p="http://schemas.openxmlformats.org/presentationml/2006/main">
+  <p:cSld>
+    <p:spTree>
+      <p:nvGrpSpPr>
+        <p:cNvPr id="1" name=""/>
+        <p:cNvGrpSpPr/>
+        <p:nvPr/>
+      </p:nvGrpSpPr>
+      <p:grpSpPr>
+        <a:xfrm>
+          <a:off x="0" y="0"/>
+          <a:ext cx="0" cy="0"/>
+          <a:chOff x="0" y="0"/>
+          <a:chExt cx="0" cy="0"/>
+        </a:xfrm>
+      </p:grpSpPr>
+      <p:sp>
+        <p:nvSpPr>
+          <p:cNvPr id="23" name="Sun 22"/>
+          <p:cNvSpPr/>
+          <p:nvPr/>
+        </p:nvSpPr>
+        <p:spPr>
+          <a:xfrm>
+            <a:off x="279401" y="838200"/>
+            <a:ext cx="217100" cy="217100"/>
+          </a:xfrm>
+          <a:prstGeom prst="sun">
+            <a:avLst/>
+          </a:prstGeom>
+          <a:solidFill>
+            <a:srgbClr val="FF0000"/>
+          </a:solidFill>
+          <a:ln w="12700">
+            <a:solidFill>
+              <a:srgbClr val="FF0000"/>
+            </a:solidFill>
+          </a:ln>
+        </p:spPr>
+        <p:style>
+          <a:lnRef idx="2">
+            <a:schemeClr val="accent1">
+              <a:shade val="50000"/>
+            </a:schemeClr>
+          </a:lnRef>
+          <a:fillRef idx="1">
+            <a:schemeClr val="accent1"/>
+          </a:fillRef>
+          <a:effectRef idx="0">
+            <a:schemeClr val="accent1"/>
+          </a:effectRef>
+          <a:fontRef idx="minor">
+            <a:schemeClr val="lt1"/>
+          </a:fontRef>
+        </p:style>
+        <p:txBody>
+          <a:bodyPr rtlCol="0" anchor="ctr"/>
+          <a:lstStyle/>
+          <a:p>
+            <a:pPr algn="ctr"/>
+            <a:endParaRPr lang="en-US" sz="800">
+              <a:solidFill>
+                <a:schemeClr val="tx1"/>
+              </a:solidFill>
+            </a:endParaRPr>
+          </a:p>
+        </p:txBody>
+      </p:sp>
+      <p:sp>
+        <p:nvSpPr>
+          <p:cNvPr id="24" name="TextBox 23"/>
+          <p:cNvSpPr txBox="1"/>
+          <p:nvPr/>
+        </p:nvSpPr>
+        <p:spPr>
+          <a:xfrm>
+            <a:off x="521901" y="877499"/>
+            <a:ext cx="833562" cy="138499"/>
+          </a:xfrm>
+          <a:prstGeom prst="rect">
+            <a:avLst/>
+          </a:prstGeom>
+          <a:solidFill>
+            <a:schemeClr val="bg1">
+              <a:alpha val="70000"/>
+            </a:schemeClr>
+          </a:solidFill>
+        </p:spPr>
+        <p:txBody>
+          <a:bodyPr wrap="none" lIns="0" tIns="0" rIns="0" bIns="0" rtlCol="0" anchor="ctr" anchorCtr="1">
+            <a:spAutoFit/>
+          </a:bodyPr>
+          <a:lstStyle/>
+          <a:p>
+            <a:r>
+              <a:rPr lang="en-US" sz="900" b="1" dirty="0" smtClean="0"/>
+              <a:t>Shared Holy Sites</a:t>
+            </a:r>
+            <a:endParaRPr lang="en-US" sz="900" b="1" dirty="0"/>
+          </a:p>
+        </p:txBody>
+      </p:sp>
+      <p:sp>
+        <p:nvSpPr>
+          <p:cNvPr id="25" name="Sun 24"/>
+          <p:cNvSpPr/>
+          <p:nvPr/>
+        </p:nvSpPr>
+        <p:spPr>
+          <a:xfrm>
+            <a:off x="2514600" y="1104097"/>
+            <a:ext cx="217100" cy="217100"/>
+          </a:xfrm>
+          <a:prstGeom prst="sun">
+            <a:avLst/>
+          </a:prstGeom>
+          <a:solidFill>
+            <a:schemeClr val="bg1"/>
+          </a:solidFill>
+          <a:ln w="15875">
+            <a:solidFill>
+              <a:srgbClr val="FF0000"/>
+            </a:solidFill>
+          </a:ln>
+        </p:spPr>
+        <p:style>
+          <a:lnRef idx="2">
+            <a:schemeClr val="accent1">
+              <a:shade val="50000"/>
+            </a:schemeClr>
+          </a:lnRef>
+          <a:fillRef idx="1">
+            <a:schemeClr val="accent1"/>
+          </a:fillRef>
+          <a:effectRef idx="0">
+            <a:schemeClr val="accent1"/>
+          </a:effectRef>
+          <a:fontRef idx="minor">
+            <a:schemeClr val="lt1"/>
+          </a:fontRef>
+        </p:style>
+        <p:txBody>
+          <a:bodyPr rtlCol="0" anchor="ctr"/>
+          <a:lstStyle/>
+          <a:p>
+            <a:pPr algn="ctr"/>
+            <a:r>
+              <a:rPr lang="en-US" sz="800" b="1" smtClean="0">
+                <a:solidFill>
+                  <a:schemeClr val="tx1"/>
+                </a:solidFill>
+              </a:rPr>
+              <a:t>1</a:t>
+            </a:r>
+            <a:endParaRPr lang="en-US" sz="800" b="1">
+              <a:solidFill>
+                <a:schemeClr val="tx1"/>
+              </a:solidFill>
+            </a:endParaRPr>
+          </a:p>
+        </p:txBody>
+      </p:sp>
+      <p:sp>
+        <p:nvSpPr>
+          <p:cNvPr id="26" name="TextBox 25"/>
+          <p:cNvSpPr txBox="1"/>
+          <p:nvPr/>
+        </p:nvSpPr>
+        <p:spPr>
+          <a:xfrm>
+            <a:off x="2757099" y="1143398"/>
+            <a:ext cx="389530" cy="138499"/>
+          </a:xfrm>
+          <a:prstGeom prst="rect">
+            <a:avLst/>
+          </a:prstGeom>
+          <a:solidFill>
+            <a:schemeClr val="bg1">
+              <a:alpha val="70000"/>
+            </a:schemeClr>
+          </a:solidFill>
+        </p:spPr>
+        <p:txBody>
+          <a:bodyPr wrap="none" lIns="0" tIns="0" rIns="0" bIns="0" rtlCol="0" anchor="ctr" anchorCtr="1">
+            <a:spAutoFit/>
+          </a:bodyPr>
+          <a:lstStyle/>
+          <a:p>
+            <a:r>
+              <a:rPr lang="en-US" sz="900" b="1" dirty="0" smtClean="0"/>
+              <a:t>Catholic</a:t>
+            </a:r>
+            <a:endParaRPr lang="en-US" sz="900" b="1" dirty="0"/>
+          </a:p>
+        </p:txBody>
+      </p:sp>
+      <p:sp>
+        <p:nvSpPr>
+          <p:cNvPr id="30" name="Sun 29"/>
+          <p:cNvSpPr/>
+          <p:nvPr/>
+        </p:nvSpPr>
+        <p:spPr>
+          <a:xfrm>
+            <a:off x="279401" y="1602432"/>
+            <a:ext cx="217100" cy="217100"/>
+          </a:xfrm>
+          <a:prstGeom prst="sun">
+            <a:avLst/>
+          </a:prstGeom>
+          <a:solidFill>
+            <a:schemeClr val="bg1"/>
+          </a:solidFill>
+          <a:ln w="9525">
+            <a:solidFill>
+              <a:srgbClr val="FF0000"/>
+            </a:solidFill>
+          </a:ln>
+        </p:spPr>
+        <p:style>
+          <a:lnRef idx="2">
+            <a:schemeClr val="accent1">
+              <a:shade val="50000"/>
+            </a:schemeClr>
+          </a:lnRef>
+          <a:fillRef idx="1">
+            <a:schemeClr val="accent1"/>
+          </a:fillRef>
+          <a:effectRef idx="0">
+            <a:schemeClr val="accent1"/>
+          </a:effectRef>
+          <a:fontRef idx="minor">
+            <a:schemeClr val="lt1"/>
+          </a:fontRef>
+        </p:style>
+        <p:txBody>
+          <a:bodyPr rtlCol="0" anchor="ctr"/>
+          <a:lstStyle/>
+          <a:p>
+            <a:pPr algn="ctr"/>
+            <a:r>
+              <a:rPr lang="en-US" sz="800" b="1" dirty="0" smtClean="0">
+                <a:solidFill>
+                  <a:schemeClr val="tx1"/>
+                </a:solidFill>
+              </a:rPr>
+              <a:t>2</a:t>
+            </a:r>
+            <a:endParaRPr lang="en-US" sz="800" b="1" dirty="0">
+              <a:solidFill>
+                <a:schemeClr val="tx1"/>
+              </a:solidFill>
+            </a:endParaRPr>
+          </a:p>
+        </p:txBody>
+      </p:sp>
+      <p:sp>
+        <p:nvSpPr>
+          <p:cNvPr id="31" name="TextBox 30"/>
+          <p:cNvSpPr txBox="1"/>
+          <p:nvPr/>
+        </p:nvSpPr>
+        <p:spPr>
+          <a:xfrm>
+            <a:off x="496501" y="1641733"/>
+            <a:ext cx="238330" cy="138499"/>
+          </a:xfrm>
+          <a:prstGeom prst="rect">
+            <a:avLst/>
+          </a:prstGeom>
+          <a:solidFill>
+            <a:schemeClr val="bg1">
+              <a:alpha val="70000"/>
+            </a:schemeClr>
+          </a:solidFill>
+        </p:spPr>
+        <p:txBody>
+          <a:bodyPr wrap="none" lIns="36000" tIns="0" rIns="0" bIns="0" rtlCol="0" anchor="ctr" anchorCtr="1">
+            <a:spAutoFit/>
+          </a:bodyPr>
+          <a:lstStyle/>
+          <a:p>
+            <a:r>
+              <a:rPr lang="en-US" sz="900" dirty="0" smtClean="0"/>
+              <a:t>Text</a:t>
+            </a:r>
+            <a:endParaRPr lang="en-US" sz="900" dirty="0"/>
+          </a:p>
+        </p:txBody>
+      </p:sp>
+      <p:sp>
+        <p:nvSpPr>
+          <p:cNvPr id="27" name="TextBox 26"/>
+          <p:cNvSpPr txBox="1"/>
+          <p:nvPr/>
+        </p:nvSpPr>
+        <p:spPr>
+          <a:xfrm>
+            <a:off x="0" y="0"/>
+            <a:ext cx="6858000" cy="861774"/>
+          </a:xfrm>
+          <a:prstGeom prst="rect">
+            <a:avLst/>
+          </a:prstGeom>
+          <a:noFill/>
+        </p:spPr>
+        <p:txBody>
+          <a:bodyPr wrap="square" rtlCol="0">
+            <a:spAutoFit/>
+          </a:bodyPr>
+          <a:lstStyle/>
+          <a:p>
+            <a:pPr algn="ctr"/>
+            <a:r>
+              <a:rPr lang="en-US" sz="3200" b="1" dirty="0" smtClean="0">
+                <a:effectLst>
+                  <a:outerShdw blurRad="38100" dist="38100" dir="2700000" algn="tl">
+                    <a:srgbClr val="000000">
+                      <a:alpha val="43137"/>
+                    </a:srgbClr>
+                  </a:outerShdw>
+                </a:effectLst>
+              </a:rPr>
+              <a:t>Template (Western)</a:t>
+            </a:r>
+          </a:p>
+          <a:p>
+            <a:pPr algn="ctr"/>
+            <a:r>
+              <a:rPr lang="en-US" dirty="0">
+                <a:effectLst>
+                  <a:outerShdw blurRad="38100" dist="38100" dir="2700000" algn="tl">
+                    <a:srgbClr val="000000">
+                      <a:alpha val="43137"/>
+                    </a:srgbClr>
+                  </a:outerShdw>
+                </a:effectLst>
+              </a:rPr>
+              <a:t>Religious Structure and Holy Sites</a:t>
+            </a:r>
+          </a:p>
+        </p:txBody>
+      </p:sp>
+      <p:sp>
+        <p:nvSpPr>
+          <p:cNvPr id="44" name="Sun 43"/>
+          <p:cNvSpPr/>
+          <p:nvPr/>
+        </p:nvSpPr>
+        <p:spPr>
+          <a:xfrm>
+            <a:off x="1638301" y="1602432"/>
+            <a:ext cx="217100" cy="217100"/>
+          </a:xfrm>
+          <a:prstGeom prst="sun">
+            <a:avLst/>
+          </a:prstGeom>
+          <a:solidFill>
+            <a:schemeClr val="bg1"/>
+          </a:solidFill>
+          <a:ln w="9525">
+            <a:solidFill>
+              <a:srgbClr val="FF0000"/>
+            </a:solidFill>
+          </a:ln>
+        </p:spPr>
+        <p:style>
+          <a:lnRef idx="2">
+            <a:schemeClr val="accent1">
+              <a:shade val="50000"/>
+            </a:schemeClr>
+          </a:lnRef>
+          <a:fillRef idx="1">
+            <a:schemeClr val="accent1"/>
+          </a:fillRef>
+          <a:effectRef idx="0">
+            <a:schemeClr val="accent1"/>
+          </a:effectRef>
+          <a:fontRef idx="minor">
+            <a:schemeClr val="lt1"/>
+          </a:fontRef>
+        </p:style>
+        <p:txBody>
+          <a:bodyPr rtlCol="0" anchor="ctr"/>
+          <a:lstStyle/>
+          <a:p>
+            <a:pPr algn="ctr"/>
+            <a:r>
+              <a:rPr lang="en-US" sz="800" b="1" dirty="0" smtClean="0">
+                <a:solidFill>
+                  <a:schemeClr val="tx1"/>
+                </a:solidFill>
+              </a:rPr>
+              <a:t>3</a:t>
+            </a:r>
+            <a:endParaRPr lang="en-US" sz="800" b="1" dirty="0">
+              <a:solidFill>
+                <a:schemeClr val="tx1"/>
+              </a:solidFill>
+            </a:endParaRPr>
+          </a:p>
+        </p:txBody>
+      </p:sp>
+      <p:sp>
+        <p:nvSpPr>
+          <p:cNvPr id="45" name="TextBox 44"/>
+          <p:cNvSpPr txBox="1"/>
+          <p:nvPr/>
+        </p:nvSpPr>
+        <p:spPr>
+          <a:xfrm>
+            <a:off x="1855401" y="1641733"/>
+            <a:ext cx="243139" cy="138499"/>
+          </a:xfrm>
+          <a:prstGeom prst="rect">
+            <a:avLst/>
+          </a:prstGeom>
+          <a:solidFill>
+            <a:schemeClr val="bg1">
+              <a:alpha val="70000"/>
+            </a:schemeClr>
+          </a:solidFill>
+        </p:spPr>
+        <p:txBody>
+          <a:bodyPr wrap="none" lIns="36000" tIns="0" rIns="0" bIns="0" rtlCol="0" anchor="ctr" anchorCtr="1">
+            <a:spAutoFit/>
+          </a:bodyPr>
+          <a:lstStyle/>
+          <a:p>
+            <a:r>
+              <a:rPr lang="en-US" sz="900" b="1" i="1" dirty="0">
+                <a:solidFill>
+                  <a:srgbClr val="C00000"/>
+                </a:solidFill>
+              </a:rPr>
+              <a:t>Text</a:t>
+            </a:r>
+          </a:p>
+        </p:txBody>
+      </p:sp>
+      <p:sp>
+        <p:nvSpPr>
+          <p:cNvPr id="2" name="TextBox 1"/>
+          <p:cNvSpPr txBox="1"/>
+          <p:nvPr/>
+        </p:nvSpPr>
+        <p:spPr>
+          <a:xfrm>
+            <a:off x="279401" y="1097231"/>
+            <a:ext cx="1928464" cy="230832"/>
+          </a:xfrm>
+          <a:prstGeom prst="rect">
+            <a:avLst/>
+          </a:prstGeom>
+          <a:noFill/>
+        </p:spPr>
+        <p:txBody>
+          <a:bodyPr wrap="none" lIns="36000" rIns="36000" rtlCol="0">
+            <a:spAutoFit/>
+          </a:bodyPr>
+          <a:lstStyle>
+            <a:defPPr>
+              <a:defRPr lang="en-US"/>
+            </a:defPPr>
+            <a:lvl1pPr>
+              <a:defRPr sz="900" b="1" u="sng"/>
+            </a:lvl1pPr>
+          </a:lstStyle>
+          <a:p>
+            <a:r>
+              <a:rPr lang="en-US" dirty="0"/>
+              <a:t>Mainstream Religion and its Heresies:</a:t>
+            </a:r>
+          </a:p>
+        </p:txBody>
+      </p:sp>
+      <p:sp>
+        <p:nvSpPr>
+          <p:cNvPr id="35" name="TextBox 34"/>
+          <p:cNvSpPr txBox="1"/>
+          <p:nvPr/>
+        </p:nvSpPr>
+        <p:spPr>
+          <a:xfrm>
+            <a:off x="3558540" y="1143398"/>
+            <a:ext cx="1181414" cy="138499"/>
+          </a:xfrm>
+          <a:prstGeom prst="rect">
+            <a:avLst/>
+          </a:prstGeom>
+          <a:solidFill>
+            <a:schemeClr val="bg1">
+              <a:alpha val="70000"/>
+            </a:schemeClr>
+          </a:solidFill>
+        </p:spPr>
+        <p:txBody>
+          <a:bodyPr wrap="none" lIns="0" tIns="0" rIns="0" bIns="0" rtlCol="0" anchor="ctr" anchorCtr="1">
+            <a:spAutoFit/>
+          </a:bodyPr>
+          <a:lstStyle/>
+          <a:p>
+            <a:r>
+              <a:rPr lang="en-US" sz="900" b="1" u="sng" dirty="0" smtClean="0"/>
+              <a:t>Heresies</a:t>
+            </a:r>
+            <a:r>
+              <a:rPr lang="en-US" sz="900" b="1" dirty="0" smtClean="0"/>
+              <a:t>: </a:t>
+            </a:r>
+            <a:r>
+              <a:rPr lang="en-US" sz="900" dirty="0" smtClean="0"/>
+              <a:t>Text, Text, </a:t>
+            </a:r>
+            <a:r>
+              <a:rPr lang="en-US" sz="900" b="1" i="1" dirty="0">
+                <a:solidFill>
+                  <a:srgbClr val="C00000"/>
+                </a:solidFill>
+              </a:rPr>
+              <a:t>Text</a:t>
+            </a:r>
+          </a:p>
+        </p:txBody>
+      </p:sp>
+      <p:sp>
+        <p:nvSpPr>
+          <p:cNvPr id="38" name="TextBox 37"/>
+          <p:cNvSpPr txBox="1"/>
+          <p:nvPr/>
+        </p:nvSpPr>
+        <p:spPr>
+          <a:xfrm>
+            <a:off x="279401" y="1371600"/>
+            <a:ext cx="1218851" cy="230832"/>
+          </a:xfrm>
+          <a:prstGeom prst="rect">
+            <a:avLst/>
+          </a:prstGeom>
+          <a:noFill/>
+        </p:spPr>
+        <p:txBody>
+          <a:bodyPr wrap="none" lIns="36000" rIns="36000" rtlCol="0">
+            <a:spAutoFit/>
+          </a:bodyPr>
+          <a:lstStyle/>
+          <a:p>
+            <a:r>
+              <a:rPr lang="en-US" sz="900" b="1" u="sng" dirty="0" smtClean="0"/>
+              <a:t>Autonomous Religions: </a:t>
+            </a:r>
+            <a:endParaRPr lang="en-US" sz="900" b="1" u="sng" dirty="0"/>
+          </a:p>
+        </p:txBody>
+      </p:sp>
+      <p:sp>
+        <p:nvSpPr>
+          <p:cNvPr id="39" name="Sun 38"/>
+          <p:cNvSpPr/>
+          <p:nvPr/>
+        </p:nvSpPr>
+        <p:spPr>
+          <a:xfrm>
+            <a:off x="2997201" y="1602432"/>
+            <a:ext cx="217100" cy="217100"/>
+          </a:xfrm>
+          <a:prstGeom prst="sun">
+            <a:avLst/>
+          </a:prstGeom>
+          <a:solidFill>
+            <a:schemeClr val="bg1"/>
+          </a:solidFill>
+          <a:ln w="9525">
+            <a:solidFill>
+              <a:srgbClr val="FF0000"/>
+            </a:solidFill>
+          </a:ln>
+        </p:spPr>
+        <p:style>
+          <a:lnRef idx="2">
+            <a:schemeClr val="accent1">
+              <a:shade val="50000"/>
+            </a:schemeClr>
+          </a:lnRef>
+          <a:fillRef idx="1">
+            <a:schemeClr val="accent1"/>
+          </a:fillRef>
+          <a:effectRef idx="0">
+            <a:schemeClr val="accent1"/>
+          </a:effectRef>
+          <a:fontRef idx="minor">
+            <a:schemeClr val="lt1"/>
+          </a:fontRef>
+        </p:style>
+        <p:txBody>
+          <a:bodyPr rtlCol="0" anchor="ctr"/>
+          <a:lstStyle/>
+          <a:p>
+            <a:pPr algn="ctr"/>
+            <a:r>
+              <a:rPr lang="en-US" sz="800" b="1" dirty="0" smtClean="0">
+                <a:solidFill>
+                  <a:schemeClr val="tx1"/>
+                </a:solidFill>
+              </a:rPr>
+              <a:t>4</a:t>
+            </a:r>
+            <a:endParaRPr lang="en-US" sz="800" b="1" dirty="0">
+              <a:solidFill>
+                <a:schemeClr val="tx1"/>
+              </a:solidFill>
+            </a:endParaRPr>
+          </a:p>
+        </p:txBody>
+      </p:sp>
+      <p:sp>
+        <p:nvSpPr>
+          <p:cNvPr id="50" name="TextBox 49"/>
+          <p:cNvSpPr txBox="1"/>
+          <p:nvPr/>
+        </p:nvSpPr>
+        <p:spPr>
+          <a:xfrm>
+            <a:off x="3214300" y="1641733"/>
+            <a:ext cx="238330" cy="138499"/>
+          </a:xfrm>
+          <a:prstGeom prst="rect">
+            <a:avLst/>
+          </a:prstGeom>
+          <a:solidFill>
+            <a:schemeClr val="bg1">
+              <a:alpha val="70000"/>
+            </a:schemeClr>
+          </a:solidFill>
+        </p:spPr>
+        <p:txBody>
+          <a:bodyPr wrap="none" lIns="36000" tIns="0" rIns="0" bIns="0" rtlCol="0" anchor="ctr" anchorCtr="1">
+            <a:spAutoFit/>
+          </a:bodyPr>
+          <a:lstStyle/>
+          <a:p>
+            <a:r>
+              <a:rPr lang="en-US" sz="900" dirty="0" smtClean="0"/>
+              <a:t>Text</a:t>
+            </a:r>
+            <a:endParaRPr lang="en-US" sz="900" dirty="0"/>
+          </a:p>
+        </p:txBody>
+      </p:sp>
+      <p:sp>
+        <p:nvSpPr>
+          <p:cNvPr id="51" name="Sun 50"/>
+          <p:cNvSpPr/>
+          <p:nvPr/>
+        </p:nvSpPr>
+        <p:spPr>
+          <a:xfrm>
+            <a:off x="4356101" y="1602432"/>
+            <a:ext cx="217100" cy="217100"/>
+          </a:xfrm>
+          <a:prstGeom prst="sun">
+            <a:avLst/>
+          </a:prstGeom>
+          <a:solidFill>
+            <a:schemeClr val="bg1"/>
+          </a:solidFill>
+          <a:ln w="9525">
+            <a:solidFill>
+              <a:srgbClr val="FF0000"/>
+            </a:solidFill>
+          </a:ln>
+        </p:spPr>
+        <p:style>
+          <a:lnRef idx="2">
+            <a:schemeClr val="accent1">
+              <a:shade val="50000"/>
+            </a:schemeClr>
+          </a:lnRef>
+          <a:fillRef idx="1">
+            <a:schemeClr val="accent1"/>
+          </a:fillRef>
+          <a:effectRef idx="0">
+            <a:schemeClr val="accent1"/>
+          </a:effectRef>
+          <a:fontRef idx="minor">
+            <a:schemeClr val="lt1"/>
+          </a:fontRef>
+        </p:style>
+        <p:txBody>
+          <a:bodyPr rtlCol="0" anchor="ctr"/>
+          <a:lstStyle/>
+          <a:p>
+            <a:pPr algn="ctr"/>
+            <a:r>
+              <a:rPr lang="en-US" sz="800" b="1" dirty="0" smtClean="0">
+                <a:solidFill>
+                  <a:schemeClr val="tx1"/>
+                </a:solidFill>
+              </a:rPr>
+              <a:t>5</a:t>
+            </a:r>
+            <a:endParaRPr lang="en-US" sz="800" b="1" dirty="0">
+              <a:solidFill>
+                <a:schemeClr val="tx1"/>
+              </a:solidFill>
+            </a:endParaRPr>
+          </a:p>
+        </p:txBody>
+      </p:sp>
+      <p:sp>
+        <p:nvSpPr>
+          <p:cNvPr id="60" name="Sun 59"/>
+          <p:cNvSpPr/>
+          <p:nvPr/>
+        </p:nvSpPr>
+        <p:spPr>
+          <a:xfrm>
+            <a:off x="5715000" y="1602432"/>
+            <a:ext cx="217100" cy="217100"/>
+          </a:xfrm>
+          <a:prstGeom prst="sun">
+            <a:avLst/>
+          </a:prstGeom>
+          <a:solidFill>
+            <a:schemeClr val="bg1"/>
+          </a:solidFill>
+          <a:ln w="9525">
+            <a:solidFill>
+              <a:srgbClr val="FF0000"/>
+            </a:solidFill>
+          </a:ln>
+        </p:spPr>
+        <p:style>
+          <a:lnRef idx="2">
+            <a:schemeClr val="accent1">
+              <a:shade val="50000"/>
+            </a:schemeClr>
+          </a:lnRef>
+          <a:fillRef idx="1">
+            <a:schemeClr val="accent1"/>
+          </a:fillRef>
+          <a:effectRef idx="0">
+            <a:schemeClr val="accent1"/>
+          </a:effectRef>
+          <a:fontRef idx="minor">
+            <a:schemeClr val="lt1"/>
+          </a:fontRef>
+        </p:style>
+        <p:txBody>
+          <a:bodyPr rtlCol="0" anchor="ctr"/>
+          <a:lstStyle/>
+          <a:p>
+            <a:pPr algn="ctr"/>
+            <a:r>
+              <a:rPr lang="en-US" sz="800" b="1" dirty="0" smtClean="0">
+                <a:solidFill>
+                  <a:schemeClr val="tx1"/>
+                </a:solidFill>
+              </a:rPr>
+              <a:t>6</a:t>
+            </a:r>
+            <a:endParaRPr lang="en-US" sz="800" b="1" dirty="0">
+              <a:solidFill>
+                <a:schemeClr val="tx1"/>
+              </a:solidFill>
+            </a:endParaRPr>
+          </a:p>
+        </p:txBody>
+      </p:sp>
+      <p:sp>
+        <p:nvSpPr>
+          <p:cNvPr id="62" name="TextBox 61"/>
+          <p:cNvSpPr txBox="1"/>
+          <p:nvPr/>
+        </p:nvSpPr>
+        <p:spPr>
+          <a:xfrm>
+            <a:off x="4573201" y="1641733"/>
+            <a:ext cx="238330" cy="138499"/>
+          </a:xfrm>
+          <a:prstGeom prst="rect">
+            <a:avLst/>
+          </a:prstGeom>
+          <a:solidFill>
+            <a:schemeClr val="bg1">
+              <a:alpha val="70000"/>
+            </a:schemeClr>
+          </a:solidFill>
+        </p:spPr>
+        <p:txBody>
+          <a:bodyPr wrap="none" lIns="36000" tIns="0" rIns="0" bIns="0" rtlCol="0" anchor="ctr" anchorCtr="1">
+            <a:spAutoFit/>
+          </a:bodyPr>
+          <a:lstStyle/>
+          <a:p>
+            <a:r>
+              <a:rPr lang="en-US" sz="900" dirty="0" smtClean="0"/>
+              <a:t>Text</a:t>
+            </a:r>
+            <a:endParaRPr lang="en-US" sz="900" dirty="0"/>
+          </a:p>
+        </p:txBody>
+      </p:sp>
+      <p:sp>
+        <p:nvSpPr>
+          <p:cNvPr id="63" name="TextBox 62"/>
+          <p:cNvSpPr txBox="1"/>
+          <p:nvPr/>
+        </p:nvSpPr>
+        <p:spPr>
+          <a:xfrm>
+            <a:off x="5932102" y="1641733"/>
+            <a:ext cx="238330" cy="138499"/>
+          </a:xfrm>
+          <a:prstGeom prst="rect">
+            <a:avLst/>
+          </a:prstGeom>
+          <a:solidFill>
+            <a:schemeClr val="bg1">
+              <a:alpha val="70000"/>
+            </a:schemeClr>
+          </a:solidFill>
+        </p:spPr>
+        <p:txBody>
+          <a:bodyPr wrap="none" lIns="36000" tIns="0" rIns="0" bIns="0" rtlCol="0" anchor="ctr" anchorCtr="1">
+            <a:spAutoFit/>
+          </a:bodyPr>
+          <a:lstStyle/>
+          <a:p>
+            <a:r>
+              <a:rPr lang="en-US" sz="900" dirty="0" smtClean="0"/>
+              <a:t>Text</a:t>
+            </a:r>
+            <a:endParaRPr lang="en-US" sz="900" dirty="0"/>
+          </a:p>
+        </p:txBody>
+      </p:sp>
+      <p:sp>
+        <p:nvSpPr>
+          <p:cNvPr id="64" name="Sun 63"/>
+          <p:cNvSpPr/>
+          <p:nvPr/>
+        </p:nvSpPr>
+        <p:spPr>
+          <a:xfrm>
+            <a:off x="279401" y="1886020"/>
+            <a:ext cx="217100" cy="217100"/>
+          </a:xfrm>
+          <a:prstGeom prst="sun">
+            <a:avLst/>
+          </a:prstGeom>
+          <a:solidFill>
+            <a:schemeClr val="bg1"/>
+          </a:solidFill>
+          <a:ln w="9525">
+            <a:solidFill>
+              <a:srgbClr val="FF0000"/>
+            </a:solidFill>
+          </a:ln>
+        </p:spPr>
+        <p:style>
+          <a:lnRef idx="2">
+            <a:schemeClr val="accent1">
+              <a:shade val="50000"/>
+            </a:schemeClr>
+          </a:lnRef>
+          <a:fillRef idx="1">
+            <a:schemeClr val="accent1"/>
+          </a:fillRef>
+          <a:effectRef idx="0">
+            <a:schemeClr val="accent1"/>
+          </a:effectRef>
+          <a:fontRef idx="minor">
+            <a:schemeClr val="lt1"/>
+          </a:fontRef>
+        </p:style>
+        <p:txBody>
+          <a:bodyPr rtlCol="0" anchor="ctr"/>
+          <a:lstStyle/>
+          <a:p>
+            <a:pPr algn="ctr"/>
+            <a:r>
+              <a:rPr lang="en-US" sz="800" b="1" dirty="0" smtClean="0">
+                <a:solidFill>
+                  <a:schemeClr val="tx1"/>
+                </a:solidFill>
+              </a:rPr>
+              <a:t>7</a:t>
+            </a:r>
+            <a:endParaRPr lang="en-US" sz="800" b="1" dirty="0">
+              <a:solidFill>
+                <a:schemeClr val="tx1"/>
+              </a:solidFill>
+            </a:endParaRPr>
+          </a:p>
+        </p:txBody>
+      </p:sp>
+      <p:sp>
+        <p:nvSpPr>
+          <p:cNvPr id="65" name="TextBox 64"/>
+          <p:cNvSpPr txBox="1"/>
+          <p:nvPr/>
+        </p:nvSpPr>
+        <p:spPr>
+          <a:xfrm>
+            <a:off x="496501" y="1925321"/>
+            <a:ext cx="238330" cy="138499"/>
+          </a:xfrm>
+          <a:prstGeom prst="rect">
+            <a:avLst/>
+          </a:prstGeom>
+          <a:solidFill>
+            <a:schemeClr val="bg1">
+              <a:alpha val="70000"/>
+            </a:schemeClr>
+          </a:solidFill>
+        </p:spPr>
+        <p:txBody>
+          <a:bodyPr wrap="none" lIns="36000" tIns="0" rIns="0" bIns="0" rtlCol="0" anchor="ctr" anchorCtr="1">
+            <a:spAutoFit/>
+          </a:bodyPr>
+          <a:lstStyle/>
+          <a:p>
+            <a:r>
+              <a:rPr lang="en-US" sz="900" dirty="0" smtClean="0"/>
+              <a:t>Text</a:t>
+            </a:r>
+            <a:endParaRPr lang="en-US" sz="900" dirty="0"/>
+          </a:p>
+        </p:txBody>
+      </p:sp>
+      <p:sp>
+        <p:nvSpPr>
+          <p:cNvPr id="66" name="Sun 65"/>
+          <p:cNvSpPr/>
+          <p:nvPr/>
+        </p:nvSpPr>
+        <p:spPr>
+          <a:xfrm>
+            <a:off x="1638301" y="1886020"/>
+            <a:ext cx="217100" cy="217100"/>
+          </a:xfrm>
+          <a:prstGeom prst="sun">
+            <a:avLst/>
+          </a:prstGeom>
+          <a:solidFill>
+            <a:schemeClr val="bg1"/>
+          </a:solidFill>
+          <a:ln w="9525">
+            <a:solidFill>
+              <a:srgbClr val="FF0000"/>
+            </a:solidFill>
+          </a:ln>
+        </p:spPr>
+        <p:style>
+          <a:lnRef idx="2">
+            <a:schemeClr val="accent1">
+              <a:shade val="50000"/>
+            </a:schemeClr>
+          </a:lnRef>
+          <a:fillRef idx="1">
+            <a:schemeClr val="accent1"/>
+          </a:fillRef>
+          <a:effectRef idx="0">
+            <a:schemeClr val="accent1"/>
+          </a:effectRef>
+          <a:fontRef idx="minor">
+            <a:schemeClr val="lt1"/>
+          </a:fontRef>
+        </p:style>
+        <p:txBody>
+          <a:bodyPr rtlCol="0" anchor="ctr"/>
+          <a:lstStyle/>
+          <a:p>
+            <a:pPr algn="ctr"/>
+            <a:r>
+              <a:rPr lang="en-US" sz="800" b="1" dirty="0" smtClean="0">
+                <a:solidFill>
+                  <a:schemeClr val="tx1"/>
+                </a:solidFill>
+              </a:rPr>
+              <a:t>8</a:t>
+            </a:r>
+            <a:endParaRPr lang="en-US" sz="800" b="1" dirty="0">
+              <a:solidFill>
+                <a:schemeClr val="tx1"/>
+              </a:solidFill>
+            </a:endParaRPr>
+          </a:p>
+        </p:txBody>
+      </p:sp>
+      <p:sp>
+        <p:nvSpPr>
+          <p:cNvPr id="67" name="TextBox 66"/>
+          <p:cNvSpPr txBox="1"/>
+          <p:nvPr/>
+        </p:nvSpPr>
+        <p:spPr>
+          <a:xfrm>
+            <a:off x="1855401" y="1925321"/>
+            <a:ext cx="238330" cy="138499"/>
+          </a:xfrm>
+          <a:prstGeom prst="rect">
+            <a:avLst/>
+          </a:prstGeom>
+          <a:solidFill>
+            <a:schemeClr val="bg1">
+              <a:alpha val="70000"/>
+            </a:schemeClr>
+          </a:solidFill>
+        </p:spPr>
+        <p:txBody>
+          <a:bodyPr wrap="none" lIns="36000" tIns="0" rIns="0" bIns="0" rtlCol="0" anchor="ctr" anchorCtr="1">
+            <a:spAutoFit/>
+          </a:bodyPr>
+          <a:lstStyle/>
+          <a:p>
+            <a:r>
+              <a:rPr lang="en-US" sz="900" dirty="0" smtClean="0"/>
+              <a:t>Text</a:t>
+            </a:r>
+            <a:endParaRPr lang="en-US" sz="900" dirty="0"/>
+          </a:p>
+        </p:txBody>
+      </p:sp>
+      <p:sp>
+        <p:nvSpPr>
+          <p:cNvPr id="68" name="Sun 67"/>
+          <p:cNvSpPr/>
+          <p:nvPr/>
+        </p:nvSpPr>
+        <p:spPr>
+          <a:xfrm>
+            <a:off x="2997201" y="1886020"/>
+            <a:ext cx="217100" cy="217100"/>
+          </a:xfrm>
+          <a:prstGeom prst="sun">
+            <a:avLst/>
+          </a:prstGeom>
+          <a:solidFill>
+            <a:schemeClr val="bg1"/>
+          </a:solidFill>
+          <a:ln w="9525">
+            <a:solidFill>
+              <a:srgbClr val="FF0000"/>
+            </a:solidFill>
+          </a:ln>
+        </p:spPr>
+        <p:style>
+          <a:lnRef idx="2">
+            <a:schemeClr val="accent1">
+              <a:shade val="50000"/>
+            </a:schemeClr>
+          </a:lnRef>
+          <a:fillRef idx="1">
+            <a:schemeClr val="accent1"/>
+          </a:fillRef>
+          <a:effectRef idx="0">
+            <a:schemeClr val="accent1"/>
+          </a:effectRef>
+          <a:fontRef idx="minor">
+            <a:schemeClr val="lt1"/>
+          </a:fontRef>
+        </p:style>
+        <p:txBody>
+          <a:bodyPr rtlCol="0" anchor="ctr"/>
+          <a:lstStyle/>
+          <a:p>
+            <a:pPr algn="ctr"/>
+            <a:r>
+              <a:rPr lang="en-US" sz="800" b="1" dirty="0" smtClean="0">
+                <a:solidFill>
+                  <a:schemeClr val="tx1"/>
+                </a:solidFill>
+              </a:rPr>
+              <a:t>9</a:t>
+            </a:r>
+            <a:endParaRPr lang="en-US" sz="800" b="1" dirty="0">
+              <a:solidFill>
+                <a:schemeClr val="tx1"/>
+              </a:solidFill>
+            </a:endParaRPr>
+          </a:p>
+        </p:txBody>
+      </p:sp>
+      <p:sp>
+        <p:nvSpPr>
+          <p:cNvPr id="69" name="TextBox 68"/>
+          <p:cNvSpPr txBox="1"/>
+          <p:nvPr/>
+        </p:nvSpPr>
+        <p:spPr>
+          <a:xfrm>
+            <a:off x="3214300" y="1925321"/>
+            <a:ext cx="238330" cy="138499"/>
+          </a:xfrm>
+          <a:prstGeom prst="rect">
+            <a:avLst/>
+          </a:prstGeom>
+          <a:solidFill>
+            <a:schemeClr val="bg1">
+              <a:alpha val="70000"/>
+            </a:schemeClr>
+          </a:solidFill>
+        </p:spPr>
+        <p:txBody>
+          <a:bodyPr wrap="none" lIns="36000" tIns="0" rIns="0" bIns="0" rtlCol="0" anchor="ctr" anchorCtr="1">
+            <a:spAutoFit/>
+          </a:bodyPr>
+          <a:lstStyle/>
+          <a:p>
+            <a:r>
+              <a:rPr lang="en-US" sz="900" dirty="0" smtClean="0"/>
+              <a:t>Text</a:t>
+            </a:r>
+            <a:endParaRPr lang="en-US" sz="900" dirty="0"/>
+          </a:p>
+        </p:txBody>
+      </p:sp>
+      <p:sp>
+        <p:nvSpPr>
+          <p:cNvPr id="70" name="Sun 69"/>
+          <p:cNvSpPr/>
+          <p:nvPr/>
+        </p:nvSpPr>
+        <p:spPr>
+          <a:xfrm>
+            <a:off x="4356101" y="1886020"/>
+            <a:ext cx="217100" cy="217100"/>
+          </a:xfrm>
+          <a:prstGeom prst="sun">
+            <a:avLst/>
+          </a:prstGeom>
+          <a:solidFill>
+            <a:schemeClr val="bg1"/>
+          </a:solidFill>
+          <a:ln w="9525">
+            <a:solidFill>
+              <a:srgbClr val="FF0000"/>
+            </a:solidFill>
+          </a:ln>
+        </p:spPr>
+        <p:style>
+          <a:lnRef idx="2">
+            <a:schemeClr val="accent1">
+              <a:shade val="50000"/>
+            </a:schemeClr>
+          </a:lnRef>
+          <a:fillRef idx="1">
+            <a:schemeClr val="accent1"/>
+          </a:fillRef>
+          <a:effectRef idx="0">
+            <a:schemeClr val="accent1"/>
+          </a:effectRef>
+          <a:fontRef idx="minor">
+            <a:schemeClr val="lt1"/>
+          </a:fontRef>
+        </p:style>
+        <p:txBody>
+          <a:bodyPr wrap="none" rtlCol="0" anchor="ctr"/>
+          <a:lstStyle/>
+          <a:p>
+            <a:pPr algn="ctr"/>
+            <a:r>
+              <a:rPr lang="en-US" sz="800" b="1" dirty="0" smtClean="0">
+                <a:solidFill>
+                  <a:schemeClr val="tx1"/>
+                </a:solidFill>
+              </a:rPr>
+              <a:t>10</a:t>
+            </a:r>
+            <a:endParaRPr lang="en-US" sz="800" b="1" dirty="0">
+              <a:solidFill>
+                <a:schemeClr val="tx1"/>
+              </a:solidFill>
+            </a:endParaRPr>
+          </a:p>
+        </p:txBody>
+      </p:sp>
+      <p:sp>
+        <p:nvSpPr>
+          <p:cNvPr id="71" name="Sun 70"/>
+          <p:cNvSpPr/>
+          <p:nvPr/>
+        </p:nvSpPr>
+        <p:spPr>
+          <a:xfrm>
+            <a:off x="5715000" y="1886020"/>
+            <a:ext cx="217100" cy="217100"/>
+          </a:xfrm>
+          <a:prstGeom prst="sun">
+            <a:avLst/>
+          </a:prstGeom>
+          <a:solidFill>
+            <a:schemeClr val="bg1"/>
+          </a:solidFill>
+          <a:ln w="9525">
+            <a:solidFill>
+              <a:srgbClr val="FF0000"/>
+            </a:solidFill>
+          </a:ln>
+        </p:spPr>
+        <p:style>
+          <a:lnRef idx="2">
+            <a:schemeClr val="accent1">
+              <a:shade val="50000"/>
+            </a:schemeClr>
+          </a:lnRef>
+          <a:fillRef idx="1">
+            <a:schemeClr val="accent1"/>
+          </a:fillRef>
+          <a:effectRef idx="0">
+            <a:schemeClr val="accent1"/>
+          </a:effectRef>
+          <a:fontRef idx="minor">
+            <a:schemeClr val="lt1"/>
+          </a:fontRef>
+        </p:style>
+        <p:txBody>
+          <a:bodyPr wrap="none" rtlCol="0" anchor="ctr"/>
+          <a:lstStyle/>
+          <a:p>
+            <a:pPr algn="ctr"/>
+            <a:r>
+              <a:rPr lang="en-US" sz="800" b="1" dirty="0" smtClean="0">
+                <a:solidFill>
+                  <a:schemeClr val="tx1"/>
+                </a:solidFill>
+              </a:rPr>
+              <a:t>11</a:t>
+            </a:r>
+            <a:endParaRPr lang="en-US" sz="800" b="1" dirty="0">
+              <a:solidFill>
+                <a:schemeClr val="tx1"/>
+              </a:solidFill>
+            </a:endParaRPr>
+          </a:p>
+        </p:txBody>
+      </p:sp>
+      <p:sp>
+        <p:nvSpPr>
+          <p:cNvPr id="72" name="TextBox 71"/>
+          <p:cNvSpPr txBox="1"/>
+          <p:nvPr/>
+        </p:nvSpPr>
+        <p:spPr>
+          <a:xfrm>
+            <a:off x="4573201" y="1925321"/>
+            <a:ext cx="238330" cy="138499"/>
+          </a:xfrm>
+          <a:prstGeom prst="rect">
+            <a:avLst/>
+          </a:prstGeom>
+          <a:solidFill>
+            <a:schemeClr val="bg1">
+              <a:alpha val="70000"/>
+            </a:schemeClr>
+          </a:solidFill>
+        </p:spPr>
+        <p:txBody>
+          <a:bodyPr wrap="none" lIns="36000" tIns="0" rIns="0" bIns="0" rtlCol="0" anchor="ctr" anchorCtr="1">
+            <a:spAutoFit/>
+          </a:bodyPr>
+          <a:lstStyle/>
+          <a:p>
+            <a:r>
+              <a:rPr lang="en-US" sz="900" dirty="0" smtClean="0"/>
+              <a:t>Text</a:t>
+            </a:r>
+            <a:endParaRPr lang="en-US" sz="900" dirty="0"/>
+          </a:p>
+        </p:txBody>
+      </p:sp>
+      <p:sp>
+        <p:nvSpPr>
+          <p:cNvPr id="73" name="TextBox 72"/>
+          <p:cNvSpPr txBox="1"/>
+          <p:nvPr/>
+        </p:nvSpPr>
+        <p:spPr>
+          <a:xfrm>
+            <a:off x="5932102" y="1925321"/>
+            <a:ext cx="238330" cy="138499"/>
+          </a:xfrm>
+          <a:prstGeom prst="rect">
+            <a:avLst/>
+          </a:prstGeom>
+          <a:solidFill>
+            <a:schemeClr val="bg1">
+              <a:alpha val="70000"/>
+            </a:schemeClr>
+          </a:solidFill>
+        </p:spPr>
+        <p:txBody>
+          <a:bodyPr wrap="none" lIns="36000" tIns="0" rIns="0" bIns="0" rtlCol="0" anchor="ctr" anchorCtr="1">
+            <a:spAutoFit/>
+          </a:bodyPr>
+          <a:lstStyle/>
+          <a:p>
+            <a:r>
+              <a:rPr lang="en-US" sz="900" dirty="0" smtClean="0"/>
+              <a:t>Text</a:t>
+            </a:r>
+            <a:endParaRPr lang="en-US" sz="900" dirty="0"/>
+          </a:p>
+        </p:txBody>
+      </p:sp>
+      <p:sp>
+        <p:nvSpPr>
+          <p:cNvPr id="40" name="TextBox 39"/>
+          <p:cNvSpPr txBox="1"/>
+          <p:nvPr/>
+        </p:nvSpPr>
+        <p:spPr>
+          <a:xfrm>
+            <a:off x="279401" y="2313801"/>
+            <a:ext cx="1432568" cy="276999"/>
+          </a:xfrm>
+          <a:prstGeom prst="rect">
+            <a:avLst/>
+          </a:prstGeom>
+          <a:solidFill>
+            <a:schemeClr val="bg1">
+              <a:alpha val="70000"/>
+            </a:schemeClr>
+          </a:solidFill>
+        </p:spPr>
+        <p:txBody>
+          <a:bodyPr wrap="none" lIns="36000" tIns="0" rIns="0" bIns="0" rtlCol="0" anchor="ctr" anchorCtr="1">
+            <a:spAutoFit/>
+          </a:bodyPr>
+          <a:lstStyle/>
+          <a:p>
+            <a:r>
+              <a:rPr lang="en-US" sz="900" b="1" i="1" dirty="0" smtClean="0">
+                <a:solidFill>
+                  <a:srgbClr val="C00000"/>
+                </a:solidFill>
+              </a:rPr>
+              <a:t>Religion</a:t>
+            </a:r>
+            <a:r>
+              <a:rPr lang="en-US" sz="900" dirty="0" smtClean="0"/>
+              <a:t>: unreformed religion</a:t>
+            </a:r>
+          </a:p>
+          <a:p>
+            <a:r>
+              <a:rPr lang="en-US" sz="900" dirty="0" smtClean="0"/>
+              <a:t>Religion: reformed religion</a:t>
+            </a:r>
+            <a:endParaRPr lang="en-US" sz="900" dirty="0"/>
+          </a:p>
+        </p:txBody>
+      </p:sp>
+      <p:pic>
+        <p:nvPicPr>
+          <p:cNvPr id="3" name="Image 2"/>
+          <p:cNvPicPr>
+            <a:picLocks noChangeAspect="1"/>
+          </p:cNvPicPr>
+          <p:nvPr/>
+        </p:nvPicPr>
+        <p:blipFill rotWithShape="1">
+          <a:blip r:embed="rId2" cstate="print">
+            <a:extLst>
+              <a:ext uri="{28A0092B-C50C-407E-A947-70E740481C1C}">
+                <a14:useLocalDpi xmlns:a14="http://schemas.microsoft.com/office/drawing/2010/main" val="0"/>
+              </a:ext>
+            </a:extLst>
+          </a:blip>
+          <a:srcRect r="28316"/>
+          <a:stretch/>
+        </p:blipFill>
+        <p:spPr>
+          <a:xfrm>
+            <a:off x="-1" y="2765970"/>
+            <a:ext cx="6858001" cy="6378030"/>
+          </a:xfrm>
+          <a:prstGeom prst="rect">
+            <a:avLst/>
+          </a:prstGeom>
+        </p:spPr>
+      </p:pic>
+    </p:spTree>
+    <p:extLst>
+      <p:ext uri="{BB962C8B-B14F-4D97-AF65-F5344CB8AC3E}">
+        <p14:creationId xmlns:p14="http://schemas.microsoft.com/office/powerpoint/2010/main" val="3067434396"/>
+      </p:ext>
+    </p:extLst>
+  </p:cSld>
+  <p:clrMapOvr>
+    <a:masterClrMapping/>
+  </p:clrMapOvr>
+  <p:timing>
+    <p:tnLst>
+      <p:par>
+        <p:cTn id="1" dur="indefinite" restart="never" nodeType="tmRoot"/>
+      </p:par>
+    </p:tnLst>
+  </p:timing>
+</p:sld>
+</file>
+
+<file path=ppt/slides/slide8.xml><?xml version="1.0" encoding="utf-8"?>
+<p:sld xmlns:a="http://schemas.openxmlformats.org/drawingml/2006/main" xmlns:r="http://schemas.openxmlformats.org/officeDocument/2006/relationships" xmlns:p="http://schemas.openxmlformats.org/presentationml/2006/main">
+  <p:cSld>
+    <p:spTree>
+      <p:nvGrpSpPr>
+        <p:cNvPr id="1" name=""/>
+        <p:cNvGrpSpPr/>
+        <p:nvPr/>
+      </p:nvGrpSpPr>
+      <p:grpSpPr>
+        <a:xfrm>
+          <a:off x="0" y="0"/>
+          <a:ext cx="0" cy="0"/>
+          <a:chOff x="0" y="0"/>
+          <a:chExt cx="0" cy="0"/>
+        </a:xfrm>
+      </p:grpSpPr>
+      <p:sp>
+        <p:nvSpPr>
+          <p:cNvPr id="23" name="Sun 22"/>
+          <p:cNvSpPr/>
+          <p:nvPr/>
+        </p:nvSpPr>
+        <p:spPr>
+          <a:xfrm>
+            <a:off x="279401" y="838200"/>
+            <a:ext cx="217100" cy="217100"/>
+          </a:xfrm>
+          <a:prstGeom prst="sun">
+            <a:avLst/>
+          </a:prstGeom>
+          <a:solidFill>
+            <a:srgbClr val="FF0000"/>
+          </a:solidFill>
+          <a:ln w="12700">
+            <a:solidFill>
+              <a:srgbClr val="FF0000"/>
+            </a:solidFill>
+          </a:ln>
+        </p:spPr>
+        <p:style>
+          <a:lnRef idx="2">
+            <a:schemeClr val="accent1">
+              <a:shade val="50000"/>
+            </a:schemeClr>
+          </a:lnRef>
+          <a:fillRef idx="1">
+            <a:schemeClr val="accent1"/>
+          </a:fillRef>
+          <a:effectRef idx="0">
+            <a:schemeClr val="accent1"/>
+          </a:effectRef>
+          <a:fontRef idx="minor">
+            <a:schemeClr val="lt1"/>
+          </a:fontRef>
+        </p:style>
+        <p:txBody>
+          <a:bodyPr rtlCol="0" anchor="ctr"/>
+          <a:lstStyle/>
+          <a:p>
+            <a:pPr algn="ctr"/>
+            <a:endParaRPr lang="en-US" sz="800">
+              <a:solidFill>
+                <a:schemeClr val="tx1"/>
+              </a:solidFill>
+            </a:endParaRPr>
+          </a:p>
+        </p:txBody>
+      </p:sp>
+      <p:sp>
+        <p:nvSpPr>
+          <p:cNvPr id="24" name="TextBox 23"/>
+          <p:cNvSpPr txBox="1"/>
+          <p:nvPr/>
+        </p:nvSpPr>
+        <p:spPr>
+          <a:xfrm>
+            <a:off x="521901" y="877499"/>
+            <a:ext cx="833562" cy="138499"/>
+          </a:xfrm>
+          <a:prstGeom prst="rect">
+            <a:avLst/>
+          </a:prstGeom>
+          <a:solidFill>
+            <a:schemeClr val="bg1">
+              <a:alpha val="70000"/>
+            </a:schemeClr>
+          </a:solidFill>
+        </p:spPr>
+        <p:txBody>
+          <a:bodyPr wrap="none" lIns="0" tIns="0" rIns="0" bIns="0" rtlCol="0" anchor="ctr" anchorCtr="1">
+            <a:spAutoFit/>
+          </a:bodyPr>
+          <a:lstStyle/>
+          <a:p>
+            <a:r>
+              <a:rPr lang="en-US" sz="900" b="1" dirty="0" smtClean="0"/>
+              <a:t>Shared Holy Sites</a:t>
+            </a:r>
+            <a:endParaRPr lang="en-US" sz="900" b="1" dirty="0"/>
+          </a:p>
+        </p:txBody>
+      </p:sp>
+      <p:sp>
+        <p:nvSpPr>
+          <p:cNvPr id="25" name="Sun 24"/>
+          <p:cNvSpPr/>
+          <p:nvPr/>
+        </p:nvSpPr>
+        <p:spPr>
+          <a:xfrm>
+            <a:off x="2514600" y="1104097"/>
+            <a:ext cx="217100" cy="217100"/>
+          </a:xfrm>
+          <a:prstGeom prst="sun">
+            <a:avLst/>
+          </a:prstGeom>
+          <a:solidFill>
+            <a:schemeClr val="bg1"/>
+          </a:solidFill>
+          <a:ln w="15875">
+            <a:solidFill>
+              <a:srgbClr val="FF0000"/>
+            </a:solidFill>
+          </a:ln>
+        </p:spPr>
+        <p:style>
+          <a:lnRef idx="2">
+            <a:schemeClr val="accent1">
+              <a:shade val="50000"/>
+            </a:schemeClr>
+          </a:lnRef>
+          <a:fillRef idx="1">
+            <a:schemeClr val="accent1"/>
+          </a:fillRef>
+          <a:effectRef idx="0">
+            <a:schemeClr val="accent1"/>
+          </a:effectRef>
+          <a:fontRef idx="minor">
+            <a:schemeClr val="lt1"/>
+          </a:fontRef>
+        </p:style>
+        <p:txBody>
+          <a:bodyPr rtlCol="0" anchor="ctr"/>
+          <a:lstStyle/>
+          <a:p>
+            <a:pPr algn="ctr"/>
+            <a:r>
+              <a:rPr lang="en-US" sz="800" b="1" smtClean="0">
+                <a:solidFill>
+                  <a:schemeClr val="tx1"/>
+                </a:solidFill>
+              </a:rPr>
+              <a:t>1</a:t>
+            </a:r>
+            <a:endParaRPr lang="en-US" sz="800" b="1">
+              <a:solidFill>
+                <a:schemeClr val="tx1"/>
+              </a:solidFill>
+            </a:endParaRPr>
+          </a:p>
+        </p:txBody>
+      </p:sp>
+      <p:sp>
+        <p:nvSpPr>
+          <p:cNvPr id="26" name="TextBox 25"/>
+          <p:cNvSpPr txBox="1"/>
+          <p:nvPr/>
+        </p:nvSpPr>
+        <p:spPr>
+          <a:xfrm>
+            <a:off x="2757099" y="1143398"/>
+            <a:ext cx="389530" cy="138499"/>
+          </a:xfrm>
+          <a:prstGeom prst="rect">
+            <a:avLst/>
+          </a:prstGeom>
+          <a:solidFill>
+            <a:schemeClr val="bg1">
+              <a:alpha val="70000"/>
+            </a:schemeClr>
+          </a:solidFill>
+        </p:spPr>
+        <p:txBody>
+          <a:bodyPr wrap="none" lIns="0" tIns="0" rIns="0" bIns="0" rtlCol="0" anchor="ctr" anchorCtr="1">
+            <a:spAutoFit/>
+          </a:bodyPr>
+          <a:lstStyle/>
+          <a:p>
+            <a:r>
+              <a:rPr lang="en-US" sz="900" b="1" dirty="0" smtClean="0"/>
+              <a:t>Catholic</a:t>
+            </a:r>
+            <a:endParaRPr lang="en-US" sz="900" b="1" dirty="0"/>
+          </a:p>
+        </p:txBody>
+      </p:sp>
+      <p:sp>
+        <p:nvSpPr>
+          <p:cNvPr id="30" name="Sun 29"/>
+          <p:cNvSpPr/>
+          <p:nvPr/>
+        </p:nvSpPr>
+        <p:spPr>
+          <a:xfrm>
+            <a:off x="279401" y="1602432"/>
+            <a:ext cx="217100" cy="217100"/>
+          </a:xfrm>
+          <a:prstGeom prst="sun">
+            <a:avLst/>
+          </a:prstGeom>
+          <a:solidFill>
+            <a:schemeClr val="bg1"/>
+          </a:solidFill>
+          <a:ln w="9525">
+            <a:solidFill>
+              <a:srgbClr val="FF0000"/>
+            </a:solidFill>
+          </a:ln>
+        </p:spPr>
+        <p:style>
+          <a:lnRef idx="2">
+            <a:schemeClr val="accent1">
+              <a:shade val="50000"/>
+            </a:schemeClr>
+          </a:lnRef>
+          <a:fillRef idx="1">
+            <a:schemeClr val="accent1"/>
+          </a:fillRef>
+          <a:effectRef idx="0">
+            <a:schemeClr val="accent1"/>
+          </a:effectRef>
+          <a:fontRef idx="minor">
+            <a:schemeClr val="lt1"/>
+          </a:fontRef>
+        </p:style>
+        <p:txBody>
+          <a:bodyPr rtlCol="0" anchor="ctr"/>
+          <a:lstStyle/>
+          <a:p>
+            <a:pPr algn="ctr"/>
+            <a:r>
+              <a:rPr lang="en-US" sz="800" b="1" dirty="0" smtClean="0">
+                <a:solidFill>
+                  <a:schemeClr val="tx1"/>
+                </a:solidFill>
+              </a:rPr>
+              <a:t>2</a:t>
+            </a:r>
+            <a:endParaRPr lang="en-US" sz="800" b="1" dirty="0">
+              <a:solidFill>
+                <a:schemeClr val="tx1"/>
+              </a:solidFill>
+            </a:endParaRPr>
+          </a:p>
+        </p:txBody>
+      </p:sp>
+      <p:sp>
+        <p:nvSpPr>
+          <p:cNvPr id="31" name="TextBox 30"/>
+          <p:cNvSpPr txBox="1"/>
+          <p:nvPr/>
+        </p:nvSpPr>
+        <p:spPr>
+          <a:xfrm>
+            <a:off x="496501" y="1641733"/>
+            <a:ext cx="238330" cy="138499"/>
+          </a:xfrm>
+          <a:prstGeom prst="rect">
+            <a:avLst/>
+          </a:prstGeom>
+          <a:solidFill>
+            <a:schemeClr val="bg1">
+              <a:alpha val="70000"/>
+            </a:schemeClr>
+          </a:solidFill>
+        </p:spPr>
+        <p:txBody>
+          <a:bodyPr wrap="none" lIns="36000" tIns="0" rIns="0" bIns="0" rtlCol="0" anchor="ctr" anchorCtr="1">
+            <a:spAutoFit/>
+          </a:bodyPr>
+          <a:lstStyle/>
+          <a:p>
+            <a:r>
+              <a:rPr lang="en-US" sz="900" dirty="0" smtClean="0"/>
+              <a:t>Text</a:t>
+            </a:r>
+            <a:endParaRPr lang="en-US" sz="900" dirty="0"/>
+          </a:p>
+        </p:txBody>
+      </p:sp>
+      <p:sp>
+        <p:nvSpPr>
+          <p:cNvPr id="27" name="TextBox 26"/>
+          <p:cNvSpPr txBox="1"/>
+          <p:nvPr/>
+        </p:nvSpPr>
+        <p:spPr>
+          <a:xfrm>
+            <a:off x="0" y="0"/>
+            <a:ext cx="6858000" cy="861774"/>
+          </a:xfrm>
+          <a:prstGeom prst="rect">
+            <a:avLst/>
+          </a:prstGeom>
+          <a:noFill/>
+        </p:spPr>
+        <p:txBody>
+          <a:bodyPr wrap="square" rtlCol="0">
+            <a:spAutoFit/>
+          </a:bodyPr>
+          <a:lstStyle/>
+          <a:p>
+            <a:pPr algn="ctr"/>
+            <a:r>
+              <a:rPr lang="en-US" sz="3200" b="1" dirty="0" smtClean="0">
+                <a:effectLst>
+                  <a:outerShdw blurRad="38100" dist="38100" dir="2700000" algn="tl">
+                    <a:srgbClr val="000000">
+                      <a:alpha val="43137"/>
+                    </a:srgbClr>
+                  </a:outerShdw>
+                </a:effectLst>
+              </a:rPr>
               <a:t>Template (Eastern)</a:t>
             </a:r>
           </a:p>
@@ -6218,7 +12317,7 @@
 </p:sld>
 </file>
 
-<file path=ppt/slides/slide3.xml><?xml version="1.0" encoding="utf-8"?>
+<file path=ppt/slides/slide9.xml><?xml version="1.0" encoding="utf-8"?>
 <p:sld xmlns:a="http://schemas.openxmlformats.org/drawingml/2006/main" xmlns:r="http://schemas.openxmlformats.org/officeDocument/2006/relationships" xmlns:p="http://schemas.openxmlformats.org/presentationml/2006/main">
   <p:cSld>
     <p:spTree>
@@ -8253,4 +14352,265 @@
   <a:objectDefaults/>
   <a:extraClrSchemeLst/>
 </a:theme>
+</file>
+
+<file path=ppt/theme/theme2.xml><?xml version="1.0" encoding="utf-8"?>
+<a:theme xmlns:a="http://schemas.openxmlformats.org/drawingml/2006/main" name="Thème Office">
+  <a:themeElements>
+    <a:clrScheme name="Office">
+      <a:dk1>
+        <a:sysClr val="windowText" lastClr="000000"/>
+      </a:dk1>
+      <a:lt1>
+        <a:sysClr val="window" lastClr="FFFFFF"/>
+      </a:lt1>
+      <a:dk2>
+        <a:srgbClr val="44546A"/>
+      </a:dk2>
+      <a:lt2>
+        <a:srgbClr val="E7E6E6"/>
+      </a:lt2>
+      <a:accent1>
+        <a:srgbClr val="5B9BD5"/>
+      </a:accent1>
+      <a:accent2>
+        <a:srgbClr val="ED7D31"/>
+      </a:accent2>
+      <a:accent3>
+        <a:srgbClr val="A5A5A5"/>
+      </a:accent3>
+      <a:accent4>
+        <a:srgbClr val="FFC000"/>
+      </a:accent4>
+      <a:accent5>
+        <a:srgbClr val="4472C4"/>
+      </a:accent5>
+      <a:accent6>
+        <a:srgbClr val="70AD47"/>
+      </a:accent6>
+      <a:hlink>
+        <a:srgbClr val="0563C1"/>
+      </a:hlink>
+      <a:folHlink>
+        <a:srgbClr val="954F72"/>
+      </a:folHlink>
+    </a:clrScheme>
+    <a:fontScheme name="Office">
+      <a:majorFont>
+        <a:latin typeface="Calibri Light" panose="020F0302020204030204"/>
+        <a:ea typeface=""/>
+        <a:cs typeface=""/>
+        <a:font script="Jpan" typeface="ＭＳ Ｐゴシック"/>
+        <a:font script="Hang" typeface="맑은 고딕"/>
+        <a:font script="Hans" typeface="宋体"/>
+        <a:font script="Hant" typeface="新細明體"/>
+        <a:font script="Arab" typeface="Times New Roman"/>
+        <a:font script="Hebr" typeface="Times New Roman"/>
+        <a:font script="Thai" typeface="Angsana New"/>
+        <a:font script="Ethi" typeface="Nyala"/>
+        <a:font script="Beng" typeface="Vrinda"/>
+        <a:font script="Gujr" typeface="Shruti"/>
+        <a:font script="Khmr" typeface="MoolBoran"/>
+        <a:font script="Knda" typeface="Tunga"/>
+        <a:font script="Guru" typeface="Raavi"/>
+        <a:font script="Cans" typeface="Euphemia"/>
+        <a:font script="Cher" typeface="Plantagenet Cherokee"/>
+        <a:font script="Yiii" typeface="Microsoft Yi Baiti"/>
+        <a:font script="Tibt" typeface="Microsoft Himalaya"/>
+        <a:font script="Thaa" typeface="MV Boli"/>
+        <a:font script="Deva" typeface="Mangal"/>
+        <a:font script="Telu" typeface="Gautami"/>
+        <a:font script="Taml" typeface="Latha"/>
+        <a:font script="Syrc" typeface="Estrangelo Edessa"/>
+        <a:font script="Orya" typeface="Kalinga"/>
+        <a:font script="Mlym" typeface="Kartika"/>
+        <a:font script="Laoo" typeface="DokChampa"/>
+        <a:font script="Sinh" typeface="Iskoola Pota"/>
+        <a:font script="Mong" typeface="Mongolian Baiti"/>
+        <a:font script="Viet" typeface="Times New Roman"/>
+        <a:font script="Uigh" typeface="Microsoft Uighur"/>
+        <a:font script="Geor" typeface="Sylfaen"/>
+      </a:majorFont>
+      <a:minorFont>
+        <a:latin typeface="Calibri" panose="020F0502020204030204"/>
+        <a:ea typeface=""/>
+        <a:cs typeface=""/>
+        <a:font script="Jpan" typeface="ＭＳ Ｐゴシック"/>
+        <a:font script="Hang" typeface="맑은 고딕"/>
+        <a:font script="Hans" typeface="宋体"/>
+        <a:font script="Hant" typeface="新細明體"/>
+        <a:font script="Arab" typeface="Arial"/>
+        <a:font script="Hebr" typeface="Arial"/>
+        <a:font script="Thai" typeface="Cordia New"/>
+        <a:font script="Ethi" typeface="Nyala"/>
+        <a:font script="Beng" typeface="Vrinda"/>
+        <a:font script="Gujr" typeface="Shruti"/>
+        <a:font script="Khmr" typeface="DaunPenh"/>
+        <a:font script="Knda" typeface="Tunga"/>
+        <a:font script="Guru" typeface="Raavi"/>
+        <a:font script="Cans" typeface="Euphemia"/>
+        <a:font script="Cher" typeface="Plantagenet Cherokee"/>
+        <a:font script="Yiii" typeface="Microsoft Yi Baiti"/>
+        <a:font script="Tibt" typeface="Microsoft Himalaya"/>
+        <a:font script="Thaa" typeface="MV Boli"/>
+        <a:font script="Deva" typeface="Mangal"/>
+        <a:font script="Telu" typeface="Gautami"/>
+        <a:font script="Taml" typeface="Latha"/>
+        <a:font script="Syrc" typeface="Estrangelo Edessa"/>
+        <a:font script="Orya" typeface="Kalinga"/>
+        <a:font script="Mlym" typeface="Kartika"/>
+        <a:font script="Laoo" typeface="DokChampa"/>
+        <a:font script="Sinh" typeface="Iskoola Pota"/>
+        <a:font script="Mong" typeface="Mongolian Baiti"/>
+        <a:font script="Viet" typeface="Arial"/>
+        <a:font script="Uigh" typeface="Microsoft Uighur"/>
+        <a:font script="Geor" typeface="Sylfaen"/>
+      </a:minorFont>
+    </a:fontScheme>
+    <a:fmtScheme name="Office">
+      <a:fillStyleLst>
+        <a:solidFill>
+          <a:schemeClr val="phClr"/>
+        </a:solidFill>
+        <a:gradFill rotWithShape="1">
+          <a:gsLst>
+            <a:gs pos="0">
+              <a:schemeClr val="phClr">
+                <a:lumMod val="110000"/>
+                <a:satMod val="105000"/>
+                <a:tint val="67000"/>
+              </a:schemeClr>
+            </a:gs>
+            <a:gs pos="50000">
+              <a:schemeClr val="phClr">
+                <a:lumMod val="105000"/>
+                <a:satMod val="103000"/>
+                <a:tint val="73000"/>
+              </a:schemeClr>
+            </a:gs>
+            <a:gs pos="100000">
+              <a:schemeClr val="phClr">
+                <a:lumMod val="105000"/>
+                <a:satMod val="109000"/>
+                <a:tint val="81000"/>
+              </a:schemeClr>
+            </a:gs>
+          </a:gsLst>
+          <a:lin ang="5400000" scaled="0"/>
+        </a:gradFill>
+        <a:gradFill rotWithShape="1">
+          <a:gsLst>
+            <a:gs pos="0">
+              <a:schemeClr val="phClr">
+                <a:satMod val="103000"/>
+                <a:lumMod val="102000"/>
+                <a:tint val="94000"/>
+              </a:schemeClr>
+            </a:gs>
+            <a:gs pos="50000">
+              <a:schemeClr val="phClr">
+                <a:satMod val="110000"/>
+                <a:lumMod val="100000"/>
+                <a:shade val="100000"/>
+              </a:schemeClr>
+            </a:gs>
+            <a:gs pos="100000">
+              <a:schemeClr val="phClr">
+                <a:lumMod val="99000"/>
+                <a:satMod val="120000"/>
+                <a:shade val="78000"/>
+              </a:schemeClr>
+            </a:gs>
+          </a:gsLst>
+          <a:lin ang="5400000" scaled="0"/>
+        </a:gradFill>
+      </a:fillStyleLst>
+      <a:lnStyleLst>
+        <a:ln w="6350" cap="flat" cmpd="sng" algn="ctr">
+          <a:solidFill>
+            <a:schemeClr val="phClr"/>
+          </a:solidFill>
+          <a:prstDash val="solid"/>
+          <a:miter lim="800000"/>
+        </a:ln>
+        <a:ln w="12700" cap="flat" cmpd="sng" algn="ctr">
+          <a:solidFill>
+            <a:schemeClr val="phClr"/>
+          </a:solidFill>
+          <a:prstDash val="solid"/>
+          <a:miter lim="800000"/>
+        </a:ln>
+        <a:ln w="19050" cap="flat" cmpd="sng" algn="ctr">
+          <a:solidFill>
+            <a:schemeClr val="phClr"/>
+          </a:solidFill>
+          <a:prstDash val="solid"/>
+          <a:miter lim="800000"/>
+        </a:ln>
+      </a:lnStyleLst>
+      <a:effectStyleLst>
+        <a:effectStyle>
+          <a:effectLst/>
+        </a:effectStyle>
+        <a:effectStyle>
+          <a:effectLst/>
+        </a:effectStyle>
+        <a:effectStyle>
+          <a:effectLst>
+            <a:outerShdw blurRad="57150" dist="19050" dir="5400000" algn="ctr" rotWithShape="0">
+              <a:srgbClr val="000000">
+                <a:alpha val="63000"/>
+              </a:srgbClr>
+            </a:outerShdw>
+          </a:effectLst>
+        </a:effectStyle>
+      </a:effectStyleLst>
+      <a:bgFillStyleLst>
+        <a:solidFill>
+          <a:schemeClr val="phClr"/>
+        </a:solidFill>
+        <a:solidFill>
+          <a:schemeClr val="phClr">
+            <a:tint val="95000"/>
+            <a:satMod val="170000"/>
+          </a:schemeClr>
+        </a:solidFill>
+        <a:gradFill rotWithShape="1">
+          <a:gsLst>
+            <a:gs pos="0">
+              <a:schemeClr val="phClr">
+                <a:tint val="93000"/>
+                <a:satMod val="150000"/>
+                <a:shade val="98000"/>
+                <a:lumMod val="102000"/>
+              </a:schemeClr>
+            </a:gs>
+            <a:gs pos="50000">
+              <a:schemeClr val="phClr">
+                <a:tint val="98000"/>
+                <a:satMod val="130000"/>
+                <a:shade val="90000"/>
+                <a:lumMod val="103000"/>
+              </a:schemeClr>
+            </a:gs>
+            <a:gs pos="100000">
+              <a:schemeClr val="phClr">
+                <a:shade val="63000"/>
+                <a:satMod val="120000"/>
+              </a:schemeClr>
+            </a:gs>
+          </a:gsLst>
+          <a:lin ang="5400000" scaled="0"/>
+        </a:gradFill>
+      </a:bgFillStyleLst>
+    </a:fmtScheme>
+  </a:themeElements>
+  <a:objectDefaults/>
+  <a:extraClrSchemeLst/>
+  <a:extLst>
+    <a:ext uri="{05A4C25C-085E-4340-85A3-A5531E510DB2}">
+      <thm15:themeFamily xmlns:thm15="http://schemas.microsoft.com/office/thememl/2012/main" name="Office Theme" id="{62F939B6-93AF-4DB8-9C6B-D6C7DFDC589F}" vid="{4A3C46E8-61CC-4603-A589-7422A47A8E4A}"/>
+    </a:ext>
+  </a:extLst>
+</a:theme>
 </file>